--- a/preso.pptx
+++ b/preso.pptx
@@ -5,16 +5,23 @@
     <p:sldMasterId id="2147483648" r:id="rId1"/>
   </p:sldMasterIdLst>
   <p:notesMasterIdLst>
-    <p:notesMasterId r:id="rId9"/>
+    <p:notesMasterId r:id="rId16"/>
   </p:notesMasterIdLst>
   <p:sldIdLst>
     <p:sldId id="256" r:id="rId2"/>
-    <p:sldId id="263" r:id="rId3"/>
-    <p:sldId id="265" r:id="rId4"/>
-    <p:sldId id="264" r:id="rId5"/>
-    <p:sldId id="266" r:id="rId6"/>
-    <p:sldId id="267" r:id="rId7"/>
-    <p:sldId id="268" r:id="rId8"/>
+    <p:sldId id="269" r:id="rId3"/>
+    <p:sldId id="272" r:id="rId4"/>
+    <p:sldId id="270" r:id="rId5"/>
+    <p:sldId id="271" r:id="rId6"/>
+    <p:sldId id="265" r:id="rId7"/>
+    <p:sldId id="263" r:id="rId8"/>
+    <p:sldId id="264" r:id="rId9"/>
+    <p:sldId id="266" r:id="rId10"/>
+    <p:sldId id="267" r:id="rId11"/>
+    <p:sldId id="273" r:id="rId12"/>
+    <p:sldId id="274" r:id="rId13"/>
+    <p:sldId id="275" r:id="rId14"/>
+    <p:sldId id="268" r:id="rId15"/>
   </p:sldIdLst>
   <p:sldSz cx="12192000" cy="6858000"/>
   <p:notesSz cx="6797675" cy="9874250"/>
@@ -263,7 +270,7 @@
       </p15:sldGuideLst>
     </p:ext>
     <p:ext uri="http://customooxmlschemas.google.com/">
-      <go:slidesCustomData xmlns:go="http://customooxmlschemas.google.com/" xmlns:ahyp="http://schemas.microsoft.com/office/drawing/2018/hyperlinkcolor" xmlns:p15="http://schemas.microsoft.com/office/powerpoint/2012/main" xmlns:p14="http://schemas.microsoft.com/office/powerpoint/2010/main" xmlns:com="http://schemas.openxmlformats.org/drawingml/2006/compatibility" xmlns:pvml="urn:schemas-microsoft-com:office:powerpoint" xmlns:v="urn:schemas-microsoft-com:vml" xmlns:o="urn:schemas-microsoft-com:office:office" xmlns:dgm="http://schemas.openxmlformats.org/drawingml/2006/diagram" xmlns:c="http://schemas.openxmlformats.org/drawingml/2006/chart" xmlns:mv="urn:schemas-microsoft-com:mac:vml" xmlns:mc="http://schemas.openxmlformats.org/markup-compatibility/2006" xmlns="" r:id="rId18" roundtripDataSignature="AMtx7mgk2eDF5sIGEO373kKcNsZVT8h09w=="/>
+      <go:slidesCustomData xmlns="" xmlns:mc="http://schemas.openxmlformats.org/markup-compatibility/2006" xmlns:mv="urn:schemas-microsoft-com:mac:vml" xmlns:c="http://schemas.openxmlformats.org/drawingml/2006/chart" xmlns:dgm="http://schemas.openxmlformats.org/drawingml/2006/diagram" xmlns:o="urn:schemas-microsoft-com:office:office" xmlns:v="urn:schemas-microsoft-com:vml" xmlns:pvml="urn:schemas-microsoft-com:office:powerpoint" xmlns:com="http://schemas.openxmlformats.org/drawingml/2006/compatibility" xmlns:p14="http://schemas.microsoft.com/office/powerpoint/2010/main" xmlns:p15="http://schemas.microsoft.com/office/powerpoint/2012/main" xmlns:ahyp="http://schemas.microsoft.com/office/drawing/2018/hyperlinkcolor" xmlns:go="http://customooxmlschemas.google.com/" r:id="rId18" roundtripDataSignature="AMtx7mgk2eDF5sIGEO373kKcNsZVT8h09w=="/>
     </p:ext>
   </p:extLst>
 </p:presentation>
@@ -1898,7 +1905,1277 @@
 </p:notes>
 </file>
 
+<file path=ppt/notesSlides/notesSlide10.xml><?xml version="1.0" encoding="utf-8"?>
+<p:notes xmlns:a="http://schemas.openxmlformats.org/drawingml/2006/main" xmlns:r="http://schemas.openxmlformats.org/officeDocument/2006/relationships" xmlns:p="http://schemas.openxmlformats.org/presentationml/2006/main" showMasterSp="0" showMasterPhAnim="0">
+  <p:cSld>
+    <p:spTree>
+      <p:nvGrpSpPr>
+        <p:cNvPr id="1" name="Shape 157"/>
+        <p:cNvGrpSpPr/>
+        <p:nvPr/>
+      </p:nvGrpSpPr>
+      <p:grpSpPr>
+        <a:xfrm>
+          <a:off x="0" y="0"/>
+          <a:ext cx="0" cy="0"/>
+          <a:chOff x="0" y="0"/>
+          <a:chExt cx="0" cy="0"/>
+        </a:xfrm>
+      </p:grpSpPr>
+      <p:sp>
+        <p:nvSpPr>
+          <p:cNvPr id="158" name="Google Shape;158;p9:notes"/>
+          <p:cNvSpPr txBox="1">
+            <a:spLocks noGrp="1"/>
+          </p:cNvSpPr>
+          <p:nvPr>
+            <p:ph type="body" idx="1"/>
+          </p:nvPr>
+        </p:nvSpPr>
+        <p:spPr>
+          <a:xfrm>
+            <a:off x="679768" y="4751983"/>
+            <a:ext cx="5438140" cy="3888148"/>
+          </a:xfrm>
+          <a:prstGeom prst="rect">
+            <a:avLst/>
+          </a:prstGeom>
+          <a:noFill/>
+          <a:ln>
+            <a:noFill/>
+          </a:ln>
+        </p:spPr>
+        <p:txBody>
+          <a:bodyPr spcFirstLastPara="1" wrap="square" lIns="91425" tIns="45700" rIns="91425" bIns="45700" anchor="t" anchorCtr="0">
+            <a:noAutofit/>
+          </a:bodyPr>
+          <a:lstStyle/>
+          <a:p>
+            <a:pPr marL="0" lvl="0" indent="0" algn="l" rtl="0">
+              <a:lnSpc>
+                <a:spcPct val="100000"/>
+              </a:lnSpc>
+              <a:spcBef>
+                <a:spcPts val="0"/>
+              </a:spcBef>
+              <a:spcAft>
+                <a:spcPts val="0"/>
+              </a:spcAft>
+              <a:buSzPts val="1400"/>
+              <a:buNone/>
+            </a:pPr>
+            <a:endParaRPr dirty="0"/>
+          </a:p>
+        </p:txBody>
+      </p:sp>
+      <p:sp>
+        <p:nvSpPr>
+          <p:cNvPr id="159" name="Google Shape;159;p9:notes"/>
+          <p:cNvSpPr>
+            <a:spLocks noGrp="1" noRot="1" noChangeAspect="1"/>
+          </p:cNvSpPr>
+          <p:nvPr>
+            <p:ph type="sldImg" idx="2"/>
+          </p:nvPr>
+        </p:nvSpPr>
+        <p:spPr>
+          <a:xfrm>
+            <a:off x="436563" y="1233488"/>
+            <a:ext cx="5924550" cy="3333750"/>
+          </a:xfrm>
+          <a:custGeom>
+            <a:avLst/>
+            <a:gdLst/>
+            <a:ahLst/>
+            <a:cxnLst/>
+            <a:rect l="l" t="t" r="r" b="b"/>
+            <a:pathLst>
+              <a:path w="120000" h="120000" extrusionOk="0">
+                <a:moveTo>
+                  <a:pt x="0" y="0"/>
+                </a:moveTo>
+                <a:lnTo>
+                  <a:pt x="120000" y="0"/>
+                </a:lnTo>
+                <a:lnTo>
+                  <a:pt x="120000" y="120000"/>
+                </a:lnTo>
+                <a:lnTo>
+                  <a:pt x="0" y="120000"/>
+                </a:lnTo>
+                <a:close/>
+              </a:path>
+            </a:pathLst>
+          </a:custGeom>
+          <a:noFill/>
+          <a:ln w="12700" cap="flat" cmpd="sng">
+            <a:solidFill>
+              <a:srgbClr val="000000"/>
+            </a:solidFill>
+            <a:prstDash val="solid"/>
+            <a:round/>
+            <a:headEnd type="none" w="sm" len="sm"/>
+            <a:tailEnd type="none" w="sm" len="sm"/>
+          </a:ln>
+        </p:spPr>
+      </p:sp>
+    </p:spTree>
+    <p:extLst>
+      <p:ext uri="{BB962C8B-B14F-4D97-AF65-F5344CB8AC3E}">
+        <p14:creationId xmlns:p14="http://schemas.microsoft.com/office/powerpoint/2010/main" val="2200939651"/>
+      </p:ext>
+    </p:extLst>
+  </p:cSld>
+  <p:clrMapOvr>
+    <a:masterClrMapping/>
+  </p:clrMapOvr>
+</p:notes>
+</file>
+
+<file path=ppt/notesSlides/notesSlide11.xml><?xml version="1.0" encoding="utf-8"?>
+<p:notes xmlns:a="http://schemas.openxmlformats.org/drawingml/2006/main" xmlns:r="http://schemas.openxmlformats.org/officeDocument/2006/relationships" xmlns:p="http://schemas.openxmlformats.org/presentationml/2006/main" showMasterSp="0" showMasterPhAnim="0">
+  <p:cSld>
+    <p:spTree>
+      <p:nvGrpSpPr>
+        <p:cNvPr id="1" name="Shape 157"/>
+        <p:cNvGrpSpPr/>
+        <p:nvPr/>
+      </p:nvGrpSpPr>
+      <p:grpSpPr>
+        <a:xfrm>
+          <a:off x="0" y="0"/>
+          <a:ext cx="0" cy="0"/>
+          <a:chOff x="0" y="0"/>
+          <a:chExt cx="0" cy="0"/>
+        </a:xfrm>
+      </p:grpSpPr>
+      <p:sp>
+        <p:nvSpPr>
+          <p:cNvPr id="158" name="Google Shape;158;p9:notes"/>
+          <p:cNvSpPr txBox="1">
+            <a:spLocks noGrp="1"/>
+          </p:cNvSpPr>
+          <p:nvPr>
+            <p:ph type="body" idx="1"/>
+          </p:nvPr>
+        </p:nvSpPr>
+        <p:spPr>
+          <a:xfrm>
+            <a:off x="679768" y="4751983"/>
+            <a:ext cx="5438140" cy="3888148"/>
+          </a:xfrm>
+          <a:prstGeom prst="rect">
+            <a:avLst/>
+          </a:prstGeom>
+          <a:noFill/>
+          <a:ln>
+            <a:noFill/>
+          </a:ln>
+        </p:spPr>
+        <p:txBody>
+          <a:bodyPr spcFirstLastPara="1" wrap="square" lIns="91425" tIns="45700" rIns="91425" bIns="45700" anchor="t" anchorCtr="0">
+            <a:noAutofit/>
+          </a:bodyPr>
+          <a:lstStyle/>
+          <a:p>
+            <a:pPr marL="0" lvl="0" indent="0" algn="l" rtl="0">
+              <a:lnSpc>
+                <a:spcPct val="100000"/>
+              </a:lnSpc>
+              <a:spcBef>
+                <a:spcPts val="0"/>
+              </a:spcBef>
+              <a:spcAft>
+                <a:spcPts val="0"/>
+              </a:spcAft>
+              <a:buSzPts val="1400"/>
+              <a:buNone/>
+            </a:pPr>
+            <a:endParaRPr dirty="0"/>
+          </a:p>
+        </p:txBody>
+      </p:sp>
+      <p:sp>
+        <p:nvSpPr>
+          <p:cNvPr id="159" name="Google Shape;159;p9:notes"/>
+          <p:cNvSpPr>
+            <a:spLocks noGrp="1" noRot="1" noChangeAspect="1"/>
+          </p:cNvSpPr>
+          <p:nvPr>
+            <p:ph type="sldImg" idx="2"/>
+          </p:nvPr>
+        </p:nvSpPr>
+        <p:spPr>
+          <a:xfrm>
+            <a:off x="436563" y="1233488"/>
+            <a:ext cx="5924550" cy="3333750"/>
+          </a:xfrm>
+          <a:custGeom>
+            <a:avLst/>
+            <a:gdLst/>
+            <a:ahLst/>
+            <a:cxnLst/>
+            <a:rect l="l" t="t" r="r" b="b"/>
+            <a:pathLst>
+              <a:path w="120000" h="120000" extrusionOk="0">
+                <a:moveTo>
+                  <a:pt x="0" y="0"/>
+                </a:moveTo>
+                <a:lnTo>
+                  <a:pt x="120000" y="0"/>
+                </a:lnTo>
+                <a:lnTo>
+                  <a:pt x="120000" y="120000"/>
+                </a:lnTo>
+                <a:lnTo>
+                  <a:pt x="0" y="120000"/>
+                </a:lnTo>
+                <a:close/>
+              </a:path>
+            </a:pathLst>
+          </a:custGeom>
+          <a:noFill/>
+          <a:ln w="12700" cap="flat" cmpd="sng">
+            <a:solidFill>
+              <a:srgbClr val="000000"/>
+            </a:solidFill>
+            <a:prstDash val="solid"/>
+            <a:round/>
+            <a:headEnd type="none" w="sm" len="sm"/>
+            <a:tailEnd type="none" w="sm" len="sm"/>
+          </a:ln>
+        </p:spPr>
+      </p:sp>
+    </p:spTree>
+    <p:extLst>
+      <p:ext uri="{BB962C8B-B14F-4D97-AF65-F5344CB8AC3E}">
+        <p14:creationId xmlns:p14="http://schemas.microsoft.com/office/powerpoint/2010/main" val="1331207641"/>
+      </p:ext>
+    </p:extLst>
+  </p:cSld>
+  <p:clrMapOvr>
+    <a:masterClrMapping/>
+  </p:clrMapOvr>
+</p:notes>
+</file>
+
+<file path=ppt/notesSlides/notesSlide12.xml><?xml version="1.0" encoding="utf-8"?>
+<p:notes xmlns:a="http://schemas.openxmlformats.org/drawingml/2006/main" xmlns:r="http://schemas.openxmlformats.org/officeDocument/2006/relationships" xmlns:p="http://schemas.openxmlformats.org/presentationml/2006/main" showMasterSp="0" showMasterPhAnim="0">
+  <p:cSld>
+    <p:spTree>
+      <p:nvGrpSpPr>
+        <p:cNvPr id="1" name="Shape 157"/>
+        <p:cNvGrpSpPr/>
+        <p:nvPr/>
+      </p:nvGrpSpPr>
+      <p:grpSpPr>
+        <a:xfrm>
+          <a:off x="0" y="0"/>
+          <a:ext cx="0" cy="0"/>
+          <a:chOff x="0" y="0"/>
+          <a:chExt cx="0" cy="0"/>
+        </a:xfrm>
+      </p:grpSpPr>
+      <p:sp>
+        <p:nvSpPr>
+          <p:cNvPr id="158" name="Google Shape;158;p9:notes"/>
+          <p:cNvSpPr txBox="1">
+            <a:spLocks noGrp="1"/>
+          </p:cNvSpPr>
+          <p:nvPr>
+            <p:ph type="body" idx="1"/>
+          </p:nvPr>
+        </p:nvSpPr>
+        <p:spPr>
+          <a:xfrm>
+            <a:off x="679768" y="4751983"/>
+            <a:ext cx="5438140" cy="3888148"/>
+          </a:xfrm>
+          <a:prstGeom prst="rect">
+            <a:avLst/>
+          </a:prstGeom>
+          <a:noFill/>
+          <a:ln>
+            <a:noFill/>
+          </a:ln>
+        </p:spPr>
+        <p:txBody>
+          <a:bodyPr spcFirstLastPara="1" wrap="square" lIns="91425" tIns="45700" rIns="91425" bIns="45700" anchor="t" anchorCtr="0">
+            <a:noAutofit/>
+          </a:bodyPr>
+          <a:lstStyle/>
+          <a:p>
+            <a:pPr marL="0" lvl="0" indent="0" algn="l" rtl="0">
+              <a:lnSpc>
+                <a:spcPct val="100000"/>
+              </a:lnSpc>
+              <a:spcBef>
+                <a:spcPts val="0"/>
+              </a:spcBef>
+              <a:spcAft>
+                <a:spcPts val="0"/>
+              </a:spcAft>
+              <a:buSzPts val="1400"/>
+              <a:buNone/>
+            </a:pPr>
+            <a:endParaRPr dirty="0"/>
+          </a:p>
+        </p:txBody>
+      </p:sp>
+      <p:sp>
+        <p:nvSpPr>
+          <p:cNvPr id="159" name="Google Shape;159;p9:notes"/>
+          <p:cNvSpPr>
+            <a:spLocks noGrp="1" noRot="1" noChangeAspect="1"/>
+          </p:cNvSpPr>
+          <p:nvPr>
+            <p:ph type="sldImg" idx="2"/>
+          </p:nvPr>
+        </p:nvSpPr>
+        <p:spPr>
+          <a:xfrm>
+            <a:off x="436563" y="1233488"/>
+            <a:ext cx="5924550" cy="3333750"/>
+          </a:xfrm>
+          <a:custGeom>
+            <a:avLst/>
+            <a:gdLst/>
+            <a:ahLst/>
+            <a:cxnLst/>
+            <a:rect l="l" t="t" r="r" b="b"/>
+            <a:pathLst>
+              <a:path w="120000" h="120000" extrusionOk="0">
+                <a:moveTo>
+                  <a:pt x="0" y="0"/>
+                </a:moveTo>
+                <a:lnTo>
+                  <a:pt x="120000" y="0"/>
+                </a:lnTo>
+                <a:lnTo>
+                  <a:pt x="120000" y="120000"/>
+                </a:lnTo>
+                <a:lnTo>
+                  <a:pt x="0" y="120000"/>
+                </a:lnTo>
+                <a:close/>
+              </a:path>
+            </a:pathLst>
+          </a:custGeom>
+          <a:noFill/>
+          <a:ln w="12700" cap="flat" cmpd="sng">
+            <a:solidFill>
+              <a:srgbClr val="000000"/>
+            </a:solidFill>
+            <a:prstDash val="solid"/>
+            <a:round/>
+            <a:headEnd type="none" w="sm" len="sm"/>
+            <a:tailEnd type="none" w="sm" len="sm"/>
+          </a:ln>
+        </p:spPr>
+      </p:sp>
+    </p:spTree>
+    <p:extLst>
+      <p:ext uri="{BB962C8B-B14F-4D97-AF65-F5344CB8AC3E}">
+        <p14:creationId xmlns:p14="http://schemas.microsoft.com/office/powerpoint/2010/main" val="2281981949"/>
+      </p:ext>
+    </p:extLst>
+  </p:cSld>
+  <p:clrMapOvr>
+    <a:masterClrMapping/>
+  </p:clrMapOvr>
+</p:notes>
+</file>
+
+<file path=ppt/notesSlides/notesSlide13.xml><?xml version="1.0" encoding="utf-8"?>
+<p:notes xmlns:a="http://schemas.openxmlformats.org/drawingml/2006/main" xmlns:r="http://schemas.openxmlformats.org/officeDocument/2006/relationships" xmlns:p="http://schemas.openxmlformats.org/presentationml/2006/main" showMasterSp="0" showMasterPhAnim="0">
+  <p:cSld>
+    <p:spTree>
+      <p:nvGrpSpPr>
+        <p:cNvPr id="1" name="Shape 157"/>
+        <p:cNvGrpSpPr/>
+        <p:nvPr/>
+      </p:nvGrpSpPr>
+      <p:grpSpPr>
+        <a:xfrm>
+          <a:off x="0" y="0"/>
+          <a:ext cx="0" cy="0"/>
+          <a:chOff x="0" y="0"/>
+          <a:chExt cx="0" cy="0"/>
+        </a:xfrm>
+      </p:grpSpPr>
+      <p:sp>
+        <p:nvSpPr>
+          <p:cNvPr id="158" name="Google Shape;158;p9:notes"/>
+          <p:cNvSpPr txBox="1">
+            <a:spLocks noGrp="1"/>
+          </p:cNvSpPr>
+          <p:nvPr>
+            <p:ph type="body" idx="1"/>
+          </p:nvPr>
+        </p:nvSpPr>
+        <p:spPr>
+          <a:xfrm>
+            <a:off x="679768" y="4751983"/>
+            <a:ext cx="5438140" cy="3888148"/>
+          </a:xfrm>
+          <a:prstGeom prst="rect">
+            <a:avLst/>
+          </a:prstGeom>
+          <a:noFill/>
+          <a:ln>
+            <a:noFill/>
+          </a:ln>
+        </p:spPr>
+        <p:txBody>
+          <a:bodyPr spcFirstLastPara="1" wrap="square" lIns="91425" tIns="45700" rIns="91425" bIns="45700" anchor="t" anchorCtr="0">
+            <a:noAutofit/>
+          </a:bodyPr>
+          <a:lstStyle/>
+          <a:p>
+            <a:pPr marL="0" lvl="0" indent="0" algn="l" rtl="0">
+              <a:lnSpc>
+                <a:spcPct val="100000"/>
+              </a:lnSpc>
+              <a:spcBef>
+                <a:spcPts val="0"/>
+              </a:spcBef>
+              <a:spcAft>
+                <a:spcPts val="0"/>
+              </a:spcAft>
+              <a:buSzPts val="1400"/>
+              <a:buNone/>
+            </a:pPr>
+            <a:endParaRPr dirty="0"/>
+          </a:p>
+        </p:txBody>
+      </p:sp>
+      <p:sp>
+        <p:nvSpPr>
+          <p:cNvPr id="159" name="Google Shape;159;p9:notes"/>
+          <p:cNvSpPr>
+            <a:spLocks noGrp="1" noRot="1" noChangeAspect="1"/>
+          </p:cNvSpPr>
+          <p:nvPr>
+            <p:ph type="sldImg" idx="2"/>
+          </p:nvPr>
+        </p:nvSpPr>
+        <p:spPr>
+          <a:xfrm>
+            <a:off x="436563" y="1233488"/>
+            <a:ext cx="5924550" cy="3333750"/>
+          </a:xfrm>
+          <a:custGeom>
+            <a:avLst/>
+            <a:gdLst/>
+            <a:ahLst/>
+            <a:cxnLst/>
+            <a:rect l="l" t="t" r="r" b="b"/>
+            <a:pathLst>
+              <a:path w="120000" h="120000" extrusionOk="0">
+                <a:moveTo>
+                  <a:pt x="0" y="0"/>
+                </a:moveTo>
+                <a:lnTo>
+                  <a:pt x="120000" y="0"/>
+                </a:lnTo>
+                <a:lnTo>
+                  <a:pt x="120000" y="120000"/>
+                </a:lnTo>
+                <a:lnTo>
+                  <a:pt x="0" y="120000"/>
+                </a:lnTo>
+                <a:close/>
+              </a:path>
+            </a:pathLst>
+          </a:custGeom>
+          <a:noFill/>
+          <a:ln w="12700" cap="flat" cmpd="sng">
+            <a:solidFill>
+              <a:srgbClr val="000000"/>
+            </a:solidFill>
+            <a:prstDash val="solid"/>
+            <a:round/>
+            <a:headEnd type="none" w="sm" len="sm"/>
+            <a:tailEnd type="none" w="sm" len="sm"/>
+          </a:ln>
+        </p:spPr>
+      </p:sp>
+    </p:spTree>
+    <p:extLst>
+      <p:ext uri="{BB962C8B-B14F-4D97-AF65-F5344CB8AC3E}">
+        <p14:creationId xmlns:p14="http://schemas.microsoft.com/office/powerpoint/2010/main" val="3259427010"/>
+      </p:ext>
+    </p:extLst>
+  </p:cSld>
+  <p:clrMapOvr>
+    <a:masterClrMapping/>
+  </p:clrMapOvr>
+</p:notes>
+</file>
+
+<file path=ppt/notesSlides/notesSlide14.xml><?xml version="1.0" encoding="utf-8"?>
+<p:notes xmlns:a="http://schemas.openxmlformats.org/drawingml/2006/main" xmlns:r="http://schemas.openxmlformats.org/officeDocument/2006/relationships" xmlns:p="http://schemas.openxmlformats.org/presentationml/2006/main" showMasterSp="0" showMasterPhAnim="0">
+  <p:cSld>
+    <p:spTree>
+      <p:nvGrpSpPr>
+        <p:cNvPr id="1" name="Shape 157"/>
+        <p:cNvGrpSpPr/>
+        <p:nvPr/>
+      </p:nvGrpSpPr>
+      <p:grpSpPr>
+        <a:xfrm>
+          <a:off x="0" y="0"/>
+          <a:ext cx="0" cy="0"/>
+          <a:chOff x="0" y="0"/>
+          <a:chExt cx="0" cy="0"/>
+        </a:xfrm>
+      </p:grpSpPr>
+      <p:sp>
+        <p:nvSpPr>
+          <p:cNvPr id="158" name="Google Shape;158;p9:notes"/>
+          <p:cNvSpPr txBox="1">
+            <a:spLocks noGrp="1"/>
+          </p:cNvSpPr>
+          <p:nvPr>
+            <p:ph type="body" idx="1"/>
+          </p:nvPr>
+        </p:nvSpPr>
+        <p:spPr>
+          <a:xfrm>
+            <a:off x="679768" y="4751983"/>
+            <a:ext cx="5438140" cy="3888148"/>
+          </a:xfrm>
+          <a:prstGeom prst="rect">
+            <a:avLst/>
+          </a:prstGeom>
+          <a:noFill/>
+          <a:ln>
+            <a:noFill/>
+          </a:ln>
+        </p:spPr>
+        <p:txBody>
+          <a:bodyPr spcFirstLastPara="1" wrap="square" lIns="91425" tIns="45700" rIns="91425" bIns="45700" anchor="t" anchorCtr="0">
+            <a:noAutofit/>
+          </a:bodyPr>
+          <a:lstStyle/>
+          <a:p>
+            <a:pPr marL="0" lvl="0" indent="0" algn="l" rtl="0">
+              <a:lnSpc>
+                <a:spcPct val="100000"/>
+              </a:lnSpc>
+              <a:spcBef>
+                <a:spcPts val="0"/>
+              </a:spcBef>
+              <a:spcAft>
+                <a:spcPts val="0"/>
+              </a:spcAft>
+              <a:buSzPts val="1400"/>
+              <a:buNone/>
+            </a:pPr>
+            <a:endParaRPr dirty="0"/>
+          </a:p>
+        </p:txBody>
+      </p:sp>
+      <p:sp>
+        <p:nvSpPr>
+          <p:cNvPr id="159" name="Google Shape;159;p9:notes"/>
+          <p:cNvSpPr>
+            <a:spLocks noGrp="1" noRot="1" noChangeAspect="1"/>
+          </p:cNvSpPr>
+          <p:nvPr>
+            <p:ph type="sldImg" idx="2"/>
+          </p:nvPr>
+        </p:nvSpPr>
+        <p:spPr>
+          <a:xfrm>
+            <a:off x="436563" y="1233488"/>
+            <a:ext cx="5924550" cy="3333750"/>
+          </a:xfrm>
+          <a:custGeom>
+            <a:avLst/>
+            <a:gdLst/>
+            <a:ahLst/>
+            <a:cxnLst/>
+            <a:rect l="l" t="t" r="r" b="b"/>
+            <a:pathLst>
+              <a:path w="120000" h="120000" extrusionOk="0">
+                <a:moveTo>
+                  <a:pt x="0" y="0"/>
+                </a:moveTo>
+                <a:lnTo>
+                  <a:pt x="120000" y="0"/>
+                </a:lnTo>
+                <a:lnTo>
+                  <a:pt x="120000" y="120000"/>
+                </a:lnTo>
+                <a:lnTo>
+                  <a:pt x="0" y="120000"/>
+                </a:lnTo>
+                <a:close/>
+              </a:path>
+            </a:pathLst>
+          </a:custGeom>
+          <a:noFill/>
+          <a:ln w="12700" cap="flat" cmpd="sng">
+            <a:solidFill>
+              <a:srgbClr val="000000"/>
+            </a:solidFill>
+            <a:prstDash val="solid"/>
+            <a:round/>
+            <a:headEnd type="none" w="sm" len="sm"/>
+            <a:tailEnd type="none" w="sm" len="sm"/>
+          </a:ln>
+        </p:spPr>
+      </p:sp>
+    </p:spTree>
+    <p:extLst>
+      <p:ext uri="{BB962C8B-B14F-4D97-AF65-F5344CB8AC3E}">
+        <p14:creationId xmlns:p14="http://schemas.microsoft.com/office/powerpoint/2010/main" val="3036585761"/>
+      </p:ext>
+    </p:extLst>
+  </p:cSld>
+  <p:clrMapOvr>
+    <a:masterClrMapping/>
+  </p:clrMapOvr>
+</p:notes>
+</file>
+
 <file path=ppt/notesSlides/notesSlide2.xml><?xml version="1.0" encoding="utf-8"?>
+<p:notes xmlns:a="http://schemas.openxmlformats.org/drawingml/2006/main" xmlns:r="http://schemas.openxmlformats.org/officeDocument/2006/relationships" xmlns:p="http://schemas.openxmlformats.org/presentationml/2006/main" showMasterSp="0" showMasterPhAnim="0">
+  <p:cSld>
+    <p:spTree>
+      <p:nvGrpSpPr>
+        <p:cNvPr id="1" name="Shape 144"/>
+        <p:cNvGrpSpPr/>
+        <p:nvPr/>
+      </p:nvGrpSpPr>
+      <p:grpSpPr>
+        <a:xfrm>
+          <a:off x="0" y="0"/>
+          <a:ext cx="0" cy="0"/>
+          <a:chOff x="0" y="0"/>
+          <a:chExt cx="0" cy="0"/>
+        </a:xfrm>
+      </p:grpSpPr>
+      <p:sp>
+        <p:nvSpPr>
+          <p:cNvPr id="145" name="Google Shape;145;p7:notes"/>
+          <p:cNvSpPr txBox="1">
+            <a:spLocks noGrp="1"/>
+          </p:cNvSpPr>
+          <p:nvPr>
+            <p:ph type="body" idx="1"/>
+          </p:nvPr>
+        </p:nvSpPr>
+        <p:spPr>
+          <a:xfrm>
+            <a:off x="679768" y="4751983"/>
+            <a:ext cx="5438140" cy="3888148"/>
+          </a:xfrm>
+          <a:prstGeom prst="rect">
+            <a:avLst/>
+          </a:prstGeom>
+          <a:noFill/>
+          <a:ln>
+            <a:noFill/>
+          </a:ln>
+        </p:spPr>
+        <p:txBody>
+          <a:bodyPr spcFirstLastPara="1" wrap="square" lIns="91425" tIns="45700" rIns="91425" bIns="45700" anchor="t" anchorCtr="0">
+            <a:noAutofit/>
+          </a:bodyPr>
+          <a:lstStyle/>
+          <a:p>
+            <a:pPr marL="0" lvl="0" indent="0" algn="l" rtl="0">
+              <a:lnSpc>
+                <a:spcPct val="100000"/>
+              </a:lnSpc>
+              <a:spcBef>
+                <a:spcPts val="0"/>
+              </a:spcBef>
+              <a:spcAft>
+                <a:spcPts val="0"/>
+              </a:spcAft>
+              <a:buSzPts val="1400"/>
+              <a:buNone/>
+            </a:pPr>
+            <a:endParaRPr/>
+          </a:p>
+        </p:txBody>
+      </p:sp>
+      <p:sp>
+        <p:nvSpPr>
+          <p:cNvPr id="146" name="Google Shape;146;p7:notes"/>
+          <p:cNvSpPr>
+            <a:spLocks noGrp="1" noRot="1" noChangeAspect="1"/>
+          </p:cNvSpPr>
+          <p:nvPr>
+            <p:ph type="sldImg" idx="2"/>
+          </p:nvPr>
+        </p:nvSpPr>
+        <p:spPr>
+          <a:xfrm>
+            <a:off x="436563" y="1233488"/>
+            <a:ext cx="5924550" cy="3333750"/>
+          </a:xfrm>
+          <a:custGeom>
+            <a:avLst/>
+            <a:gdLst/>
+            <a:ahLst/>
+            <a:cxnLst/>
+            <a:rect l="l" t="t" r="r" b="b"/>
+            <a:pathLst>
+              <a:path w="120000" h="120000" extrusionOk="0">
+                <a:moveTo>
+                  <a:pt x="0" y="0"/>
+                </a:moveTo>
+                <a:lnTo>
+                  <a:pt x="120000" y="0"/>
+                </a:lnTo>
+                <a:lnTo>
+                  <a:pt x="120000" y="120000"/>
+                </a:lnTo>
+                <a:lnTo>
+                  <a:pt x="0" y="120000"/>
+                </a:lnTo>
+                <a:close/>
+              </a:path>
+            </a:pathLst>
+          </a:custGeom>
+          <a:noFill/>
+          <a:ln w="12700" cap="flat" cmpd="sng">
+            <a:solidFill>
+              <a:srgbClr val="000000"/>
+            </a:solidFill>
+            <a:prstDash val="solid"/>
+            <a:round/>
+            <a:headEnd type="none" w="sm" len="sm"/>
+            <a:tailEnd type="none" w="sm" len="sm"/>
+          </a:ln>
+        </p:spPr>
+      </p:sp>
+    </p:spTree>
+    <p:extLst>
+      <p:ext uri="{BB962C8B-B14F-4D97-AF65-F5344CB8AC3E}">
+        <p14:creationId xmlns:p14="http://schemas.microsoft.com/office/powerpoint/2010/main" val="3272426632"/>
+      </p:ext>
+    </p:extLst>
+  </p:cSld>
+  <p:clrMapOvr>
+    <a:masterClrMapping/>
+  </p:clrMapOvr>
+</p:notes>
+</file>
+
+<file path=ppt/notesSlides/notesSlide3.xml><?xml version="1.0" encoding="utf-8"?>
+<p:notes xmlns:a="http://schemas.openxmlformats.org/drawingml/2006/main" xmlns:r="http://schemas.openxmlformats.org/officeDocument/2006/relationships" xmlns:p="http://schemas.openxmlformats.org/presentationml/2006/main" showMasterSp="0" showMasterPhAnim="0">
+  <p:cSld>
+    <p:spTree>
+      <p:nvGrpSpPr>
+        <p:cNvPr id="1" name="Shape 144"/>
+        <p:cNvGrpSpPr/>
+        <p:nvPr/>
+      </p:nvGrpSpPr>
+      <p:grpSpPr>
+        <a:xfrm>
+          <a:off x="0" y="0"/>
+          <a:ext cx="0" cy="0"/>
+          <a:chOff x="0" y="0"/>
+          <a:chExt cx="0" cy="0"/>
+        </a:xfrm>
+      </p:grpSpPr>
+      <p:sp>
+        <p:nvSpPr>
+          <p:cNvPr id="145" name="Google Shape;145;p7:notes"/>
+          <p:cNvSpPr txBox="1">
+            <a:spLocks noGrp="1"/>
+          </p:cNvSpPr>
+          <p:nvPr>
+            <p:ph type="body" idx="1"/>
+          </p:nvPr>
+        </p:nvSpPr>
+        <p:spPr>
+          <a:xfrm>
+            <a:off x="679768" y="4751983"/>
+            <a:ext cx="5438140" cy="3888148"/>
+          </a:xfrm>
+          <a:prstGeom prst="rect">
+            <a:avLst/>
+          </a:prstGeom>
+          <a:noFill/>
+          <a:ln>
+            <a:noFill/>
+          </a:ln>
+        </p:spPr>
+        <p:txBody>
+          <a:bodyPr spcFirstLastPara="1" wrap="square" lIns="91425" tIns="45700" rIns="91425" bIns="45700" anchor="t" anchorCtr="0">
+            <a:noAutofit/>
+          </a:bodyPr>
+          <a:lstStyle/>
+          <a:p>
+            <a:pPr marL="0" lvl="0" indent="0" algn="l" rtl="0">
+              <a:lnSpc>
+                <a:spcPct val="100000"/>
+              </a:lnSpc>
+              <a:spcBef>
+                <a:spcPts val="0"/>
+              </a:spcBef>
+              <a:spcAft>
+                <a:spcPts val="0"/>
+              </a:spcAft>
+              <a:buSzPts val="1400"/>
+              <a:buNone/>
+            </a:pPr>
+            <a:endParaRPr/>
+          </a:p>
+        </p:txBody>
+      </p:sp>
+      <p:sp>
+        <p:nvSpPr>
+          <p:cNvPr id="146" name="Google Shape;146;p7:notes"/>
+          <p:cNvSpPr>
+            <a:spLocks noGrp="1" noRot="1" noChangeAspect="1"/>
+          </p:cNvSpPr>
+          <p:nvPr>
+            <p:ph type="sldImg" idx="2"/>
+          </p:nvPr>
+        </p:nvSpPr>
+        <p:spPr>
+          <a:xfrm>
+            <a:off x="436563" y="1233488"/>
+            <a:ext cx="5924550" cy="3333750"/>
+          </a:xfrm>
+          <a:custGeom>
+            <a:avLst/>
+            <a:gdLst/>
+            <a:ahLst/>
+            <a:cxnLst/>
+            <a:rect l="l" t="t" r="r" b="b"/>
+            <a:pathLst>
+              <a:path w="120000" h="120000" extrusionOk="0">
+                <a:moveTo>
+                  <a:pt x="0" y="0"/>
+                </a:moveTo>
+                <a:lnTo>
+                  <a:pt x="120000" y="0"/>
+                </a:lnTo>
+                <a:lnTo>
+                  <a:pt x="120000" y="120000"/>
+                </a:lnTo>
+                <a:lnTo>
+                  <a:pt x="0" y="120000"/>
+                </a:lnTo>
+                <a:close/>
+              </a:path>
+            </a:pathLst>
+          </a:custGeom>
+          <a:noFill/>
+          <a:ln w="12700" cap="flat" cmpd="sng">
+            <a:solidFill>
+              <a:srgbClr val="000000"/>
+            </a:solidFill>
+            <a:prstDash val="solid"/>
+            <a:round/>
+            <a:headEnd type="none" w="sm" len="sm"/>
+            <a:tailEnd type="none" w="sm" len="sm"/>
+          </a:ln>
+        </p:spPr>
+      </p:sp>
+    </p:spTree>
+    <p:extLst>
+      <p:ext uri="{BB962C8B-B14F-4D97-AF65-F5344CB8AC3E}">
+        <p14:creationId xmlns:p14="http://schemas.microsoft.com/office/powerpoint/2010/main" val="480466926"/>
+      </p:ext>
+    </p:extLst>
+  </p:cSld>
+  <p:clrMapOvr>
+    <a:masterClrMapping/>
+  </p:clrMapOvr>
+</p:notes>
+</file>
+
+<file path=ppt/notesSlides/notesSlide4.xml><?xml version="1.0" encoding="utf-8"?>
+<p:notes xmlns:a="http://schemas.openxmlformats.org/drawingml/2006/main" xmlns:r="http://schemas.openxmlformats.org/officeDocument/2006/relationships" xmlns:p="http://schemas.openxmlformats.org/presentationml/2006/main" showMasterSp="0" showMasterPhAnim="0">
+  <p:cSld>
+    <p:spTree>
+      <p:nvGrpSpPr>
+        <p:cNvPr id="1" name="Shape 144"/>
+        <p:cNvGrpSpPr/>
+        <p:nvPr/>
+      </p:nvGrpSpPr>
+      <p:grpSpPr>
+        <a:xfrm>
+          <a:off x="0" y="0"/>
+          <a:ext cx="0" cy="0"/>
+          <a:chOff x="0" y="0"/>
+          <a:chExt cx="0" cy="0"/>
+        </a:xfrm>
+      </p:grpSpPr>
+      <p:sp>
+        <p:nvSpPr>
+          <p:cNvPr id="145" name="Google Shape;145;p7:notes"/>
+          <p:cNvSpPr txBox="1">
+            <a:spLocks noGrp="1"/>
+          </p:cNvSpPr>
+          <p:nvPr>
+            <p:ph type="body" idx="1"/>
+          </p:nvPr>
+        </p:nvSpPr>
+        <p:spPr>
+          <a:xfrm>
+            <a:off x="679768" y="4751983"/>
+            <a:ext cx="5438140" cy="3888148"/>
+          </a:xfrm>
+          <a:prstGeom prst="rect">
+            <a:avLst/>
+          </a:prstGeom>
+          <a:noFill/>
+          <a:ln>
+            <a:noFill/>
+          </a:ln>
+        </p:spPr>
+        <p:txBody>
+          <a:bodyPr spcFirstLastPara="1" wrap="square" lIns="91425" tIns="45700" rIns="91425" bIns="45700" anchor="t" anchorCtr="0">
+            <a:noAutofit/>
+          </a:bodyPr>
+          <a:lstStyle/>
+          <a:p>
+            <a:pPr marL="0" lvl="0" indent="0" algn="l" rtl="0">
+              <a:lnSpc>
+                <a:spcPct val="100000"/>
+              </a:lnSpc>
+              <a:spcBef>
+                <a:spcPts val="0"/>
+              </a:spcBef>
+              <a:spcAft>
+                <a:spcPts val="0"/>
+              </a:spcAft>
+              <a:buSzPts val="1400"/>
+              <a:buNone/>
+            </a:pPr>
+            <a:endParaRPr/>
+          </a:p>
+        </p:txBody>
+      </p:sp>
+      <p:sp>
+        <p:nvSpPr>
+          <p:cNvPr id="146" name="Google Shape;146;p7:notes"/>
+          <p:cNvSpPr>
+            <a:spLocks noGrp="1" noRot="1" noChangeAspect="1"/>
+          </p:cNvSpPr>
+          <p:nvPr>
+            <p:ph type="sldImg" idx="2"/>
+          </p:nvPr>
+        </p:nvSpPr>
+        <p:spPr>
+          <a:xfrm>
+            <a:off x="436563" y="1233488"/>
+            <a:ext cx="5924550" cy="3333750"/>
+          </a:xfrm>
+          <a:custGeom>
+            <a:avLst/>
+            <a:gdLst/>
+            <a:ahLst/>
+            <a:cxnLst/>
+            <a:rect l="l" t="t" r="r" b="b"/>
+            <a:pathLst>
+              <a:path w="120000" h="120000" extrusionOk="0">
+                <a:moveTo>
+                  <a:pt x="0" y="0"/>
+                </a:moveTo>
+                <a:lnTo>
+                  <a:pt x="120000" y="0"/>
+                </a:lnTo>
+                <a:lnTo>
+                  <a:pt x="120000" y="120000"/>
+                </a:lnTo>
+                <a:lnTo>
+                  <a:pt x="0" y="120000"/>
+                </a:lnTo>
+                <a:close/>
+              </a:path>
+            </a:pathLst>
+          </a:custGeom>
+          <a:noFill/>
+          <a:ln w="12700" cap="flat" cmpd="sng">
+            <a:solidFill>
+              <a:srgbClr val="000000"/>
+            </a:solidFill>
+            <a:prstDash val="solid"/>
+            <a:round/>
+            <a:headEnd type="none" w="sm" len="sm"/>
+            <a:tailEnd type="none" w="sm" len="sm"/>
+          </a:ln>
+        </p:spPr>
+      </p:sp>
+    </p:spTree>
+    <p:extLst>
+      <p:ext uri="{BB962C8B-B14F-4D97-AF65-F5344CB8AC3E}">
+        <p14:creationId xmlns:p14="http://schemas.microsoft.com/office/powerpoint/2010/main" val="3784234773"/>
+      </p:ext>
+    </p:extLst>
+  </p:cSld>
+  <p:clrMapOvr>
+    <a:masterClrMapping/>
+  </p:clrMapOvr>
+</p:notes>
+</file>
+
+<file path=ppt/notesSlides/notesSlide5.xml><?xml version="1.0" encoding="utf-8"?>
+<p:notes xmlns:a="http://schemas.openxmlformats.org/drawingml/2006/main" xmlns:r="http://schemas.openxmlformats.org/officeDocument/2006/relationships" xmlns:p="http://schemas.openxmlformats.org/presentationml/2006/main" showMasterSp="0" showMasterPhAnim="0">
+  <p:cSld>
+    <p:spTree>
+      <p:nvGrpSpPr>
+        <p:cNvPr id="1" name="Shape 144"/>
+        <p:cNvGrpSpPr/>
+        <p:nvPr/>
+      </p:nvGrpSpPr>
+      <p:grpSpPr>
+        <a:xfrm>
+          <a:off x="0" y="0"/>
+          <a:ext cx="0" cy="0"/>
+          <a:chOff x="0" y="0"/>
+          <a:chExt cx="0" cy="0"/>
+        </a:xfrm>
+      </p:grpSpPr>
+      <p:sp>
+        <p:nvSpPr>
+          <p:cNvPr id="145" name="Google Shape;145;p7:notes"/>
+          <p:cNvSpPr txBox="1">
+            <a:spLocks noGrp="1"/>
+          </p:cNvSpPr>
+          <p:nvPr>
+            <p:ph type="body" idx="1"/>
+          </p:nvPr>
+        </p:nvSpPr>
+        <p:spPr>
+          <a:xfrm>
+            <a:off x="679768" y="4751983"/>
+            <a:ext cx="5438140" cy="3888148"/>
+          </a:xfrm>
+          <a:prstGeom prst="rect">
+            <a:avLst/>
+          </a:prstGeom>
+          <a:noFill/>
+          <a:ln>
+            <a:noFill/>
+          </a:ln>
+        </p:spPr>
+        <p:txBody>
+          <a:bodyPr spcFirstLastPara="1" wrap="square" lIns="91425" tIns="45700" rIns="91425" bIns="45700" anchor="t" anchorCtr="0">
+            <a:noAutofit/>
+          </a:bodyPr>
+          <a:lstStyle/>
+          <a:p>
+            <a:pPr marL="0" lvl="0" indent="0" algn="l" rtl="0">
+              <a:lnSpc>
+                <a:spcPct val="100000"/>
+              </a:lnSpc>
+              <a:spcBef>
+                <a:spcPts val="0"/>
+              </a:spcBef>
+              <a:spcAft>
+                <a:spcPts val="0"/>
+              </a:spcAft>
+              <a:buSzPts val="1400"/>
+              <a:buNone/>
+            </a:pPr>
+            <a:endParaRPr/>
+          </a:p>
+        </p:txBody>
+      </p:sp>
+      <p:sp>
+        <p:nvSpPr>
+          <p:cNvPr id="146" name="Google Shape;146;p7:notes"/>
+          <p:cNvSpPr>
+            <a:spLocks noGrp="1" noRot="1" noChangeAspect="1"/>
+          </p:cNvSpPr>
+          <p:nvPr>
+            <p:ph type="sldImg" idx="2"/>
+          </p:nvPr>
+        </p:nvSpPr>
+        <p:spPr>
+          <a:xfrm>
+            <a:off x="436563" y="1233488"/>
+            <a:ext cx="5924550" cy="3333750"/>
+          </a:xfrm>
+          <a:custGeom>
+            <a:avLst/>
+            <a:gdLst/>
+            <a:ahLst/>
+            <a:cxnLst/>
+            <a:rect l="l" t="t" r="r" b="b"/>
+            <a:pathLst>
+              <a:path w="120000" h="120000" extrusionOk="0">
+                <a:moveTo>
+                  <a:pt x="0" y="0"/>
+                </a:moveTo>
+                <a:lnTo>
+                  <a:pt x="120000" y="0"/>
+                </a:lnTo>
+                <a:lnTo>
+                  <a:pt x="120000" y="120000"/>
+                </a:lnTo>
+                <a:lnTo>
+                  <a:pt x="0" y="120000"/>
+                </a:lnTo>
+                <a:close/>
+              </a:path>
+            </a:pathLst>
+          </a:custGeom>
+          <a:noFill/>
+          <a:ln w="12700" cap="flat" cmpd="sng">
+            <a:solidFill>
+              <a:srgbClr val="000000"/>
+            </a:solidFill>
+            <a:prstDash val="solid"/>
+            <a:round/>
+            <a:headEnd type="none" w="sm" len="sm"/>
+            <a:tailEnd type="none" w="sm" len="sm"/>
+          </a:ln>
+        </p:spPr>
+      </p:sp>
+    </p:spTree>
+    <p:extLst>
+      <p:ext uri="{BB962C8B-B14F-4D97-AF65-F5344CB8AC3E}">
+        <p14:creationId xmlns:p14="http://schemas.microsoft.com/office/powerpoint/2010/main" val="997369070"/>
+      </p:ext>
+    </p:extLst>
+  </p:cSld>
+  <p:clrMapOvr>
+    <a:masterClrMapping/>
+  </p:clrMapOvr>
+</p:notes>
+</file>
+
+<file path=ppt/notesSlides/notesSlide6.xml><?xml version="1.0" encoding="utf-8"?>
+<p:notes xmlns:a="http://schemas.openxmlformats.org/drawingml/2006/main" xmlns:r="http://schemas.openxmlformats.org/officeDocument/2006/relationships" xmlns:p="http://schemas.openxmlformats.org/presentationml/2006/main" showMasterSp="0" showMasterPhAnim="0">
+  <p:cSld>
+    <p:spTree>
+      <p:nvGrpSpPr>
+        <p:cNvPr id="1" name="Shape 144"/>
+        <p:cNvGrpSpPr/>
+        <p:nvPr/>
+      </p:nvGrpSpPr>
+      <p:grpSpPr>
+        <a:xfrm>
+          <a:off x="0" y="0"/>
+          <a:ext cx="0" cy="0"/>
+          <a:chOff x="0" y="0"/>
+          <a:chExt cx="0" cy="0"/>
+        </a:xfrm>
+      </p:grpSpPr>
+      <p:sp>
+        <p:nvSpPr>
+          <p:cNvPr id="145" name="Google Shape;145;p7:notes"/>
+          <p:cNvSpPr txBox="1">
+            <a:spLocks noGrp="1"/>
+          </p:cNvSpPr>
+          <p:nvPr>
+            <p:ph type="body" idx="1"/>
+          </p:nvPr>
+        </p:nvSpPr>
+        <p:spPr>
+          <a:xfrm>
+            <a:off x="679768" y="4751983"/>
+            <a:ext cx="5438140" cy="3888148"/>
+          </a:xfrm>
+          <a:prstGeom prst="rect">
+            <a:avLst/>
+          </a:prstGeom>
+          <a:noFill/>
+          <a:ln>
+            <a:noFill/>
+          </a:ln>
+        </p:spPr>
+        <p:txBody>
+          <a:bodyPr spcFirstLastPara="1" wrap="square" lIns="91425" tIns="45700" rIns="91425" bIns="45700" anchor="t" anchorCtr="0">
+            <a:noAutofit/>
+          </a:bodyPr>
+          <a:lstStyle/>
+          <a:p>
+            <a:pPr marL="0" lvl="0" indent="0" algn="l" rtl="0">
+              <a:lnSpc>
+                <a:spcPct val="100000"/>
+              </a:lnSpc>
+              <a:spcBef>
+                <a:spcPts val="0"/>
+              </a:spcBef>
+              <a:spcAft>
+                <a:spcPts val="0"/>
+              </a:spcAft>
+              <a:buSzPts val="1400"/>
+              <a:buNone/>
+            </a:pPr>
+            <a:endParaRPr/>
+          </a:p>
+        </p:txBody>
+      </p:sp>
+      <p:sp>
+        <p:nvSpPr>
+          <p:cNvPr id="146" name="Google Shape;146;p7:notes"/>
+          <p:cNvSpPr>
+            <a:spLocks noGrp="1" noRot="1" noChangeAspect="1"/>
+          </p:cNvSpPr>
+          <p:nvPr>
+            <p:ph type="sldImg" idx="2"/>
+          </p:nvPr>
+        </p:nvSpPr>
+        <p:spPr>
+          <a:xfrm>
+            <a:off x="436563" y="1233488"/>
+            <a:ext cx="5924550" cy="3333750"/>
+          </a:xfrm>
+          <a:custGeom>
+            <a:avLst/>
+            <a:gdLst/>
+            <a:ahLst/>
+            <a:cxnLst/>
+            <a:rect l="l" t="t" r="r" b="b"/>
+            <a:pathLst>
+              <a:path w="120000" h="120000" extrusionOk="0">
+                <a:moveTo>
+                  <a:pt x="0" y="0"/>
+                </a:moveTo>
+                <a:lnTo>
+                  <a:pt x="120000" y="0"/>
+                </a:lnTo>
+                <a:lnTo>
+                  <a:pt x="120000" y="120000"/>
+                </a:lnTo>
+                <a:lnTo>
+                  <a:pt x="0" y="120000"/>
+                </a:lnTo>
+                <a:close/>
+              </a:path>
+            </a:pathLst>
+          </a:custGeom>
+          <a:noFill/>
+          <a:ln w="12700" cap="flat" cmpd="sng">
+            <a:solidFill>
+              <a:srgbClr val="000000"/>
+            </a:solidFill>
+            <a:prstDash val="solid"/>
+            <a:round/>
+            <a:headEnd type="none" w="sm" len="sm"/>
+            <a:tailEnd type="none" w="sm" len="sm"/>
+          </a:ln>
+        </p:spPr>
+      </p:sp>
+    </p:spTree>
+    <p:extLst>
+      <p:ext uri="{BB962C8B-B14F-4D97-AF65-F5344CB8AC3E}">
+        <p14:creationId xmlns:p14="http://schemas.microsoft.com/office/powerpoint/2010/main" val="1240169423"/>
+      </p:ext>
+    </p:extLst>
+  </p:cSld>
+  <p:clrMapOvr>
+    <a:masterClrMapping/>
+  </p:clrMapOvr>
+</p:notes>
+</file>
+
+<file path=ppt/notesSlides/notesSlide7.xml><?xml version="1.0" encoding="utf-8"?>
 <p:notes xmlns:a="http://schemas.openxmlformats.org/drawingml/2006/main" xmlns:r="http://schemas.openxmlformats.org/officeDocument/2006/relationships" xmlns:p="http://schemas.openxmlformats.org/presentationml/2006/main" showMasterSp="0" showMasterPhAnim="0">
   <p:cSld>
     <p:spTree>
@@ -2025,134 +3302,7 @@
 </p:notes>
 </file>
 
-<file path=ppt/notesSlides/notesSlide3.xml><?xml version="1.0" encoding="utf-8"?>
-<p:notes xmlns:a="http://schemas.openxmlformats.org/drawingml/2006/main" xmlns:r="http://schemas.openxmlformats.org/officeDocument/2006/relationships" xmlns:p="http://schemas.openxmlformats.org/presentationml/2006/main" showMasterSp="0" showMasterPhAnim="0">
-  <p:cSld>
-    <p:spTree>
-      <p:nvGrpSpPr>
-        <p:cNvPr id="1" name="Shape 144"/>
-        <p:cNvGrpSpPr/>
-        <p:nvPr/>
-      </p:nvGrpSpPr>
-      <p:grpSpPr>
-        <a:xfrm>
-          <a:off x="0" y="0"/>
-          <a:ext cx="0" cy="0"/>
-          <a:chOff x="0" y="0"/>
-          <a:chExt cx="0" cy="0"/>
-        </a:xfrm>
-      </p:grpSpPr>
-      <p:sp>
-        <p:nvSpPr>
-          <p:cNvPr id="145" name="Google Shape;145;p7:notes"/>
-          <p:cNvSpPr txBox="1">
-            <a:spLocks noGrp="1"/>
-          </p:cNvSpPr>
-          <p:nvPr>
-            <p:ph type="body" idx="1"/>
-          </p:nvPr>
-        </p:nvSpPr>
-        <p:spPr>
-          <a:xfrm>
-            <a:off x="679768" y="4751983"/>
-            <a:ext cx="5438140" cy="3888148"/>
-          </a:xfrm>
-          <a:prstGeom prst="rect">
-            <a:avLst/>
-          </a:prstGeom>
-          <a:noFill/>
-          <a:ln>
-            <a:noFill/>
-          </a:ln>
-        </p:spPr>
-        <p:txBody>
-          <a:bodyPr spcFirstLastPara="1" wrap="square" lIns="91425" tIns="45700" rIns="91425" bIns="45700" anchor="t" anchorCtr="0">
-            <a:noAutofit/>
-          </a:bodyPr>
-          <a:lstStyle/>
-          <a:p>
-            <a:pPr marL="0" lvl="0" indent="0" algn="l" rtl="0">
-              <a:lnSpc>
-                <a:spcPct val="100000"/>
-              </a:lnSpc>
-              <a:spcBef>
-                <a:spcPts val="0"/>
-              </a:spcBef>
-              <a:spcAft>
-                <a:spcPts val="0"/>
-              </a:spcAft>
-              <a:buSzPts val="1400"/>
-              <a:buNone/>
-            </a:pPr>
-            <a:endParaRPr/>
-          </a:p>
-        </p:txBody>
-      </p:sp>
-      <p:sp>
-        <p:nvSpPr>
-          <p:cNvPr id="146" name="Google Shape;146;p7:notes"/>
-          <p:cNvSpPr>
-            <a:spLocks noGrp="1" noRot="1" noChangeAspect="1"/>
-          </p:cNvSpPr>
-          <p:nvPr>
-            <p:ph type="sldImg" idx="2"/>
-          </p:nvPr>
-        </p:nvSpPr>
-        <p:spPr>
-          <a:xfrm>
-            <a:off x="436563" y="1233488"/>
-            <a:ext cx="5924550" cy="3333750"/>
-          </a:xfrm>
-          <a:custGeom>
-            <a:avLst/>
-            <a:gdLst/>
-            <a:ahLst/>
-            <a:cxnLst/>
-            <a:rect l="l" t="t" r="r" b="b"/>
-            <a:pathLst>
-              <a:path w="120000" h="120000" extrusionOk="0">
-                <a:moveTo>
-                  <a:pt x="0" y="0"/>
-                </a:moveTo>
-                <a:lnTo>
-                  <a:pt x="120000" y="0"/>
-                </a:lnTo>
-                <a:lnTo>
-                  <a:pt x="120000" y="120000"/>
-                </a:lnTo>
-                <a:lnTo>
-                  <a:pt x="0" y="120000"/>
-                </a:lnTo>
-                <a:close/>
-              </a:path>
-            </a:pathLst>
-          </a:custGeom>
-          <a:noFill/>
-          <a:ln w="12700" cap="flat" cmpd="sng">
-            <a:solidFill>
-              <a:srgbClr val="000000"/>
-            </a:solidFill>
-            <a:prstDash val="solid"/>
-            <a:round/>
-            <a:headEnd type="none" w="sm" len="sm"/>
-            <a:tailEnd type="none" w="sm" len="sm"/>
-          </a:ln>
-        </p:spPr>
-      </p:sp>
-    </p:spTree>
-    <p:extLst>
-      <p:ext uri="{BB962C8B-B14F-4D97-AF65-F5344CB8AC3E}">
-        <p14:creationId xmlns:p14="http://schemas.microsoft.com/office/powerpoint/2010/main" val="1240169423"/>
-      </p:ext>
-    </p:extLst>
-  </p:cSld>
-  <p:clrMapOvr>
-    <a:masterClrMapping/>
-  </p:clrMapOvr>
-</p:notes>
-</file>
-
-<file path=ppt/notesSlides/notesSlide4.xml><?xml version="1.0" encoding="utf-8"?>
+<file path=ppt/notesSlides/notesSlide8.xml><?xml version="1.0" encoding="utf-8"?>
 <p:notes xmlns:a="http://schemas.openxmlformats.org/drawingml/2006/main" xmlns:r="http://schemas.openxmlformats.org/officeDocument/2006/relationships" xmlns:p="http://schemas.openxmlformats.org/presentationml/2006/main" showMasterSp="0" showMasterPhAnim="0">
   <p:cSld>
     <p:spTree>
@@ -2279,7 +3429,7 @@
 </p:notes>
 </file>
 
-<file path=ppt/notesSlides/notesSlide5.xml><?xml version="1.0" encoding="utf-8"?>
+<file path=ppt/notesSlides/notesSlide9.xml><?xml version="1.0" encoding="utf-8"?>
 <p:notes xmlns:a="http://schemas.openxmlformats.org/drawingml/2006/main" xmlns:r="http://schemas.openxmlformats.org/officeDocument/2006/relationships" xmlns:p="http://schemas.openxmlformats.org/presentationml/2006/main" showMasterSp="0" showMasterPhAnim="0">
   <p:cSld>
     <p:spTree>
@@ -2397,260 +3547,6 @@
     <p:extLst>
       <p:ext uri="{BB962C8B-B14F-4D97-AF65-F5344CB8AC3E}">
         <p14:creationId xmlns:p14="http://schemas.microsoft.com/office/powerpoint/2010/main" val="1812790886"/>
-      </p:ext>
-    </p:extLst>
-  </p:cSld>
-  <p:clrMapOvr>
-    <a:masterClrMapping/>
-  </p:clrMapOvr>
-</p:notes>
-</file>
-
-<file path=ppt/notesSlides/notesSlide6.xml><?xml version="1.0" encoding="utf-8"?>
-<p:notes xmlns:a="http://schemas.openxmlformats.org/drawingml/2006/main" xmlns:r="http://schemas.openxmlformats.org/officeDocument/2006/relationships" xmlns:p="http://schemas.openxmlformats.org/presentationml/2006/main" showMasterSp="0" showMasterPhAnim="0">
-  <p:cSld>
-    <p:spTree>
-      <p:nvGrpSpPr>
-        <p:cNvPr id="1" name="Shape 157"/>
-        <p:cNvGrpSpPr/>
-        <p:nvPr/>
-      </p:nvGrpSpPr>
-      <p:grpSpPr>
-        <a:xfrm>
-          <a:off x="0" y="0"/>
-          <a:ext cx="0" cy="0"/>
-          <a:chOff x="0" y="0"/>
-          <a:chExt cx="0" cy="0"/>
-        </a:xfrm>
-      </p:grpSpPr>
-      <p:sp>
-        <p:nvSpPr>
-          <p:cNvPr id="158" name="Google Shape;158;p9:notes"/>
-          <p:cNvSpPr txBox="1">
-            <a:spLocks noGrp="1"/>
-          </p:cNvSpPr>
-          <p:nvPr>
-            <p:ph type="body" idx="1"/>
-          </p:nvPr>
-        </p:nvSpPr>
-        <p:spPr>
-          <a:xfrm>
-            <a:off x="679768" y="4751983"/>
-            <a:ext cx="5438140" cy="3888148"/>
-          </a:xfrm>
-          <a:prstGeom prst="rect">
-            <a:avLst/>
-          </a:prstGeom>
-          <a:noFill/>
-          <a:ln>
-            <a:noFill/>
-          </a:ln>
-        </p:spPr>
-        <p:txBody>
-          <a:bodyPr spcFirstLastPara="1" wrap="square" lIns="91425" tIns="45700" rIns="91425" bIns="45700" anchor="t" anchorCtr="0">
-            <a:noAutofit/>
-          </a:bodyPr>
-          <a:lstStyle/>
-          <a:p>
-            <a:pPr marL="0" lvl="0" indent="0" algn="l" rtl="0">
-              <a:lnSpc>
-                <a:spcPct val="100000"/>
-              </a:lnSpc>
-              <a:spcBef>
-                <a:spcPts val="0"/>
-              </a:spcBef>
-              <a:spcAft>
-                <a:spcPts val="0"/>
-              </a:spcAft>
-              <a:buSzPts val="1400"/>
-              <a:buNone/>
-            </a:pPr>
-            <a:endParaRPr dirty="0"/>
-          </a:p>
-        </p:txBody>
-      </p:sp>
-      <p:sp>
-        <p:nvSpPr>
-          <p:cNvPr id="159" name="Google Shape;159;p9:notes"/>
-          <p:cNvSpPr>
-            <a:spLocks noGrp="1" noRot="1" noChangeAspect="1"/>
-          </p:cNvSpPr>
-          <p:nvPr>
-            <p:ph type="sldImg" idx="2"/>
-          </p:nvPr>
-        </p:nvSpPr>
-        <p:spPr>
-          <a:xfrm>
-            <a:off x="436563" y="1233488"/>
-            <a:ext cx="5924550" cy="3333750"/>
-          </a:xfrm>
-          <a:custGeom>
-            <a:avLst/>
-            <a:gdLst/>
-            <a:ahLst/>
-            <a:cxnLst/>
-            <a:rect l="l" t="t" r="r" b="b"/>
-            <a:pathLst>
-              <a:path w="120000" h="120000" extrusionOk="0">
-                <a:moveTo>
-                  <a:pt x="0" y="0"/>
-                </a:moveTo>
-                <a:lnTo>
-                  <a:pt x="120000" y="0"/>
-                </a:lnTo>
-                <a:lnTo>
-                  <a:pt x="120000" y="120000"/>
-                </a:lnTo>
-                <a:lnTo>
-                  <a:pt x="0" y="120000"/>
-                </a:lnTo>
-                <a:close/>
-              </a:path>
-            </a:pathLst>
-          </a:custGeom>
-          <a:noFill/>
-          <a:ln w="12700" cap="flat" cmpd="sng">
-            <a:solidFill>
-              <a:srgbClr val="000000"/>
-            </a:solidFill>
-            <a:prstDash val="solid"/>
-            <a:round/>
-            <a:headEnd type="none" w="sm" len="sm"/>
-            <a:tailEnd type="none" w="sm" len="sm"/>
-          </a:ln>
-        </p:spPr>
-      </p:sp>
-    </p:spTree>
-    <p:extLst>
-      <p:ext uri="{BB962C8B-B14F-4D97-AF65-F5344CB8AC3E}">
-        <p14:creationId xmlns:p14="http://schemas.microsoft.com/office/powerpoint/2010/main" val="2200939651"/>
-      </p:ext>
-    </p:extLst>
-  </p:cSld>
-  <p:clrMapOvr>
-    <a:masterClrMapping/>
-  </p:clrMapOvr>
-</p:notes>
-</file>
-
-<file path=ppt/notesSlides/notesSlide7.xml><?xml version="1.0" encoding="utf-8"?>
-<p:notes xmlns:a="http://schemas.openxmlformats.org/drawingml/2006/main" xmlns:r="http://schemas.openxmlformats.org/officeDocument/2006/relationships" xmlns:p="http://schemas.openxmlformats.org/presentationml/2006/main" showMasterSp="0" showMasterPhAnim="0">
-  <p:cSld>
-    <p:spTree>
-      <p:nvGrpSpPr>
-        <p:cNvPr id="1" name="Shape 157"/>
-        <p:cNvGrpSpPr/>
-        <p:nvPr/>
-      </p:nvGrpSpPr>
-      <p:grpSpPr>
-        <a:xfrm>
-          <a:off x="0" y="0"/>
-          <a:ext cx="0" cy="0"/>
-          <a:chOff x="0" y="0"/>
-          <a:chExt cx="0" cy="0"/>
-        </a:xfrm>
-      </p:grpSpPr>
-      <p:sp>
-        <p:nvSpPr>
-          <p:cNvPr id="158" name="Google Shape;158;p9:notes"/>
-          <p:cNvSpPr txBox="1">
-            <a:spLocks noGrp="1"/>
-          </p:cNvSpPr>
-          <p:nvPr>
-            <p:ph type="body" idx="1"/>
-          </p:nvPr>
-        </p:nvSpPr>
-        <p:spPr>
-          <a:xfrm>
-            <a:off x="679768" y="4751983"/>
-            <a:ext cx="5438140" cy="3888148"/>
-          </a:xfrm>
-          <a:prstGeom prst="rect">
-            <a:avLst/>
-          </a:prstGeom>
-          <a:noFill/>
-          <a:ln>
-            <a:noFill/>
-          </a:ln>
-        </p:spPr>
-        <p:txBody>
-          <a:bodyPr spcFirstLastPara="1" wrap="square" lIns="91425" tIns="45700" rIns="91425" bIns="45700" anchor="t" anchorCtr="0">
-            <a:noAutofit/>
-          </a:bodyPr>
-          <a:lstStyle/>
-          <a:p>
-            <a:pPr marL="0" lvl="0" indent="0" algn="l" rtl="0">
-              <a:lnSpc>
-                <a:spcPct val="100000"/>
-              </a:lnSpc>
-              <a:spcBef>
-                <a:spcPts val="0"/>
-              </a:spcBef>
-              <a:spcAft>
-                <a:spcPts val="0"/>
-              </a:spcAft>
-              <a:buSzPts val="1400"/>
-              <a:buNone/>
-            </a:pPr>
-            <a:endParaRPr dirty="0"/>
-          </a:p>
-        </p:txBody>
-      </p:sp>
-      <p:sp>
-        <p:nvSpPr>
-          <p:cNvPr id="159" name="Google Shape;159;p9:notes"/>
-          <p:cNvSpPr>
-            <a:spLocks noGrp="1" noRot="1" noChangeAspect="1"/>
-          </p:cNvSpPr>
-          <p:nvPr>
-            <p:ph type="sldImg" idx="2"/>
-          </p:nvPr>
-        </p:nvSpPr>
-        <p:spPr>
-          <a:xfrm>
-            <a:off x="436563" y="1233488"/>
-            <a:ext cx="5924550" cy="3333750"/>
-          </a:xfrm>
-          <a:custGeom>
-            <a:avLst/>
-            <a:gdLst/>
-            <a:ahLst/>
-            <a:cxnLst/>
-            <a:rect l="l" t="t" r="r" b="b"/>
-            <a:pathLst>
-              <a:path w="120000" h="120000" extrusionOk="0">
-                <a:moveTo>
-                  <a:pt x="0" y="0"/>
-                </a:moveTo>
-                <a:lnTo>
-                  <a:pt x="120000" y="0"/>
-                </a:lnTo>
-                <a:lnTo>
-                  <a:pt x="120000" y="120000"/>
-                </a:lnTo>
-                <a:lnTo>
-                  <a:pt x="0" y="120000"/>
-                </a:lnTo>
-                <a:close/>
-              </a:path>
-            </a:pathLst>
-          </a:custGeom>
-          <a:noFill/>
-          <a:ln w="12700" cap="flat" cmpd="sng">
-            <a:solidFill>
-              <a:srgbClr val="000000"/>
-            </a:solidFill>
-            <a:prstDash val="solid"/>
-            <a:round/>
-            <a:headEnd type="none" w="sm" len="sm"/>
-            <a:tailEnd type="none" w="sm" len="sm"/>
-          </a:ln>
-        </p:spPr>
-      </p:sp>
-    </p:spTree>
-    <p:extLst>
-      <p:ext uri="{BB962C8B-B14F-4D97-AF65-F5344CB8AC3E}">
-        <p14:creationId xmlns:p14="http://schemas.microsoft.com/office/powerpoint/2010/main" val="3036585761"/>
       </p:ext>
     </p:extLst>
   </p:cSld>
@@ -21137,12 +22033,14 @@
               <a:buNone/>
             </a:pPr>
             <a:r>
-              <a:rPr lang="en-US" sz="4400" dirty="0" err="1"/>
-              <a:t>tSNE</a:t>
-            </a:r>
-            <a:r>
-              <a:rPr lang="en-US" sz="4400" dirty="0"/>
-              <a:t> implementation modifications</a:t>
+              <a:rPr lang="en-US" sz="4000" i="0" u="none" strike="noStrike" dirty="0">
+                <a:solidFill>
+                  <a:srgbClr val="1F1F1F"/>
+                </a:solidFill>
+                <a:effectLst/>
+                <a:latin typeface="+mj-lt"/>
+              </a:rPr>
+              <a:t>Making low-dimensional embeddings more informative</a:t>
             </a:r>
           </a:p>
           <a:p>
@@ -21159,7 +22057,9 @@
               <a:buSzPts val="5400"/>
               <a:buNone/>
             </a:pPr>
-            <a:endParaRPr lang="en-US" sz="2800" b="0" dirty="0"/>
+            <a:endParaRPr lang="en-US" sz="4000" dirty="0">
+              <a:latin typeface="+mj-lt"/>
+            </a:endParaRPr>
           </a:p>
           <a:p>
             <a:pPr marL="0" lvl="0" indent="0" rtl="0">
@@ -21280,7 +22180,4222 @@
 </p:sld>
 </file>
 
+<file path=ppt/slides/slide10.xml><?xml version="1.0" encoding="utf-8"?>
+<p:sld xmlns:a="http://schemas.openxmlformats.org/drawingml/2006/main" xmlns:r="http://schemas.openxmlformats.org/officeDocument/2006/relationships" xmlns:p="http://schemas.openxmlformats.org/presentationml/2006/main">
+  <p:cSld>
+    <p:spTree>
+      <p:nvGrpSpPr>
+        <p:cNvPr id="1" name="Shape 160"/>
+        <p:cNvGrpSpPr/>
+        <p:nvPr/>
+      </p:nvGrpSpPr>
+      <p:grpSpPr>
+        <a:xfrm>
+          <a:off x="0" y="0"/>
+          <a:ext cx="0" cy="0"/>
+          <a:chOff x="0" y="0"/>
+          <a:chExt cx="0" cy="0"/>
+        </a:xfrm>
+      </p:grpSpPr>
+      <p:sp>
+        <p:nvSpPr>
+          <p:cNvPr id="161" name="Google Shape;161;p9"/>
+          <p:cNvSpPr txBox="1">
+            <a:spLocks noGrp="1"/>
+          </p:cNvSpPr>
+          <p:nvPr>
+            <p:ph type="title"/>
+          </p:nvPr>
+        </p:nvSpPr>
+        <p:spPr>
+          <a:xfrm>
+            <a:off x="708450" y="288451"/>
+            <a:ext cx="7027500" cy="683100"/>
+          </a:xfrm>
+          <a:prstGeom prst="rect">
+            <a:avLst/>
+          </a:prstGeom>
+          <a:noFill/>
+          <a:ln>
+            <a:noFill/>
+          </a:ln>
+        </p:spPr>
+        <p:txBody>
+          <a:bodyPr spcFirstLastPara="1" wrap="square" lIns="91425" tIns="45700" rIns="91425" bIns="45700" anchor="t" anchorCtr="0">
+            <a:noAutofit/>
+          </a:bodyPr>
+          <a:lstStyle/>
+          <a:p>
+            <a:pPr marL="0" marR="0" lvl="0" indent="0" algn="l" rtl="0">
+              <a:lnSpc>
+                <a:spcPct val="90000"/>
+              </a:lnSpc>
+              <a:spcBef>
+                <a:spcPts val="0"/>
+              </a:spcBef>
+              <a:spcAft>
+                <a:spcPts val="0"/>
+              </a:spcAft>
+              <a:buClr>
+                <a:schemeClr val="dk1"/>
+              </a:buClr>
+              <a:buSzPts val="7200"/>
+              <a:buFont typeface="Arial"/>
+              <a:buNone/>
+            </a:pPr>
+            <a:r>
+              <a:rPr lang="en-US" sz="3600" dirty="0"/>
+              <a:t>Experiments, dtSNE, #1</a:t>
+            </a:r>
+            <a:endParaRPr dirty="0"/>
+          </a:p>
+        </p:txBody>
+      </p:sp>
+      <p:sp>
+        <p:nvSpPr>
+          <p:cNvPr id="162" name="Google Shape;162;p9"/>
+          <p:cNvSpPr>
+            <a:spLocks noGrp="1"/>
+          </p:cNvSpPr>
+          <p:nvPr>
+            <p:ph type="sldNum" idx="12"/>
+          </p:nvPr>
+        </p:nvSpPr>
+        <p:spPr>
+          <a:xfrm>
+            <a:off x="11119976" y="365123"/>
+            <a:ext cx="579331" cy="500361"/>
+          </a:xfrm>
+          <a:prstGeom prst="ellipse">
+            <a:avLst/>
+          </a:prstGeom>
+          <a:noFill/>
+          <a:ln>
+            <a:noFill/>
+          </a:ln>
+        </p:spPr>
+        <p:txBody>
+          <a:bodyPr spcFirstLastPara="1" wrap="square" lIns="91425" tIns="45700" rIns="91425" bIns="45700" anchor="t" anchorCtr="0">
+            <a:noAutofit/>
+          </a:bodyPr>
+          <a:lstStyle/>
+          <a:p>
+            <a:pPr marL="0" lvl="0" indent="0" algn="l" rtl="0">
+              <a:lnSpc>
+                <a:spcPct val="100000"/>
+              </a:lnSpc>
+              <a:spcBef>
+                <a:spcPts val="0"/>
+              </a:spcBef>
+              <a:spcAft>
+                <a:spcPts val="0"/>
+              </a:spcAft>
+              <a:buNone/>
+            </a:pPr>
+            <a:fld id="{00000000-1234-1234-1234-123412341234}" type="slidenum">
+              <a:rPr lang="en-US"/>
+              <a:t>10</a:t>
+            </a:fld>
+            <a:endParaRPr/>
+          </a:p>
+        </p:txBody>
+      </p:sp>
+      <p:sp>
+        <p:nvSpPr>
+          <p:cNvPr id="4" name="TextBox 3">
+            <a:extLst>
+              <a:ext uri="{FF2B5EF4-FFF2-40B4-BE49-F238E27FC236}">
+                <a16:creationId xmlns:a16="http://schemas.microsoft.com/office/drawing/2014/main" id="{13053645-B16C-444C-BCA1-F93FC105986F}"/>
+              </a:ext>
+            </a:extLst>
+          </p:cNvPr>
+          <p:cNvSpPr txBox="1"/>
+          <p:nvPr/>
+        </p:nvSpPr>
+        <p:spPr>
+          <a:xfrm>
+            <a:off x="613783" y="6132611"/>
+            <a:ext cx="6683999" cy="461665"/>
+          </a:xfrm>
+          <a:prstGeom prst="rect">
+            <a:avLst/>
+          </a:prstGeom>
+          <a:noFill/>
+        </p:spPr>
+        <p:txBody>
+          <a:bodyPr wrap="square">
+            <a:spAutoFit/>
+          </a:bodyPr>
+          <a:lstStyle/>
+          <a:p>
+            <a:r>
+              <a:rPr lang="en-US" sz="2400" b="1" dirty="0">
+                <a:solidFill>
+                  <a:schemeClr val="tx1"/>
+                </a:solidFill>
+              </a:rPr>
+              <a:t>Done by </a:t>
+            </a:r>
+            <a:r>
+              <a:rPr lang="en-US" sz="2400" b="1" dirty="0">
+                <a:solidFill>
+                  <a:srgbClr val="AAC50B"/>
+                </a:solidFill>
+              </a:rPr>
+              <a:t>Mumladze Maximelian</a:t>
+            </a:r>
+            <a:endParaRPr lang="en-US" sz="1400" b="1" dirty="0">
+              <a:solidFill>
+                <a:srgbClr val="AAC50B"/>
+              </a:solidFill>
+            </a:endParaRPr>
+          </a:p>
+        </p:txBody>
+      </p:sp>
+      <p:sp>
+        <p:nvSpPr>
+          <p:cNvPr id="5" name="TextBox 4">
+            <a:extLst>
+              <a:ext uri="{FF2B5EF4-FFF2-40B4-BE49-F238E27FC236}">
+                <a16:creationId xmlns:a16="http://schemas.microsoft.com/office/drawing/2014/main" id="{05700D6A-03F4-D6B3-6EC5-48F7EDD853A8}"/>
+              </a:ext>
+            </a:extLst>
+          </p:cNvPr>
+          <p:cNvSpPr txBox="1"/>
+          <p:nvPr/>
+        </p:nvSpPr>
+        <p:spPr>
+          <a:xfrm>
+            <a:off x="671128" y="971551"/>
+            <a:ext cx="10928184" cy="830997"/>
+          </a:xfrm>
+          <a:prstGeom prst="rect">
+            <a:avLst/>
+          </a:prstGeom>
+          <a:noFill/>
+        </p:spPr>
+        <p:txBody>
+          <a:bodyPr wrap="square">
+            <a:spAutoFit/>
+          </a:bodyPr>
+          <a:lstStyle/>
+          <a:p>
+            <a:r>
+              <a:rPr lang="en-US" sz="2400" dirty="0"/>
+              <a:t>50 dims, 3 Gaussian clusters, </a:t>
+            </a:r>
+            <a:r>
+              <a:rPr lang="ru-RU" sz="2400" dirty="0"/>
+              <a:t>3</a:t>
+            </a:r>
+            <a:r>
+              <a:rPr lang="en-US" sz="2400" dirty="0"/>
+              <a:t>×300 points</a:t>
+            </a:r>
+          </a:p>
+          <a:p>
+            <a:r>
+              <a:rPr lang="en-US" sz="2400" dirty="0"/>
+              <a:t>The spread is scaled by </a:t>
+            </a:r>
+            <a:r>
+              <a:rPr lang="en-US" sz="2400" dirty="0">
+                <a:solidFill>
+                  <a:srgbClr val="7030A0"/>
+                </a:solidFill>
+              </a:rPr>
+              <a:t>2, 4, 8 </a:t>
+            </a:r>
+            <a:r>
+              <a:rPr lang="en-US" sz="2400" dirty="0"/>
+              <a:t>respectively</a:t>
+            </a:r>
+            <a:endParaRPr lang="ru-RU" sz="2400" dirty="0"/>
+          </a:p>
+        </p:txBody>
+      </p:sp>
+      <p:pic>
+        <p:nvPicPr>
+          <p:cNvPr id="7" name="Рисунок 6">
+            <a:extLst>
+              <a:ext uri="{FF2B5EF4-FFF2-40B4-BE49-F238E27FC236}">
+                <a16:creationId xmlns:a16="http://schemas.microsoft.com/office/drawing/2014/main" id="{2760EE7F-0466-7EEC-B0E4-4A43B624C011}"/>
+              </a:ext>
+            </a:extLst>
+          </p:cNvPr>
+          <p:cNvPicPr>
+            <a:picLocks noChangeAspect="1"/>
+          </p:cNvPicPr>
+          <p:nvPr/>
+        </p:nvPicPr>
+        <p:blipFill>
+          <a:blip r:embed="rId3"/>
+          <a:stretch>
+            <a:fillRect/>
+          </a:stretch>
+        </p:blipFill>
+        <p:spPr>
+          <a:xfrm>
+            <a:off x="867138" y="2313991"/>
+            <a:ext cx="10615105" cy="2685477"/>
+          </a:xfrm>
+          <a:prstGeom prst="rect">
+            <a:avLst/>
+          </a:prstGeom>
+        </p:spPr>
+      </p:pic>
+    </p:spTree>
+    <p:extLst>
+      <p:ext uri="{BB962C8B-B14F-4D97-AF65-F5344CB8AC3E}">
+        <p14:creationId xmlns:p14="http://schemas.microsoft.com/office/powerpoint/2010/main" val="93482945"/>
+      </p:ext>
+    </p:extLst>
+  </p:cSld>
+  <p:clrMapOvr>
+    <a:masterClrMapping/>
+  </p:clrMapOvr>
+</p:sld>
+</file>
+
+<file path=ppt/slides/slide11.xml><?xml version="1.0" encoding="utf-8"?>
+<p:sld xmlns:a="http://schemas.openxmlformats.org/drawingml/2006/main" xmlns:r="http://schemas.openxmlformats.org/officeDocument/2006/relationships" xmlns:p="http://schemas.openxmlformats.org/presentationml/2006/main">
+  <p:cSld>
+    <p:spTree>
+      <p:nvGrpSpPr>
+        <p:cNvPr id="1" name="Shape 160"/>
+        <p:cNvGrpSpPr/>
+        <p:nvPr/>
+      </p:nvGrpSpPr>
+      <p:grpSpPr>
+        <a:xfrm>
+          <a:off x="0" y="0"/>
+          <a:ext cx="0" cy="0"/>
+          <a:chOff x="0" y="0"/>
+          <a:chExt cx="0" cy="0"/>
+        </a:xfrm>
+      </p:grpSpPr>
+      <p:sp>
+        <p:nvSpPr>
+          <p:cNvPr id="161" name="Google Shape;161;p9"/>
+          <p:cNvSpPr txBox="1">
+            <a:spLocks noGrp="1"/>
+          </p:cNvSpPr>
+          <p:nvPr>
+            <p:ph type="title"/>
+          </p:nvPr>
+        </p:nvSpPr>
+        <p:spPr>
+          <a:xfrm>
+            <a:off x="708450" y="288451"/>
+            <a:ext cx="7027500" cy="683100"/>
+          </a:xfrm>
+          <a:prstGeom prst="rect">
+            <a:avLst/>
+          </a:prstGeom>
+          <a:noFill/>
+          <a:ln>
+            <a:noFill/>
+          </a:ln>
+        </p:spPr>
+        <p:txBody>
+          <a:bodyPr spcFirstLastPara="1" wrap="square" lIns="91425" tIns="45700" rIns="91425" bIns="45700" anchor="t" anchorCtr="0">
+            <a:noAutofit/>
+          </a:bodyPr>
+          <a:lstStyle/>
+          <a:p>
+            <a:pPr marL="0" marR="0" lvl="0" indent="0" algn="l" rtl="0">
+              <a:lnSpc>
+                <a:spcPct val="90000"/>
+              </a:lnSpc>
+              <a:spcBef>
+                <a:spcPts val="0"/>
+              </a:spcBef>
+              <a:spcAft>
+                <a:spcPts val="0"/>
+              </a:spcAft>
+              <a:buClr>
+                <a:schemeClr val="dk1"/>
+              </a:buClr>
+              <a:buSzPts val="7200"/>
+              <a:buFont typeface="Arial"/>
+              <a:buNone/>
+            </a:pPr>
+            <a:r>
+              <a:rPr lang="en-US" sz="3600" dirty="0"/>
+              <a:t>Experiments, dtSNE, #2</a:t>
+            </a:r>
+            <a:endParaRPr dirty="0"/>
+          </a:p>
+        </p:txBody>
+      </p:sp>
+      <p:sp>
+        <p:nvSpPr>
+          <p:cNvPr id="162" name="Google Shape;162;p9"/>
+          <p:cNvSpPr>
+            <a:spLocks noGrp="1"/>
+          </p:cNvSpPr>
+          <p:nvPr>
+            <p:ph type="sldNum" idx="12"/>
+          </p:nvPr>
+        </p:nvSpPr>
+        <p:spPr>
+          <a:xfrm>
+            <a:off x="11119976" y="365123"/>
+            <a:ext cx="579331" cy="500361"/>
+          </a:xfrm>
+          <a:prstGeom prst="ellipse">
+            <a:avLst/>
+          </a:prstGeom>
+          <a:noFill/>
+          <a:ln>
+            <a:noFill/>
+          </a:ln>
+        </p:spPr>
+        <p:txBody>
+          <a:bodyPr spcFirstLastPara="1" wrap="square" lIns="91425" tIns="45700" rIns="91425" bIns="45700" anchor="t" anchorCtr="0">
+            <a:noAutofit/>
+          </a:bodyPr>
+          <a:lstStyle/>
+          <a:p>
+            <a:pPr marL="0" lvl="0" indent="0" algn="l" rtl="0">
+              <a:lnSpc>
+                <a:spcPct val="100000"/>
+              </a:lnSpc>
+              <a:spcBef>
+                <a:spcPts val="0"/>
+              </a:spcBef>
+              <a:spcAft>
+                <a:spcPts val="0"/>
+              </a:spcAft>
+              <a:buNone/>
+            </a:pPr>
+            <a:fld id="{00000000-1234-1234-1234-123412341234}" type="slidenum">
+              <a:rPr lang="en-US"/>
+              <a:t>11</a:t>
+            </a:fld>
+            <a:endParaRPr/>
+          </a:p>
+        </p:txBody>
+      </p:sp>
+      <p:sp>
+        <p:nvSpPr>
+          <p:cNvPr id="4" name="TextBox 3">
+            <a:extLst>
+              <a:ext uri="{FF2B5EF4-FFF2-40B4-BE49-F238E27FC236}">
+                <a16:creationId xmlns:a16="http://schemas.microsoft.com/office/drawing/2014/main" id="{13053645-B16C-444C-BCA1-F93FC105986F}"/>
+              </a:ext>
+            </a:extLst>
+          </p:cNvPr>
+          <p:cNvSpPr txBox="1"/>
+          <p:nvPr/>
+        </p:nvSpPr>
+        <p:spPr>
+          <a:xfrm>
+            <a:off x="613783" y="6132611"/>
+            <a:ext cx="6683999" cy="461665"/>
+          </a:xfrm>
+          <a:prstGeom prst="rect">
+            <a:avLst/>
+          </a:prstGeom>
+          <a:noFill/>
+        </p:spPr>
+        <p:txBody>
+          <a:bodyPr wrap="square">
+            <a:spAutoFit/>
+          </a:bodyPr>
+          <a:lstStyle/>
+          <a:p>
+            <a:r>
+              <a:rPr lang="en-US" sz="2400" b="1" dirty="0">
+                <a:solidFill>
+                  <a:schemeClr val="tx1"/>
+                </a:solidFill>
+              </a:rPr>
+              <a:t>Done by </a:t>
+            </a:r>
+            <a:r>
+              <a:rPr lang="en-US" sz="2400" b="1" dirty="0">
+                <a:solidFill>
+                  <a:srgbClr val="AAC50B"/>
+                </a:solidFill>
+              </a:rPr>
+              <a:t>Mumladze Maximelian</a:t>
+            </a:r>
+            <a:endParaRPr lang="en-US" sz="1400" b="1" dirty="0">
+              <a:solidFill>
+                <a:srgbClr val="AAC50B"/>
+              </a:solidFill>
+            </a:endParaRPr>
+          </a:p>
+        </p:txBody>
+      </p:sp>
+      <p:sp>
+        <p:nvSpPr>
+          <p:cNvPr id="5" name="TextBox 4">
+            <a:extLst>
+              <a:ext uri="{FF2B5EF4-FFF2-40B4-BE49-F238E27FC236}">
+                <a16:creationId xmlns:a16="http://schemas.microsoft.com/office/drawing/2014/main" id="{05700D6A-03F4-D6B3-6EC5-48F7EDD853A8}"/>
+              </a:ext>
+            </a:extLst>
+          </p:cNvPr>
+          <p:cNvSpPr txBox="1"/>
+          <p:nvPr/>
+        </p:nvSpPr>
+        <p:spPr>
+          <a:xfrm>
+            <a:off x="671128" y="971551"/>
+            <a:ext cx="10928184" cy="830997"/>
+          </a:xfrm>
+          <a:prstGeom prst="rect">
+            <a:avLst/>
+          </a:prstGeom>
+          <a:noFill/>
+        </p:spPr>
+        <p:txBody>
+          <a:bodyPr wrap="square">
+            <a:spAutoFit/>
+          </a:bodyPr>
+          <a:lstStyle/>
+          <a:p>
+            <a:r>
+              <a:rPr lang="en-US" sz="2400" dirty="0"/>
+              <a:t>150 dims, 10 Gaussian clusters, 10×200 points</a:t>
+            </a:r>
+          </a:p>
+          <a:p>
+            <a:r>
+              <a:rPr lang="en-US" sz="2400" dirty="0"/>
+              <a:t>The spread is scaled by </a:t>
+            </a:r>
+            <a:r>
+              <a:rPr lang="en-US" sz="2400" dirty="0">
+                <a:solidFill>
+                  <a:srgbClr val="7030A0"/>
+                </a:solidFill>
+              </a:rPr>
+              <a:t>range(1, 11) </a:t>
+            </a:r>
+            <a:r>
+              <a:rPr lang="en-US" sz="2400" dirty="0"/>
+              <a:t>respectively</a:t>
+            </a:r>
+            <a:endParaRPr lang="ru-RU" sz="2400" dirty="0"/>
+          </a:p>
+        </p:txBody>
+      </p:sp>
+      <p:pic>
+        <p:nvPicPr>
+          <p:cNvPr id="8" name="Рисунок 7">
+            <a:extLst>
+              <a:ext uri="{FF2B5EF4-FFF2-40B4-BE49-F238E27FC236}">
+                <a16:creationId xmlns:a16="http://schemas.microsoft.com/office/drawing/2014/main" id="{C22DDFA3-0C52-A6CC-9C03-5CA0FE9E5154}"/>
+              </a:ext>
+            </a:extLst>
+          </p:cNvPr>
+          <p:cNvPicPr>
+            <a:picLocks noChangeAspect="1"/>
+          </p:cNvPicPr>
+          <p:nvPr/>
+        </p:nvPicPr>
+        <p:blipFill>
+          <a:blip r:embed="rId3"/>
+          <a:stretch>
+            <a:fillRect/>
+          </a:stretch>
+        </p:blipFill>
+        <p:spPr>
+          <a:xfrm>
+            <a:off x="1684175" y="1738730"/>
+            <a:ext cx="8682135" cy="4202292"/>
+          </a:xfrm>
+          <a:prstGeom prst="rect">
+            <a:avLst/>
+          </a:prstGeom>
+        </p:spPr>
+      </p:pic>
+    </p:spTree>
+    <p:extLst>
+      <p:ext uri="{BB962C8B-B14F-4D97-AF65-F5344CB8AC3E}">
+        <p14:creationId xmlns:p14="http://schemas.microsoft.com/office/powerpoint/2010/main" val="661353232"/>
+      </p:ext>
+    </p:extLst>
+  </p:cSld>
+  <p:clrMapOvr>
+    <a:masterClrMapping/>
+  </p:clrMapOvr>
+</p:sld>
+</file>
+
+<file path=ppt/slides/slide12.xml><?xml version="1.0" encoding="utf-8"?>
+<p:sld xmlns:a="http://schemas.openxmlformats.org/drawingml/2006/main" xmlns:r="http://schemas.openxmlformats.org/officeDocument/2006/relationships" xmlns:p="http://schemas.openxmlformats.org/presentationml/2006/main">
+  <p:cSld>
+    <p:spTree>
+      <p:nvGrpSpPr>
+        <p:cNvPr id="1" name="Shape 160"/>
+        <p:cNvGrpSpPr/>
+        <p:nvPr/>
+      </p:nvGrpSpPr>
+      <p:grpSpPr>
+        <a:xfrm>
+          <a:off x="0" y="0"/>
+          <a:ext cx="0" cy="0"/>
+          <a:chOff x="0" y="0"/>
+          <a:chExt cx="0" cy="0"/>
+        </a:xfrm>
+      </p:grpSpPr>
+      <p:sp>
+        <p:nvSpPr>
+          <p:cNvPr id="161" name="Google Shape;161;p9"/>
+          <p:cNvSpPr txBox="1">
+            <a:spLocks noGrp="1"/>
+          </p:cNvSpPr>
+          <p:nvPr>
+            <p:ph type="title"/>
+          </p:nvPr>
+        </p:nvSpPr>
+        <p:spPr>
+          <a:xfrm>
+            <a:off x="708450" y="288451"/>
+            <a:ext cx="7027500" cy="683100"/>
+          </a:xfrm>
+          <a:prstGeom prst="rect">
+            <a:avLst/>
+          </a:prstGeom>
+          <a:noFill/>
+          <a:ln>
+            <a:noFill/>
+          </a:ln>
+        </p:spPr>
+        <p:txBody>
+          <a:bodyPr spcFirstLastPara="1" wrap="square" lIns="91425" tIns="45700" rIns="91425" bIns="45700" anchor="t" anchorCtr="0">
+            <a:noAutofit/>
+          </a:bodyPr>
+          <a:lstStyle/>
+          <a:p>
+            <a:pPr marL="0" marR="0" lvl="0" indent="0" algn="l" rtl="0">
+              <a:lnSpc>
+                <a:spcPct val="90000"/>
+              </a:lnSpc>
+              <a:spcBef>
+                <a:spcPts val="0"/>
+              </a:spcBef>
+              <a:spcAft>
+                <a:spcPts val="0"/>
+              </a:spcAft>
+              <a:buClr>
+                <a:schemeClr val="dk1"/>
+              </a:buClr>
+              <a:buSzPts val="7200"/>
+              <a:buFont typeface="Arial"/>
+              <a:buNone/>
+            </a:pPr>
+            <a:r>
+              <a:rPr lang="en-US" sz="3600" dirty="0"/>
+              <a:t>Experiments, dtSNE, #2</a:t>
+            </a:r>
+            <a:endParaRPr dirty="0"/>
+          </a:p>
+        </p:txBody>
+      </p:sp>
+      <p:sp>
+        <p:nvSpPr>
+          <p:cNvPr id="162" name="Google Shape;162;p9"/>
+          <p:cNvSpPr>
+            <a:spLocks noGrp="1"/>
+          </p:cNvSpPr>
+          <p:nvPr>
+            <p:ph type="sldNum" idx="12"/>
+          </p:nvPr>
+        </p:nvSpPr>
+        <p:spPr>
+          <a:xfrm>
+            <a:off x="11119976" y="365123"/>
+            <a:ext cx="579331" cy="500361"/>
+          </a:xfrm>
+          <a:prstGeom prst="ellipse">
+            <a:avLst/>
+          </a:prstGeom>
+          <a:noFill/>
+          <a:ln>
+            <a:noFill/>
+          </a:ln>
+        </p:spPr>
+        <p:txBody>
+          <a:bodyPr spcFirstLastPara="1" wrap="square" lIns="91425" tIns="45700" rIns="91425" bIns="45700" anchor="t" anchorCtr="0">
+            <a:noAutofit/>
+          </a:bodyPr>
+          <a:lstStyle/>
+          <a:p>
+            <a:pPr marL="0" lvl="0" indent="0" algn="l" rtl="0">
+              <a:lnSpc>
+                <a:spcPct val="100000"/>
+              </a:lnSpc>
+              <a:spcBef>
+                <a:spcPts val="0"/>
+              </a:spcBef>
+              <a:spcAft>
+                <a:spcPts val="0"/>
+              </a:spcAft>
+              <a:buNone/>
+            </a:pPr>
+            <a:fld id="{00000000-1234-1234-1234-123412341234}" type="slidenum">
+              <a:rPr lang="en-US"/>
+              <a:t>12</a:t>
+            </a:fld>
+            <a:endParaRPr/>
+          </a:p>
+        </p:txBody>
+      </p:sp>
+      <p:sp>
+        <p:nvSpPr>
+          <p:cNvPr id="4" name="TextBox 3">
+            <a:extLst>
+              <a:ext uri="{FF2B5EF4-FFF2-40B4-BE49-F238E27FC236}">
+                <a16:creationId xmlns:a16="http://schemas.microsoft.com/office/drawing/2014/main" id="{13053645-B16C-444C-BCA1-F93FC105986F}"/>
+              </a:ext>
+            </a:extLst>
+          </p:cNvPr>
+          <p:cNvSpPr txBox="1"/>
+          <p:nvPr/>
+        </p:nvSpPr>
+        <p:spPr>
+          <a:xfrm>
+            <a:off x="613783" y="6132611"/>
+            <a:ext cx="6683999" cy="461665"/>
+          </a:xfrm>
+          <a:prstGeom prst="rect">
+            <a:avLst/>
+          </a:prstGeom>
+          <a:noFill/>
+        </p:spPr>
+        <p:txBody>
+          <a:bodyPr wrap="square">
+            <a:spAutoFit/>
+          </a:bodyPr>
+          <a:lstStyle/>
+          <a:p>
+            <a:r>
+              <a:rPr lang="en-US" sz="2400" b="1" dirty="0">
+                <a:solidFill>
+                  <a:schemeClr val="tx1"/>
+                </a:solidFill>
+              </a:rPr>
+              <a:t>Done by </a:t>
+            </a:r>
+            <a:r>
+              <a:rPr lang="en-US" sz="2400" b="1" dirty="0">
+                <a:solidFill>
+                  <a:srgbClr val="AAC50B"/>
+                </a:solidFill>
+              </a:rPr>
+              <a:t>Mumladze Maximelian</a:t>
+            </a:r>
+            <a:endParaRPr lang="en-US" sz="1400" b="1" dirty="0">
+              <a:solidFill>
+                <a:srgbClr val="AAC50B"/>
+              </a:solidFill>
+            </a:endParaRPr>
+          </a:p>
+        </p:txBody>
+      </p:sp>
+      <p:sp>
+        <p:nvSpPr>
+          <p:cNvPr id="5" name="TextBox 4">
+            <a:extLst>
+              <a:ext uri="{FF2B5EF4-FFF2-40B4-BE49-F238E27FC236}">
+                <a16:creationId xmlns:a16="http://schemas.microsoft.com/office/drawing/2014/main" id="{05700D6A-03F4-D6B3-6EC5-48F7EDD853A8}"/>
+              </a:ext>
+            </a:extLst>
+          </p:cNvPr>
+          <p:cNvSpPr txBox="1"/>
+          <p:nvPr/>
+        </p:nvSpPr>
+        <p:spPr>
+          <a:xfrm>
+            <a:off x="671128" y="971551"/>
+            <a:ext cx="10928184" cy="830997"/>
+          </a:xfrm>
+          <a:prstGeom prst="rect">
+            <a:avLst/>
+          </a:prstGeom>
+          <a:noFill/>
+        </p:spPr>
+        <p:txBody>
+          <a:bodyPr wrap="square">
+            <a:spAutoFit/>
+          </a:bodyPr>
+          <a:lstStyle/>
+          <a:p>
+            <a:r>
+              <a:rPr lang="en-US" sz="2400" dirty="0"/>
+              <a:t>150 dims, 10 Gaussian clusters, 10×200 points</a:t>
+            </a:r>
+          </a:p>
+          <a:p>
+            <a:r>
+              <a:rPr lang="en-US" sz="2400" dirty="0"/>
+              <a:t>The spread is scaled by </a:t>
+            </a:r>
+            <a:r>
+              <a:rPr lang="en-US" sz="2400" dirty="0">
+                <a:solidFill>
+                  <a:srgbClr val="7030A0"/>
+                </a:solidFill>
+              </a:rPr>
+              <a:t>range(1, 11) </a:t>
+            </a:r>
+            <a:r>
+              <a:rPr lang="en-US" sz="2400" dirty="0"/>
+              <a:t>respectively</a:t>
+            </a:r>
+            <a:endParaRPr lang="ru-RU" sz="2400" dirty="0"/>
+          </a:p>
+        </p:txBody>
+      </p:sp>
+      <p:pic>
+        <p:nvPicPr>
+          <p:cNvPr id="3" name="Рисунок 2">
+            <a:extLst>
+              <a:ext uri="{FF2B5EF4-FFF2-40B4-BE49-F238E27FC236}">
+                <a16:creationId xmlns:a16="http://schemas.microsoft.com/office/drawing/2014/main" id="{86365CFF-EA23-3855-792D-DFDE3A8D16DC}"/>
+              </a:ext>
+            </a:extLst>
+          </p:cNvPr>
+          <p:cNvPicPr>
+            <a:picLocks noChangeAspect="1"/>
+          </p:cNvPicPr>
+          <p:nvPr/>
+        </p:nvPicPr>
+        <p:blipFill>
+          <a:blip r:embed="rId3"/>
+          <a:stretch>
+            <a:fillRect/>
+          </a:stretch>
+        </p:blipFill>
+        <p:spPr>
+          <a:xfrm>
+            <a:off x="1007707" y="2291637"/>
+            <a:ext cx="10268339" cy="2614527"/>
+          </a:xfrm>
+          <a:prstGeom prst="rect">
+            <a:avLst/>
+          </a:prstGeom>
+        </p:spPr>
+      </p:pic>
+    </p:spTree>
+    <p:extLst>
+      <p:ext uri="{BB962C8B-B14F-4D97-AF65-F5344CB8AC3E}">
+        <p14:creationId xmlns:p14="http://schemas.microsoft.com/office/powerpoint/2010/main" val="2997156935"/>
+      </p:ext>
+    </p:extLst>
+  </p:cSld>
+  <p:clrMapOvr>
+    <a:masterClrMapping/>
+  </p:clrMapOvr>
+</p:sld>
+</file>
+
+<file path=ppt/slides/slide13.xml><?xml version="1.0" encoding="utf-8"?>
+<p:sld xmlns:a="http://schemas.openxmlformats.org/drawingml/2006/main" xmlns:r="http://schemas.openxmlformats.org/officeDocument/2006/relationships" xmlns:p="http://schemas.openxmlformats.org/presentationml/2006/main">
+  <p:cSld>
+    <p:spTree>
+      <p:nvGrpSpPr>
+        <p:cNvPr id="1" name="Shape 160"/>
+        <p:cNvGrpSpPr/>
+        <p:nvPr/>
+      </p:nvGrpSpPr>
+      <p:grpSpPr>
+        <a:xfrm>
+          <a:off x="0" y="0"/>
+          <a:ext cx="0" cy="0"/>
+          <a:chOff x="0" y="0"/>
+          <a:chExt cx="0" cy="0"/>
+        </a:xfrm>
+      </p:grpSpPr>
+      <p:sp>
+        <p:nvSpPr>
+          <p:cNvPr id="161" name="Google Shape;161;p9"/>
+          <p:cNvSpPr txBox="1">
+            <a:spLocks noGrp="1"/>
+          </p:cNvSpPr>
+          <p:nvPr>
+            <p:ph type="title"/>
+          </p:nvPr>
+        </p:nvSpPr>
+        <p:spPr>
+          <a:xfrm>
+            <a:off x="708449" y="288451"/>
+            <a:ext cx="7959689" cy="683100"/>
+          </a:xfrm>
+          <a:prstGeom prst="rect">
+            <a:avLst/>
+          </a:prstGeom>
+          <a:noFill/>
+          <a:ln>
+            <a:noFill/>
+          </a:ln>
+        </p:spPr>
+        <p:txBody>
+          <a:bodyPr spcFirstLastPara="1" wrap="square" lIns="91425" tIns="45700" rIns="91425" bIns="45700" anchor="t" anchorCtr="0">
+            <a:noAutofit/>
+          </a:bodyPr>
+          <a:lstStyle/>
+          <a:p>
+            <a:pPr marL="0" marR="0" lvl="0" indent="0" algn="l" rtl="0">
+              <a:lnSpc>
+                <a:spcPct val="90000"/>
+              </a:lnSpc>
+              <a:spcBef>
+                <a:spcPts val="0"/>
+              </a:spcBef>
+              <a:spcAft>
+                <a:spcPts val="0"/>
+              </a:spcAft>
+              <a:buClr>
+                <a:schemeClr val="dk1"/>
+              </a:buClr>
+              <a:buSzPts val="7200"/>
+              <a:buFont typeface="Arial"/>
+              <a:buNone/>
+            </a:pPr>
+            <a:r>
+              <a:rPr lang="en-US" sz="3600" dirty="0"/>
+              <a:t>Experiments, dtSNE, #2, Metrics</a:t>
+            </a:r>
+            <a:endParaRPr dirty="0"/>
+          </a:p>
+        </p:txBody>
+      </p:sp>
+      <p:sp>
+        <p:nvSpPr>
+          <p:cNvPr id="162" name="Google Shape;162;p9"/>
+          <p:cNvSpPr>
+            <a:spLocks noGrp="1"/>
+          </p:cNvSpPr>
+          <p:nvPr>
+            <p:ph type="sldNum" idx="12"/>
+          </p:nvPr>
+        </p:nvSpPr>
+        <p:spPr>
+          <a:xfrm>
+            <a:off x="11119976" y="365123"/>
+            <a:ext cx="579331" cy="500361"/>
+          </a:xfrm>
+          <a:prstGeom prst="ellipse">
+            <a:avLst/>
+          </a:prstGeom>
+          <a:noFill/>
+          <a:ln>
+            <a:noFill/>
+          </a:ln>
+        </p:spPr>
+        <p:txBody>
+          <a:bodyPr spcFirstLastPara="1" wrap="square" lIns="91425" tIns="45700" rIns="91425" bIns="45700" anchor="t" anchorCtr="0">
+            <a:noAutofit/>
+          </a:bodyPr>
+          <a:lstStyle/>
+          <a:p>
+            <a:pPr marL="0" lvl="0" indent="0" algn="l" rtl="0">
+              <a:lnSpc>
+                <a:spcPct val="100000"/>
+              </a:lnSpc>
+              <a:spcBef>
+                <a:spcPts val="0"/>
+              </a:spcBef>
+              <a:spcAft>
+                <a:spcPts val="0"/>
+              </a:spcAft>
+              <a:buNone/>
+            </a:pPr>
+            <a:fld id="{00000000-1234-1234-1234-123412341234}" type="slidenum">
+              <a:rPr lang="en-US"/>
+              <a:t>13</a:t>
+            </a:fld>
+            <a:endParaRPr/>
+          </a:p>
+        </p:txBody>
+      </p:sp>
+      <p:sp>
+        <p:nvSpPr>
+          <p:cNvPr id="4" name="TextBox 3">
+            <a:extLst>
+              <a:ext uri="{FF2B5EF4-FFF2-40B4-BE49-F238E27FC236}">
+                <a16:creationId xmlns:a16="http://schemas.microsoft.com/office/drawing/2014/main" id="{13053645-B16C-444C-BCA1-F93FC105986F}"/>
+              </a:ext>
+            </a:extLst>
+          </p:cNvPr>
+          <p:cNvSpPr txBox="1"/>
+          <p:nvPr/>
+        </p:nvSpPr>
+        <p:spPr>
+          <a:xfrm>
+            <a:off x="613783" y="6132611"/>
+            <a:ext cx="6683999" cy="461665"/>
+          </a:xfrm>
+          <a:prstGeom prst="rect">
+            <a:avLst/>
+          </a:prstGeom>
+          <a:noFill/>
+        </p:spPr>
+        <p:txBody>
+          <a:bodyPr wrap="square">
+            <a:spAutoFit/>
+          </a:bodyPr>
+          <a:lstStyle/>
+          <a:p>
+            <a:r>
+              <a:rPr lang="en-US" sz="2400" b="1" dirty="0">
+                <a:solidFill>
+                  <a:schemeClr val="tx1"/>
+                </a:solidFill>
+              </a:rPr>
+              <a:t>Done by </a:t>
+            </a:r>
+            <a:r>
+              <a:rPr lang="en-US" sz="2400" b="1" dirty="0">
+                <a:solidFill>
+                  <a:srgbClr val="AAC50B"/>
+                </a:solidFill>
+              </a:rPr>
+              <a:t>Mumladze Maximelian</a:t>
+            </a:r>
+            <a:endParaRPr lang="en-US" sz="1400" b="1" dirty="0">
+              <a:solidFill>
+                <a:srgbClr val="AAC50B"/>
+              </a:solidFill>
+            </a:endParaRPr>
+          </a:p>
+        </p:txBody>
+      </p:sp>
+      <p:sp>
+        <p:nvSpPr>
+          <p:cNvPr id="5" name="TextBox 4">
+            <a:extLst>
+              <a:ext uri="{FF2B5EF4-FFF2-40B4-BE49-F238E27FC236}">
+                <a16:creationId xmlns:a16="http://schemas.microsoft.com/office/drawing/2014/main" id="{05700D6A-03F4-D6B3-6EC5-48F7EDD853A8}"/>
+              </a:ext>
+            </a:extLst>
+          </p:cNvPr>
+          <p:cNvSpPr txBox="1"/>
+          <p:nvPr/>
+        </p:nvSpPr>
+        <p:spPr>
+          <a:xfrm>
+            <a:off x="568492" y="2035241"/>
+            <a:ext cx="5211823" cy="2862322"/>
+          </a:xfrm>
+          <a:prstGeom prst="rect">
+            <a:avLst/>
+          </a:prstGeom>
+          <a:noFill/>
+        </p:spPr>
+        <p:txBody>
+          <a:bodyPr wrap="square">
+            <a:spAutoFit/>
+          </a:bodyPr>
+          <a:lstStyle/>
+          <a:p>
+            <a:pPr marL="342900" indent="-342900">
+              <a:buFont typeface="Wingdings" panose="05000000000000000000" pitchFamily="2" charset="2"/>
+              <a:buChar char="v"/>
+            </a:pPr>
+            <a:r>
+              <a:rPr lang="en-US" sz="1800" b="1" i="1" dirty="0"/>
+              <a:t>global </a:t>
+            </a:r>
+            <a:r>
+              <a:rPr lang="en-US" sz="1800" b="1" i="1" dirty="0" err="1"/>
+              <a:t>corr</a:t>
+            </a:r>
+            <a:r>
+              <a:rPr lang="en-US" sz="1800" b="1" i="1" dirty="0"/>
+              <a:t> </a:t>
+            </a:r>
+            <a:r>
+              <a:rPr lang="ru-RU" sz="1800" dirty="0"/>
+              <a:t>–</a:t>
+            </a:r>
+            <a:r>
+              <a:rPr lang="en-US" sz="1800" dirty="0"/>
+              <a:t> spearman rank correlation between all high- and low-dimensional distances</a:t>
+            </a:r>
+            <a:r>
+              <a:rPr lang="ru-RU" sz="1800" dirty="0"/>
+              <a:t> </a:t>
+            </a:r>
+            <a:endParaRPr lang="en-US" sz="1800" dirty="0"/>
+          </a:p>
+          <a:p>
+            <a:pPr marL="342900" indent="-342900">
+              <a:buFont typeface="Wingdings" panose="05000000000000000000" pitchFamily="2" charset="2"/>
+              <a:buChar char="v"/>
+            </a:pPr>
+            <a:r>
+              <a:rPr lang="en-US" sz="1800" b="1" i="1" dirty="0"/>
+              <a:t>local </a:t>
+            </a:r>
+            <a:r>
+              <a:rPr lang="en-US" sz="1800" b="1" i="1" dirty="0" err="1"/>
+              <a:t>corr</a:t>
+            </a:r>
+            <a:r>
+              <a:rPr lang="en-US" sz="1800" b="1" i="1" dirty="0"/>
+              <a:t> </a:t>
+            </a:r>
+            <a:r>
+              <a:rPr lang="en-US" sz="1800" dirty="0"/>
+              <a:t>– correlation between high- and low-dimensional distances of each point with its 100 closest neighbors</a:t>
+            </a:r>
+          </a:p>
+          <a:p>
+            <a:pPr marL="342900" indent="-342900">
+              <a:buFont typeface="Wingdings" panose="05000000000000000000" pitchFamily="2" charset="2"/>
+              <a:buChar char="v"/>
+            </a:pPr>
+            <a:r>
+              <a:rPr lang="en-US" sz="1800" b="1" i="1" dirty="0" err="1"/>
+              <a:t>rel</a:t>
+            </a:r>
+            <a:r>
+              <a:rPr lang="en-US" sz="1800" b="1" i="1" dirty="0"/>
+              <a:t> </a:t>
+            </a:r>
+            <a:r>
+              <a:rPr lang="en-US" sz="1800" b="1" i="1" dirty="0" err="1"/>
+              <a:t>reconstr</a:t>
+            </a:r>
+            <a:r>
+              <a:rPr lang="en-US" sz="1800" b="1" i="1" dirty="0"/>
+              <a:t> </a:t>
+            </a:r>
+            <a:r>
+              <a:rPr lang="en-US" sz="1800" dirty="0"/>
+              <a:t>- correlation between radii of balls enclosing the 100 neighbors of each point in high- and low-dimensional space</a:t>
+            </a:r>
+            <a:endParaRPr lang="ru-RU" sz="1800" dirty="0"/>
+          </a:p>
+          <a:p>
+            <a:pPr marL="342900" indent="-342900">
+              <a:buFont typeface="Wingdings" panose="05000000000000000000" pitchFamily="2" charset="2"/>
+              <a:buChar char="v"/>
+            </a:pPr>
+            <a:endParaRPr lang="ru-RU" sz="1800" dirty="0"/>
+          </a:p>
+        </p:txBody>
+      </p:sp>
+      <p:pic>
+        <p:nvPicPr>
+          <p:cNvPr id="8" name="Рисунок 7">
+            <a:extLst>
+              <a:ext uri="{FF2B5EF4-FFF2-40B4-BE49-F238E27FC236}">
+                <a16:creationId xmlns:a16="http://schemas.microsoft.com/office/drawing/2014/main" id="{53FAC366-09E8-A90C-7728-8D01FA95EEC9}"/>
+              </a:ext>
+            </a:extLst>
+          </p:cNvPr>
+          <p:cNvPicPr>
+            <a:picLocks noChangeAspect="1"/>
+          </p:cNvPicPr>
+          <p:nvPr/>
+        </p:nvPicPr>
+        <p:blipFill>
+          <a:blip r:embed="rId3"/>
+          <a:stretch>
+            <a:fillRect/>
+          </a:stretch>
+        </p:blipFill>
+        <p:spPr>
+          <a:xfrm>
+            <a:off x="6053720" y="1769318"/>
+            <a:ext cx="5679524" cy="2961308"/>
+          </a:xfrm>
+          <a:prstGeom prst="rect">
+            <a:avLst/>
+          </a:prstGeom>
+        </p:spPr>
+      </p:pic>
+    </p:spTree>
+    <p:extLst>
+      <p:ext uri="{BB962C8B-B14F-4D97-AF65-F5344CB8AC3E}">
+        <p14:creationId xmlns:p14="http://schemas.microsoft.com/office/powerpoint/2010/main" val="1271549907"/>
+      </p:ext>
+    </p:extLst>
+  </p:cSld>
+  <p:clrMapOvr>
+    <a:masterClrMapping/>
+  </p:clrMapOvr>
+</p:sld>
+</file>
+
+<file path=ppt/slides/slide14.xml><?xml version="1.0" encoding="utf-8"?>
+<p:sld xmlns:a="http://schemas.openxmlformats.org/drawingml/2006/main" xmlns:r="http://schemas.openxmlformats.org/officeDocument/2006/relationships" xmlns:p="http://schemas.openxmlformats.org/presentationml/2006/main">
+  <p:cSld>
+    <p:spTree>
+      <p:nvGrpSpPr>
+        <p:cNvPr id="1" name="Shape 160"/>
+        <p:cNvGrpSpPr/>
+        <p:nvPr/>
+      </p:nvGrpSpPr>
+      <p:grpSpPr>
+        <a:xfrm>
+          <a:off x="0" y="0"/>
+          <a:ext cx="0" cy="0"/>
+          <a:chOff x="0" y="0"/>
+          <a:chExt cx="0" cy="0"/>
+        </a:xfrm>
+      </p:grpSpPr>
+      <p:sp>
+        <p:nvSpPr>
+          <p:cNvPr id="161" name="Google Shape;161;p9"/>
+          <p:cNvSpPr txBox="1">
+            <a:spLocks noGrp="1"/>
+          </p:cNvSpPr>
+          <p:nvPr>
+            <p:ph type="title"/>
+          </p:nvPr>
+        </p:nvSpPr>
+        <p:spPr>
+          <a:xfrm>
+            <a:off x="708450" y="288451"/>
+            <a:ext cx="7027500" cy="683100"/>
+          </a:xfrm>
+          <a:prstGeom prst="rect">
+            <a:avLst/>
+          </a:prstGeom>
+          <a:noFill/>
+          <a:ln>
+            <a:noFill/>
+          </a:ln>
+        </p:spPr>
+        <p:txBody>
+          <a:bodyPr spcFirstLastPara="1" wrap="square" lIns="91425" tIns="45700" rIns="91425" bIns="45700" anchor="t" anchorCtr="0">
+            <a:noAutofit/>
+          </a:bodyPr>
+          <a:lstStyle/>
+          <a:p>
+            <a:pPr marL="0" marR="0" lvl="0" indent="0" algn="l" rtl="0">
+              <a:lnSpc>
+                <a:spcPct val="90000"/>
+              </a:lnSpc>
+              <a:spcBef>
+                <a:spcPts val="0"/>
+              </a:spcBef>
+              <a:spcAft>
+                <a:spcPts val="0"/>
+              </a:spcAft>
+              <a:buClr>
+                <a:schemeClr val="dk1"/>
+              </a:buClr>
+              <a:buSzPts val="7200"/>
+              <a:buFont typeface="Arial"/>
+              <a:buNone/>
+            </a:pPr>
+            <a:r>
+              <a:rPr lang="en-US" sz="3600" dirty="0"/>
+              <a:t>Conclusion</a:t>
+            </a:r>
+            <a:endParaRPr dirty="0"/>
+          </a:p>
+        </p:txBody>
+      </p:sp>
+      <p:sp>
+        <p:nvSpPr>
+          <p:cNvPr id="162" name="Google Shape;162;p9"/>
+          <p:cNvSpPr>
+            <a:spLocks noGrp="1"/>
+          </p:cNvSpPr>
+          <p:nvPr>
+            <p:ph type="sldNum" idx="12"/>
+          </p:nvPr>
+        </p:nvSpPr>
+        <p:spPr>
+          <a:xfrm>
+            <a:off x="11119976" y="365123"/>
+            <a:ext cx="579331" cy="500361"/>
+          </a:xfrm>
+          <a:prstGeom prst="ellipse">
+            <a:avLst/>
+          </a:prstGeom>
+          <a:noFill/>
+          <a:ln>
+            <a:noFill/>
+          </a:ln>
+        </p:spPr>
+        <p:txBody>
+          <a:bodyPr spcFirstLastPara="1" wrap="square" lIns="91425" tIns="45700" rIns="91425" bIns="45700" anchor="t" anchorCtr="0">
+            <a:noAutofit/>
+          </a:bodyPr>
+          <a:lstStyle/>
+          <a:p>
+            <a:pPr marL="0" lvl="0" indent="0" algn="l" rtl="0">
+              <a:lnSpc>
+                <a:spcPct val="100000"/>
+              </a:lnSpc>
+              <a:spcBef>
+                <a:spcPts val="0"/>
+              </a:spcBef>
+              <a:spcAft>
+                <a:spcPts val="0"/>
+              </a:spcAft>
+              <a:buNone/>
+            </a:pPr>
+            <a:fld id="{00000000-1234-1234-1234-123412341234}" type="slidenum">
+              <a:rPr lang="en-US"/>
+              <a:t>14</a:t>
+            </a:fld>
+            <a:endParaRPr/>
+          </a:p>
+        </p:txBody>
+      </p:sp>
+      <p:sp>
+        <p:nvSpPr>
+          <p:cNvPr id="5" name="TextBox 4">
+            <a:extLst>
+              <a:ext uri="{FF2B5EF4-FFF2-40B4-BE49-F238E27FC236}">
+                <a16:creationId xmlns:a16="http://schemas.microsoft.com/office/drawing/2014/main" id="{14E0F56B-CC96-4876-9E5C-43DF2BEFAA8E}"/>
+              </a:ext>
+            </a:extLst>
+          </p:cNvPr>
+          <p:cNvSpPr txBox="1"/>
+          <p:nvPr/>
+        </p:nvSpPr>
+        <p:spPr>
+          <a:xfrm>
+            <a:off x="708450" y="971551"/>
+            <a:ext cx="10647527" cy="4524315"/>
+          </a:xfrm>
+          <a:prstGeom prst="rect">
+            <a:avLst/>
+          </a:prstGeom>
+          <a:noFill/>
+        </p:spPr>
+        <p:txBody>
+          <a:bodyPr wrap="square">
+            <a:spAutoFit/>
+          </a:bodyPr>
+          <a:lstStyle/>
+          <a:p>
+            <a:pPr marL="342900" indent="-342900" algn="l">
+              <a:buFont typeface="Arial" panose="020B0604020202020204" pitchFamily="34" charset="0"/>
+              <a:buChar char="•"/>
+            </a:pPr>
+            <a:r>
+              <a:rPr lang="en-US" sz="2400" b="0" i="0" dirty="0">
+                <a:solidFill>
+                  <a:schemeClr val="tx1"/>
+                </a:solidFill>
+                <a:effectLst/>
+                <a:latin typeface="+mj-lt"/>
+              </a:rPr>
+              <a:t>We showe</a:t>
+            </a:r>
+            <a:r>
+              <a:rPr lang="en-US" sz="2400" dirty="0">
+                <a:solidFill>
+                  <a:schemeClr val="tx1"/>
+                </a:solidFill>
+                <a:latin typeface="+mj-lt"/>
+              </a:rPr>
+              <a:t>d </a:t>
+            </a:r>
+            <a:r>
+              <a:rPr lang="en-US" sz="2400" b="0" i="0" dirty="0">
+                <a:solidFill>
+                  <a:schemeClr val="tx1"/>
+                </a:solidFill>
+                <a:effectLst/>
+                <a:latin typeface="+mj-lt"/>
+              </a:rPr>
+              <a:t>improved low-dimensional embeddings of high-dimensional data </a:t>
+            </a:r>
+            <a:r>
+              <a:rPr lang="en-US" sz="2400" dirty="0">
+                <a:solidFill>
+                  <a:schemeClr val="tx1"/>
+                </a:solidFill>
+                <a:latin typeface="+mj-lt"/>
+              </a:rPr>
+              <a:t>using</a:t>
+            </a:r>
+            <a:r>
+              <a:rPr lang="en-US" sz="2400" b="0" i="0" dirty="0">
+                <a:solidFill>
+                  <a:schemeClr val="tx1"/>
+                </a:solidFill>
+                <a:effectLst/>
+                <a:latin typeface="+mj-lt"/>
+              </a:rPr>
+              <a:t> two modifications </a:t>
+            </a:r>
+            <a:r>
+              <a:rPr lang="en-US" sz="2400" b="1" i="0" dirty="0">
+                <a:solidFill>
+                  <a:schemeClr val="tx1"/>
+                </a:solidFill>
+                <a:effectLst/>
+                <a:latin typeface="+mj-lt"/>
+              </a:rPr>
+              <a:t>tSNE</a:t>
+            </a:r>
+            <a:r>
+              <a:rPr lang="en-US" sz="2400" b="0" i="0" dirty="0">
+                <a:solidFill>
+                  <a:schemeClr val="tx1"/>
+                </a:solidFill>
+                <a:effectLst/>
+                <a:latin typeface="+mj-lt"/>
+              </a:rPr>
+              <a:t>: </a:t>
+            </a:r>
+            <a:r>
+              <a:rPr lang="en-US" sz="2400" b="1" i="0" dirty="0">
+                <a:solidFill>
+                  <a:schemeClr val="tx1"/>
+                </a:solidFill>
+                <a:effectLst/>
+                <a:latin typeface="+mj-lt"/>
+              </a:rPr>
+              <a:t>JEDI</a:t>
+            </a:r>
+            <a:r>
+              <a:rPr lang="en-US" sz="2400" b="0" i="0" dirty="0">
+                <a:solidFill>
+                  <a:schemeClr val="tx1"/>
+                </a:solidFill>
+                <a:effectLst/>
+                <a:latin typeface="+mj-lt"/>
+              </a:rPr>
+              <a:t> and </a:t>
+            </a:r>
+            <a:r>
+              <a:rPr lang="en-US" sz="2400" b="1" i="0" dirty="0">
+                <a:solidFill>
+                  <a:schemeClr val="tx1"/>
+                </a:solidFill>
+                <a:effectLst/>
+                <a:latin typeface="+mj-lt"/>
+              </a:rPr>
+              <a:t>dtSNE</a:t>
+            </a:r>
+            <a:r>
+              <a:rPr lang="en-US" sz="2400" b="0" i="0" dirty="0">
+                <a:solidFill>
+                  <a:schemeClr val="tx1"/>
+                </a:solidFill>
+                <a:effectLst/>
+                <a:latin typeface="+mj-lt"/>
+              </a:rPr>
+              <a:t>.</a:t>
+            </a:r>
+          </a:p>
+          <a:p>
+            <a:pPr marL="342900" indent="-342900" algn="l">
+              <a:buFont typeface="Arial" panose="020B0604020202020204" pitchFamily="34" charset="0"/>
+              <a:buChar char="•"/>
+            </a:pPr>
+            <a:endParaRPr lang="en-US" sz="2400" b="0" i="0" dirty="0">
+              <a:solidFill>
+                <a:schemeClr val="tx1"/>
+              </a:solidFill>
+              <a:effectLst/>
+              <a:latin typeface="+mj-lt"/>
+            </a:endParaRPr>
+          </a:p>
+          <a:p>
+            <a:pPr marL="342900" indent="-342900" algn="l">
+              <a:buFont typeface="Arial" panose="020B0604020202020204" pitchFamily="34" charset="0"/>
+              <a:buChar char="•"/>
+            </a:pPr>
+            <a:r>
+              <a:rPr lang="en-US" sz="2400" b="0" i="0" dirty="0">
+                <a:solidFill>
+                  <a:schemeClr val="tx1"/>
+                </a:solidFill>
+                <a:effectLst/>
+                <a:latin typeface="+mj-lt"/>
+              </a:rPr>
+              <a:t>Through our experiments, we demonstrated that </a:t>
+            </a:r>
+            <a:r>
+              <a:rPr lang="en-US" sz="2400" b="1" i="0" dirty="0">
+                <a:solidFill>
+                  <a:schemeClr val="tx1"/>
+                </a:solidFill>
+                <a:effectLst/>
+                <a:latin typeface="+mj-lt"/>
+              </a:rPr>
+              <a:t>JEDI</a:t>
+            </a:r>
+            <a:r>
+              <a:rPr lang="en-US" sz="2400" b="0" i="0" dirty="0">
+                <a:solidFill>
+                  <a:schemeClr val="tx1"/>
+                </a:solidFill>
+                <a:effectLst/>
+                <a:latin typeface="+mj-lt"/>
+              </a:rPr>
+              <a:t> is useful for structured and unstructured data analysis when prior knowledge is available, and </a:t>
+            </a:r>
+            <a:r>
+              <a:rPr lang="en-US" sz="2400" b="1" i="0" dirty="0">
+                <a:solidFill>
+                  <a:schemeClr val="tx1"/>
+                </a:solidFill>
+                <a:effectLst/>
+                <a:latin typeface="+mj-lt"/>
+              </a:rPr>
+              <a:t>dtSNE</a:t>
+            </a:r>
+            <a:r>
+              <a:rPr lang="en-US" sz="2400" b="0" i="0" dirty="0">
+                <a:solidFill>
+                  <a:schemeClr val="tx1"/>
+                </a:solidFill>
+                <a:effectLst/>
+                <a:latin typeface="+mj-lt"/>
+              </a:rPr>
+              <a:t> is effective in preserving cluster sizes and densities in the embedding.</a:t>
+            </a:r>
+          </a:p>
+          <a:p>
+            <a:pPr algn="l"/>
+            <a:endParaRPr lang="en-US" sz="2400" b="0" i="0" dirty="0">
+              <a:solidFill>
+                <a:schemeClr val="tx1"/>
+              </a:solidFill>
+              <a:effectLst/>
+              <a:latin typeface="+mj-lt"/>
+            </a:endParaRPr>
+          </a:p>
+          <a:p>
+            <a:pPr marL="342900" indent="-342900" algn="l">
+              <a:buFont typeface="Arial" panose="020B0604020202020204" pitchFamily="34" charset="0"/>
+              <a:buChar char="•"/>
+            </a:pPr>
+            <a:r>
+              <a:rPr lang="en-US" sz="2400" b="0" i="0" dirty="0">
+                <a:solidFill>
+                  <a:schemeClr val="tx1"/>
+                </a:solidFill>
+                <a:effectLst/>
+                <a:latin typeface="+mj-lt"/>
+              </a:rPr>
+              <a:t>We compared our results with other well-known low-dimensional embedding techniques, such as </a:t>
+            </a:r>
+            <a:r>
+              <a:rPr lang="en-US" sz="2400" b="1" i="0" dirty="0">
+                <a:solidFill>
+                  <a:schemeClr val="tx1"/>
+                </a:solidFill>
+                <a:effectLst/>
+                <a:latin typeface="+mj-lt"/>
+              </a:rPr>
+              <a:t>tSNE</a:t>
+            </a:r>
+            <a:r>
+              <a:rPr lang="en-US" sz="2400" b="0" i="0" dirty="0">
+                <a:solidFill>
+                  <a:schemeClr val="tx1"/>
+                </a:solidFill>
+                <a:effectLst/>
+                <a:latin typeface="+mj-lt"/>
+              </a:rPr>
+              <a:t>, </a:t>
+            </a:r>
+            <a:r>
+              <a:rPr lang="en-US" sz="2400" b="1" i="0" dirty="0">
+                <a:solidFill>
+                  <a:schemeClr val="tx1"/>
+                </a:solidFill>
+                <a:effectLst/>
+                <a:latin typeface="+mj-lt"/>
+              </a:rPr>
+              <a:t>MDS</a:t>
+            </a:r>
+            <a:r>
+              <a:rPr lang="en-US" sz="2400" b="0" i="0" dirty="0">
+                <a:solidFill>
+                  <a:schemeClr val="tx1"/>
+                </a:solidFill>
+                <a:effectLst/>
+                <a:latin typeface="+mj-lt"/>
+              </a:rPr>
+              <a:t>, </a:t>
+            </a:r>
+            <a:r>
+              <a:rPr lang="en-US" sz="2400" b="1" i="0" dirty="0">
+                <a:solidFill>
+                  <a:schemeClr val="tx1"/>
+                </a:solidFill>
+                <a:effectLst/>
+                <a:latin typeface="+mj-lt"/>
+              </a:rPr>
+              <a:t>ISOMAP</a:t>
+            </a:r>
+            <a:r>
+              <a:rPr lang="en-US" sz="2400" b="0" i="0" dirty="0">
+                <a:solidFill>
+                  <a:schemeClr val="tx1"/>
+                </a:solidFill>
+                <a:effectLst/>
+                <a:latin typeface="+mj-lt"/>
+              </a:rPr>
+              <a:t>, </a:t>
+            </a:r>
+            <a:r>
+              <a:rPr lang="en-US" sz="2400" b="1" i="0" dirty="0">
+                <a:solidFill>
+                  <a:schemeClr val="tx1"/>
+                </a:solidFill>
+                <a:effectLst/>
+                <a:latin typeface="+mj-lt"/>
+              </a:rPr>
+              <a:t>PCA</a:t>
+            </a:r>
+            <a:r>
+              <a:rPr lang="en-US" sz="2400" b="0" i="0" dirty="0">
+                <a:solidFill>
+                  <a:schemeClr val="tx1"/>
+                </a:solidFill>
+                <a:effectLst/>
+                <a:latin typeface="+mj-lt"/>
+              </a:rPr>
+              <a:t>, and </a:t>
+            </a:r>
+            <a:r>
+              <a:rPr lang="en-US" sz="2400" b="1" i="0" dirty="0">
+                <a:solidFill>
+                  <a:schemeClr val="tx1"/>
+                </a:solidFill>
+                <a:effectLst/>
+                <a:latin typeface="+mj-lt"/>
+              </a:rPr>
+              <a:t>LocallyLinearEmbedding</a:t>
+            </a:r>
+            <a:r>
+              <a:rPr lang="en-US" sz="2400" b="0" i="0" dirty="0">
+                <a:solidFill>
+                  <a:schemeClr val="tx1"/>
+                </a:solidFill>
+                <a:effectLst/>
+                <a:latin typeface="+mj-lt"/>
+              </a:rPr>
+              <a:t>, and showed that </a:t>
+            </a:r>
+            <a:r>
+              <a:rPr lang="en-US" sz="2400" b="1" i="0" dirty="0">
+                <a:solidFill>
+                  <a:schemeClr val="tx1"/>
+                </a:solidFill>
+                <a:effectLst/>
+                <a:latin typeface="+mj-lt"/>
+              </a:rPr>
+              <a:t>JEDI</a:t>
+            </a:r>
+            <a:r>
+              <a:rPr lang="en-US" sz="2400" b="0" i="0" dirty="0">
+                <a:solidFill>
+                  <a:schemeClr val="tx1"/>
+                </a:solidFill>
+                <a:effectLst/>
+                <a:latin typeface="+mj-lt"/>
+              </a:rPr>
+              <a:t> and </a:t>
+            </a:r>
+            <a:r>
+              <a:rPr lang="en-US" sz="2400" b="1" i="0" dirty="0">
+                <a:solidFill>
+                  <a:schemeClr val="tx1"/>
+                </a:solidFill>
+                <a:effectLst/>
+                <a:latin typeface="+mj-lt"/>
+              </a:rPr>
+              <a:t>dtSNE</a:t>
+            </a:r>
+            <a:r>
+              <a:rPr lang="en-US" sz="2400" b="0" i="0" dirty="0">
+                <a:solidFill>
+                  <a:schemeClr val="tx1"/>
+                </a:solidFill>
+                <a:effectLst/>
+                <a:latin typeface="+mj-lt"/>
+              </a:rPr>
+              <a:t> outperform these techniques in </a:t>
+            </a:r>
+            <a:r>
+              <a:rPr lang="en-US" sz="2400" dirty="0">
+                <a:solidFill>
+                  <a:schemeClr val="tx1"/>
+                </a:solidFill>
+                <a:latin typeface="+mj-lt"/>
+              </a:rPr>
+              <a:t>certain</a:t>
+            </a:r>
+            <a:r>
+              <a:rPr lang="en-US" sz="2400" b="0" i="0" dirty="0">
+                <a:solidFill>
+                  <a:schemeClr val="tx1"/>
+                </a:solidFill>
+                <a:effectLst/>
+                <a:latin typeface="+mj-lt"/>
+              </a:rPr>
+              <a:t> metrics.</a:t>
+            </a:r>
+          </a:p>
+        </p:txBody>
+      </p:sp>
+    </p:spTree>
+    <p:extLst>
+      <p:ext uri="{BB962C8B-B14F-4D97-AF65-F5344CB8AC3E}">
+        <p14:creationId xmlns:p14="http://schemas.microsoft.com/office/powerpoint/2010/main" val="2781815917"/>
+      </p:ext>
+    </p:extLst>
+  </p:cSld>
+  <p:clrMapOvr>
+    <a:masterClrMapping/>
+  </p:clrMapOvr>
+</p:sld>
+</file>
+
 <file path=ppt/slides/slide2.xml><?xml version="1.0" encoding="utf-8"?>
+<p:sld xmlns:a="http://schemas.openxmlformats.org/drawingml/2006/main" xmlns:r="http://schemas.openxmlformats.org/officeDocument/2006/relationships" xmlns:p="http://schemas.openxmlformats.org/presentationml/2006/main">
+  <p:cSld>
+    <p:spTree>
+      <p:nvGrpSpPr>
+        <p:cNvPr id="1" name="Shape 147"/>
+        <p:cNvGrpSpPr/>
+        <p:nvPr/>
+      </p:nvGrpSpPr>
+      <p:grpSpPr>
+        <a:xfrm>
+          <a:off x="0" y="0"/>
+          <a:ext cx="0" cy="0"/>
+          <a:chOff x="0" y="0"/>
+          <a:chExt cx="0" cy="0"/>
+        </a:xfrm>
+      </p:grpSpPr>
+      <p:sp>
+        <p:nvSpPr>
+          <p:cNvPr id="148" name="Google Shape;148;p7"/>
+          <p:cNvSpPr txBox="1">
+            <a:spLocks noGrp="1"/>
+          </p:cNvSpPr>
+          <p:nvPr>
+            <p:ph type="title"/>
+          </p:nvPr>
+        </p:nvSpPr>
+        <p:spPr>
+          <a:xfrm>
+            <a:off x="613785" y="135713"/>
+            <a:ext cx="7027488" cy="959179"/>
+          </a:xfrm>
+          <a:prstGeom prst="rect">
+            <a:avLst/>
+          </a:prstGeom>
+          <a:noFill/>
+          <a:ln>
+            <a:noFill/>
+          </a:ln>
+        </p:spPr>
+        <p:txBody>
+          <a:bodyPr spcFirstLastPara="1" wrap="square" lIns="91425" tIns="45700" rIns="91425" bIns="45700" anchor="t" anchorCtr="0">
+            <a:noAutofit/>
+          </a:bodyPr>
+          <a:lstStyle/>
+          <a:p>
+            <a:pPr marL="0" marR="0" lvl="0" indent="0" algn="l" rtl="0">
+              <a:lnSpc>
+                <a:spcPct val="90000"/>
+              </a:lnSpc>
+              <a:spcBef>
+                <a:spcPts val="0"/>
+              </a:spcBef>
+              <a:spcAft>
+                <a:spcPts val="0"/>
+              </a:spcAft>
+              <a:buClr>
+                <a:schemeClr val="dk1"/>
+              </a:buClr>
+              <a:buSzPts val="7200"/>
+              <a:buFont typeface="Arial"/>
+              <a:buNone/>
+            </a:pPr>
+            <a:r>
+              <a:rPr lang="en-US" sz="3600" dirty="0"/>
+              <a:t>Motivation</a:t>
+            </a:r>
+            <a:endParaRPr sz="3600" dirty="0"/>
+          </a:p>
+        </p:txBody>
+      </p:sp>
+      <p:sp>
+        <p:nvSpPr>
+          <p:cNvPr id="11" name="Google Shape;194;p8"/>
+          <p:cNvSpPr txBox="1"/>
+          <p:nvPr/>
+        </p:nvSpPr>
+        <p:spPr>
+          <a:xfrm>
+            <a:off x="613785" y="956995"/>
+            <a:ext cx="10867865" cy="4524275"/>
+          </a:xfrm>
+          <a:prstGeom prst="rect">
+            <a:avLst/>
+          </a:prstGeom>
+          <a:noFill/>
+          <a:ln>
+            <a:noFill/>
+          </a:ln>
+        </p:spPr>
+        <p:txBody>
+          <a:bodyPr spcFirstLastPara="1" wrap="square" lIns="91425" tIns="45700" rIns="91425" bIns="45700" anchor="t" anchorCtr="0">
+            <a:spAutoFit/>
+          </a:bodyPr>
+          <a:lstStyle/>
+          <a:p>
+            <a:pPr marR="0" lvl="0" algn="l" rtl="0">
+              <a:lnSpc>
+                <a:spcPct val="100000"/>
+              </a:lnSpc>
+              <a:spcBef>
+                <a:spcPts val="0"/>
+              </a:spcBef>
+              <a:spcAft>
+                <a:spcPts val="0"/>
+              </a:spcAft>
+            </a:pPr>
+            <a:r>
+              <a:rPr lang="en-AU" sz="2400" i="0" u="none" strike="noStrike" dirty="0">
+                <a:solidFill>
+                  <a:srgbClr val="1F1F1F"/>
+                </a:solidFill>
+                <a:effectLst/>
+                <a:latin typeface="+mj-lt"/>
+              </a:rPr>
+              <a:t>L</a:t>
+            </a:r>
+            <a:r>
+              <a:rPr lang="en-US" sz="2400" i="0" u="none" strike="noStrike" dirty="0">
+                <a:solidFill>
+                  <a:srgbClr val="1F1F1F"/>
+                </a:solidFill>
+                <a:effectLst/>
+                <a:latin typeface="+mj-lt"/>
+              </a:rPr>
+              <a:t>ow-dimensional embeddings</a:t>
+            </a:r>
+            <a:r>
+              <a:rPr lang="en-US" sz="2400" b="0" i="0" u="none" strike="noStrike" dirty="0">
+                <a:solidFill>
+                  <a:srgbClr val="1F1F1F"/>
+                </a:solidFill>
+                <a:effectLst/>
+                <a:latin typeface="+mn-lt"/>
+              </a:rPr>
+              <a:t> can be extremely useful thing</a:t>
+            </a:r>
+          </a:p>
+          <a:p>
+            <a:pPr marR="0" lvl="0" algn="l" rtl="0">
+              <a:lnSpc>
+                <a:spcPct val="100000"/>
+              </a:lnSpc>
+              <a:spcBef>
+                <a:spcPts val="0"/>
+              </a:spcBef>
+              <a:spcAft>
+                <a:spcPts val="0"/>
+              </a:spcAft>
+            </a:pPr>
+            <a:r>
+              <a:rPr lang="en-US" sz="2400" b="0" i="0" u="none" strike="noStrike" dirty="0">
+                <a:solidFill>
+                  <a:srgbClr val="1F1F1F"/>
+                </a:solidFill>
+                <a:effectLst/>
+                <a:latin typeface="+mn-lt"/>
+              </a:rPr>
+              <a:t>(for example, for analysis)</a:t>
+            </a:r>
+          </a:p>
+          <a:p>
+            <a:pPr marR="0" lvl="0" algn="l" rtl="0">
+              <a:lnSpc>
+                <a:spcPct val="100000"/>
+              </a:lnSpc>
+              <a:spcBef>
+                <a:spcPts val="0"/>
+              </a:spcBef>
+              <a:spcAft>
+                <a:spcPts val="0"/>
+              </a:spcAft>
+            </a:pPr>
+            <a:endParaRPr lang="en-US" sz="2400" dirty="0">
+              <a:solidFill>
+                <a:srgbClr val="1F1F1F"/>
+              </a:solidFill>
+              <a:latin typeface="+mn-lt"/>
+            </a:endParaRPr>
+          </a:p>
+          <a:p>
+            <a:pPr marR="0" lvl="0" algn="l" rtl="0">
+              <a:lnSpc>
+                <a:spcPct val="100000"/>
+              </a:lnSpc>
+              <a:spcBef>
+                <a:spcPts val="0"/>
+              </a:spcBef>
+              <a:spcAft>
+                <a:spcPts val="0"/>
+              </a:spcAft>
+            </a:pPr>
+            <a:r>
+              <a:rPr lang="en-AU" sz="2400" dirty="0">
+                <a:solidFill>
+                  <a:srgbClr val="1F1F1F"/>
+                </a:solidFill>
+                <a:latin typeface="+mn-lt"/>
+              </a:rPr>
+              <a:t>One of the current state of the art methods </a:t>
+            </a:r>
+            <a:r>
+              <a:rPr lang="ru-RU" sz="2400" dirty="0">
+                <a:solidFill>
+                  <a:srgbClr val="1F1F1F"/>
+                </a:solidFill>
+                <a:latin typeface="+mn-lt"/>
+              </a:rPr>
+              <a:t>(</a:t>
+            </a:r>
+            <a:r>
+              <a:rPr lang="en-US" sz="2400" dirty="0">
+                <a:solidFill>
+                  <a:srgbClr val="1F1F1F"/>
+                </a:solidFill>
+                <a:latin typeface="+mn-lt"/>
+              </a:rPr>
+              <a:t>according to </a:t>
+            </a:r>
+            <a:r>
+              <a:rPr lang="en-AU" sz="2400" dirty="0">
+                <a:solidFill>
+                  <a:srgbClr val="1F1F1F"/>
+                </a:solidFill>
+                <a:latin typeface="+mn-lt"/>
+              </a:rPr>
+              <a:t>[1]) for making </a:t>
+            </a:r>
+            <a:r>
+              <a:rPr lang="en-AU" sz="2400" dirty="0">
+                <a:solidFill>
+                  <a:srgbClr val="1F1F1F"/>
+                </a:solidFill>
+                <a:latin typeface="+mj-lt"/>
+              </a:rPr>
+              <a:t>l</a:t>
+            </a:r>
+            <a:r>
+              <a:rPr lang="en-US" sz="2400" i="0" u="none" strike="noStrike" dirty="0">
+                <a:solidFill>
+                  <a:srgbClr val="1F1F1F"/>
+                </a:solidFill>
+                <a:effectLst/>
+                <a:latin typeface="+mj-lt"/>
+              </a:rPr>
+              <a:t>ow-dimensional embeddings</a:t>
+            </a:r>
+            <a:r>
+              <a:rPr lang="en-US" sz="2400" b="0" i="0" u="none" strike="noStrike" dirty="0">
+                <a:solidFill>
+                  <a:srgbClr val="1F1F1F"/>
+                </a:solidFill>
+                <a:effectLst/>
+                <a:latin typeface="+mn-lt"/>
+              </a:rPr>
+              <a:t> is tSNE.</a:t>
+            </a:r>
+          </a:p>
+          <a:p>
+            <a:pPr marR="0" lvl="0" algn="l" rtl="0">
+              <a:lnSpc>
+                <a:spcPct val="100000"/>
+              </a:lnSpc>
+              <a:spcBef>
+                <a:spcPts val="0"/>
+              </a:spcBef>
+              <a:spcAft>
+                <a:spcPts val="0"/>
+              </a:spcAft>
+            </a:pPr>
+            <a:endParaRPr lang="ru-RU" sz="2400" b="0" i="0" u="none" strike="noStrike" dirty="0">
+              <a:solidFill>
+                <a:srgbClr val="1F1F1F"/>
+              </a:solidFill>
+              <a:effectLst/>
+              <a:latin typeface="+mn-lt"/>
+            </a:endParaRPr>
+          </a:p>
+          <a:p>
+            <a:pPr marR="0" lvl="0" algn="l" rtl="0">
+              <a:lnSpc>
+                <a:spcPct val="100000"/>
+              </a:lnSpc>
+              <a:spcBef>
+                <a:spcPts val="0"/>
+              </a:spcBef>
+              <a:spcAft>
+                <a:spcPts val="0"/>
+              </a:spcAft>
+            </a:pPr>
+            <a:r>
+              <a:rPr lang="en-AU" sz="2400" dirty="0">
+                <a:solidFill>
+                  <a:srgbClr val="1F1F1F"/>
+                </a:solidFill>
+                <a:latin typeface="+mn-lt"/>
+              </a:rPr>
+              <a:t>But </a:t>
+            </a:r>
+            <a:r>
+              <a:rPr lang="en-US" sz="2400" b="0" i="0" u="none" strike="noStrike" dirty="0">
+                <a:solidFill>
+                  <a:srgbClr val="1F1F1F"/>
+                </a:solidFill>
+                <a:effectLst/>
+                <a:latin typeface="+mn-lt"/>
+              </a:rPr>
+              <a:t>tSNE fails to model many of the important properties of the initial dataset, which can be useful for the researcher. </a:t>
+            </a:r>
+            <a:endParaRPr lang="ru-RU" sz="2400" b="0" i="0" u="none" strike="noStrike" dirty="0">
+              <a:solidFill>
+                <a:srgbClr val="1F1F1F"/>
+              </a:solidFill>
+              <a:effectLst/>
+              <a:latin typeface="+mn-lt"/>
+            </a:endParaRPr>
+          </a:p>
+          <a:p>
+            <a:pPr marR="0" lvl="0" algn="l" rtl="0">
+              <a:lnSpc>
+                <a:spcPct val="100000"/>
+              </a:lnSpc>
+              <a:spcBef>
+                <a:spcPts val="0"/>
+              </a:spcBef>
+              <a:spcAft>
+                <a:spcPts val="0"/>
+              </a:spcAft>
+            </a:pPr>
+            <a:endParaRPr lang="ru-RU" sz="2400" cap="none" dirty="0">
+              <a:solidFill>
+                <a:srgbClr val="1F1F1F"/>
+              </a:solidFill>
+              <a:latin typeface="+mn-lt"/>
+              <a:ea typeface="Arial"/>
+              <a:cs typeface="Arial"/>
+              <a:sym typeface="Arial"/>
+            </a:endParaRPr>
+          </a:p>
+          <a:p>
+            <a:pPr marR="0" lvl="0" algn="l" rtl="0">
+              <a:lnSpc>
+                <a:spcPct val="100000"/>
+              </a:lnSpc>
+              <a:spcBef>
+                <a:spcPts val="0"/>
+              </a:spcBef>
+              <a:spcAft>
+                <a:spcPts val="0"/>
+              </a:spcAft>
+            </a:pPr>
+            <a:r>
+              <a:rPr lang="en-US" sz="2400" i="0" u="none" strike="noStrike" cap="none" dirty="0">
+                <a:solidFill>
+                  <a:schemeClr val="tx1"/>
+                </a:solidFill>
+                <a:latin typeface="+mn-lt"/>
+                <a:ea typeface="Arial"/>
+                <a:cs typeface="Arial"/>
+                <a:sym typeface="Arial"/>
+              </a:rPr>
+              <a:t>The purpose of our work is to </a:t>
+            </a:r>
+            <a:r>
+              <a:rPr lang="en-US" sz="2400" b="1" i="0" u="none" strike="noStrike" cap="none" dirty="0">
+                <a:solidFill>
+                  <a:schemeClr val="tx1"/>
+                </a:solidFill>
+                <a:latin typeface="+mn-lt"/>
+                <a:ea typeface="Arial"/>
+                <a:cs typeface="Arial"/>
+                <a:sym typeface="Arial"/>
+              </a:rPr>
+              <a:t>implement</a:t>
+            </a:r>
+            <a:r>
+              <a:rPr lang="en-US" sz="2400" i="0" u="none" strike="noStrike" cap="none" dirty="0">
+                <a:solidFill>
+                  <a:schemeClr val="tx1"/>
+                </a:solidFill>
+                <a:latin typeface="+mn-lt"/>
+                <a:ea typeface="Arial"/>
+                <a:cs typeface="Arial"/>
+                <a:sym typeface="Arial"/>
+              </a:rPr>
+              <a:t> and </a:t>
+            </a:r>
+            <a:r>
+              <a:rPr lang="en-US" sz="2400" b="1" i="0" u="none" strike="noStrike" cap="none" dirty="0">
+                <a:solidFill>
+                  <a:schemeClr val="tx1"/>
+                </a:solidFill>
+                <a:latin typeface="+mn-lt"/>
+                <a:ea typeface="Arial"/>
+                <a:cs typeface="Arial"/>
+                <a:sym typeface="Arial"/>
+              </a:rPr>
+              <a:t>investigate</a:t>
+            </a:r>
+            <a:r>
+              <a:rPr lang="en-US" sz="2400" i="0" u="none" strike="noStrike" cap="none" dirty="0">
+                <a:solidFill>
+                  <a:schemeClr val="tx1"/>
+                </a:solidFill>
+                <a:latin typeface="+mn-lt"/>
+                <a:ea typeface="Arial"/>
+                <a:cs typeface="Arial"/>
+                <a:sym typeface="Arial"/>
+              </a:rPr>
+              <a:t> improvement methods, </a:t>
+            </a:r>
+            <a:r>
+              <a:rPr lang="en-US" sz="2400" b="1" i="0" u="none" strike="noStrike" cap="none" dirty="0">
+                <a:solidFill>
+                  <a:schemeClr val="tx1"/>
+                </a:solidFill>
+                <a:latin typeface="+mn-lt"/>
+                <a:ea typeface="Arial"/>
+                <a:cs typeface="Arial"/>
+                <a:sym typeface="Arial"/>
+              </a:rPr>
+              <a:t>experimental proof </a:t>
+            </a:r>
+            <a:r>
+              <a:rPr lang="en-US" sz="2400" i="0" u="none" strike="noStrike" cap="none" dirty="0">
+                <a:solidFill>
+                  <a:schemeClr val="tx1"/>
+                </a:solidFill>
+                <a:latin typeface="+mn-lt"/>
+                <a:ea typeface="Arial"/>
+                <a:cs typeface="Arial"/>
+                <a:sym typeface="Arial"/>
+              </a:rPr>
+              <a:t>of the preservation of some properties of the dataset after </a:t>
+            </a:r>
+            <a:r>
+              <a:rPr lang="en-AU" sz="2400" cap="none" dirty="0">
+                <a:solidFill>
+                  <a:srgbClr val="1F1F1F"/>
+                </a:solidFill>
+                <a:latin typeface="+mj-lt"/>
+                <a:ea typeface="Arial"/>
+                <a:cs typeface="Arial"/>
+                <a:sym typeface="Arial"/>
+              </a:rPr>
+              <a:t>l</a:t>
+            </a:r>
+            <a:r>
+              <a:rPr lang="en-US" sz="2400" i="0" u="none" strike="noStrike" dirty="0">
+                <a:solidFill>
+                  <a:srgbClr val="1F1F1F"/>
+                </a:solidFill>
+                <a:effectLst/>
+                <a:latin typeface="+mj-lt"/>
+              </a:rPr>
+              <a:t>ow-dimensional </a:t>
+            </a:r>
+            <a:r>
+              <a:rPr lang="en-US" sz="2400" i="0" u="none" strike="noStrike" cap="none" dirty="0">
+                <a:solidFill>
+                  <a:schemeClr val="tx1"/>
+                </a:solidFill>
+                <a:latin typeface="+mn-lt"/>
+                <a:ea typeface="Arial"/>
+                <a:cs typeface="Arial"/>
+                <a:sym typeface="Arial"/>
+              </a:rPr>
+              <a:t>transformation</a:t>
+            </a:r>
+          </a:p>
+        </p:txBody>
+      </p:sp>
+      <p:sp>
+        <p:nvSpPr>
+          <p:cNvPr id="2" name="TextBox 1">
+            <a:extLst>
+              <a:ext uri="{FF2B5EF4-FFF2-40B4-BE49-F238E27FC236}">
+                <a16:creationId xmlns:a16="http://schemas.microsoft.com/office/drawing/2014/main" id="{6242879C-3253-2A79-5AAC-5CD0441C66CD}"/>
+              </a:ext>
+            </a:extLst>
+          </p:cNvPr>
+          <p:cNvSpPr txBox="1"/>
+          <p:nvPr/>
+        </p:nvSpPr>
+        <p:spPr>
+          <a:xfrm>
+            <a:off x="613785" y="6327648"/>
+            <a:ext cx="3246402" cy="307777"/>
+          </a:xfrm>
+          <a:prstGeom prst="rect">
+            <a:avLst/>
+          </a:prstGeom>
+          <a:noFill/>
+        </p:spPr>
+        <p:txBody>
+          <a:bodyPr wrap="none" rtlCol="0">
+            <a:spAutoFit/>
+          </a:bodyPr>
+          <a:lstStyle/>
+          <a:p>
+            <a:r>
+              <a:rPr lang="en-AU" dirty="0"/>
+              <a:t>[1] https://</a:t>
+            </a:r>
+            <a:r>
+              <a:rPr lang="en-AU" dirty="0" err="1"/>
+              <a:t>arxiv.org</a:t>
+            </a:r>
+            <a:r>
+              <a:rPr lang="en-AU" dirty="0"/>
+              <a:t>/pdf/2103.01828.pdf</a:t>
+            </a:r>
+            <a:endParaRPr lang="ru-RU" dirty="0"/>
+          </a:p>
+        </p:txBody>
+      </p:sp>
+    </p:spTree>
+    <p:extLst>
+      <p:ext uri="{BB962C8B-B14F-4D97-AF65-F5344CB8AC3E}">
+        <p14:creationId xmlns:p14="http://schemas.microsoft.com/office/powerpoint/2010/main" val="1962027948"/>
+      </p:ext>
+    </p:extLst>
+  </p:cSld>
+  <p:clrMapOvr>
+    <a:masterClrMapping/>
+  </p:clrMapOvr>
+</p:sld>
+</file>
+
+<file path=ppt/slides/slide3.xml><?xml version="1.0" encoding="utf-8"?>
+<p:sld xmlns:a="http://schemas.openxmlformats.org/drawingml/2006/main" xmlns:r="http://schemas.openxmlformats.org/officeDocument/2006/relationships" xmlns:p="http://schemas.openxmlformats.org/presentationml/2006/main">
+  <p:cSld>
+    <p:spTree>
+      <p:nvGrpSpPr>
+        <p:cNvPr id="1" name="Shape 147"/>
+        <p:cNvGrpSpPr/>
+        <p:nvPr/>
+      </p:nvGrpSpPr>
+      <p:grpSpPr>
+        <a:xfrm>
+          <a:off x="0" y="0"/>
+          <a:ext cx="0" cy="0"/>
+          <a:chOff x="0" y="0"/>
+          <a:chExt cx="0" cy="0"/>
+        </a:xfrm>
+      </p:grpSpPr>
+      <p:sp>
+        <p:nvSpPr>
+          <p:cNvPr id="148" name="Google Shape;148;p7"/>
+          <p:cNvSpPr txBox="1">
+            <a:spLocks noGrp="1"/>
+          </p:cNvSpPr>
+          <p:nvPr>
+            <p:ph type="title"/>
+          </p:nvPr>
+        </p:nvSpPr>
+        <p:spPr>
+          <a:xfrm>
+            <a:off x="613785" y="135713"/>
+            <a:ext cx="7027488" cy="959179"/>
+          </a:xfrm>
+          <a:prstGeom prst="rect">
+            <a:avLst/>
+          </a:prstGeom>
+          <a:noFill/>
+          <a:ln>
+            <a:noFill/>
+          </a:ln>
+        </p:spPr>
+        <p:txBody>
+          <a:bodyPr spcFirstLastPara="1" wrap="square" lIns="91425" tIns="45700" rIns="91425" bIns="45700" anchor="t" anchorCtr="0">
+            <a:noAutofit/>
+          </a:bodyPr>
+          <a:lstStyle/>
+          <a:p>
+            <a:pPr marL="0" marR="0" lvl="0" indent="0" algn="l" rtl="0">
+              <a:lnSpc>
+                <a:spcPct val="90000"/>
+              </a:lnSpc>
+              <a:spcBef>
+                <a:spcPts val="0"/>
+              </a:spcBef>
+              <a:spcAft>
+                <a:spcPts val="0"/>
+              </a:spcAft>
+              <a:buClr>
+                <a:schemeClr val="dk1"/>
+              </a:buClr>
+              <a:buSzPts val="7200"/>
+              <a:buFont typeface="Arial"/>
+              <a:buNone/>
+            </a:pPr>
+            <a:r>
+              <a:rPr lang="en-AU" sz="3600" dirty="0"/>
+              <a:t>Related works</a:t>
+            </a:r>
+            <a:endParaRPr sz="3600" dirty="0"/>
+          </a:p>
+        </p:txBody>
+      </p:sp>
+      <p:sp>
+        <p:nvSpPr>
+          <p:cNvPr id="11" name="Google Shape;194;p8"/>
+          <p:cNvSpPr txBox="1"/>
+          <p:nvPr/>
+        </p:nvSpPr>
+        <p:spPr>
+          <a:xfrm>
+            <a:off x="613785" y="956995"/>
+            <a:ext cx="10867865" cy="3416279"/>
+          </a:xfrm>
+          <a:prstGeom prst="rect">
+            <a:avLst/>
+          </a:prstGeom>
+          <a:noFill/>
+          <a:ln>
+            <a:noFill/>
+          </a:ln>
+        </p:spPr>
+        <p:txBody>
+          <a:bodyPr spcFirstLastPara="1" wrap="square" lIns="91425" tIns="45700" rIns="91425" bIns="45700" anchor="t" anchorCtr="0">
+            <a:spAutoFit/>
+          </a:bodyPr>
+          <a:lstStyle/>
+          <a:p>
+            <a:pPr>
+              <a:lnSpc>
+                <a:spcPct val="150000"/>
+              </a:lnSpc>
+            </a:pPr>
+            <a:r>
+              <a:rPr lang="en-US" sz="2400" i="0" u="none" strike="noStrike" cap="none" dirty="0">
+                <a:solidFill>
+                  <a:schemeClr val="tx1"/>
+                </a:solidFill>
+                <a:latin typeface="+mn-lt"/>
+                <a:ea typeface="Arial"/>
+                <a:cs typeface="Arial"/>
+                <a:sym typeface="Arial"/>
+              </a:rPr>
+              <a:t>There are some works with modifications of t-SNE method </a:t>
+            </a:r>
+            <a:r>
+              <a:rPr lang="en-US" sz="2400" dirty="0">
+                <a:effectLst/>
+                <a:latin typeface="NimbusRomNo9L"/>
+              </a:rPr>
+              <a:t>by </a:t>
+            </a:r>
+            <a:r>
+              <a:rPr lang="en-US" sz="2400" dirty="0">
+                <a:solidFill>
+                  <a:schemeClr val="tx1"/>
+                </a:solidFill>
+                <a:effectLst/>
+                <a:latin typeface="NimbusRomNo9L"/>
+                <a:hlinkClick r:id="rId3"/>
+              </a:rPr>
+              <a:t>van der </a:t>
+            </a:r>
+            <a:r>
+              <a:rPr lang="en-US" sz="2400" dirty="0" err="1">
+                <a:solidFill>
+                  <a:schemeClr val="tx1"/>
+                </a:solidFill>
+                <a:effectLst/>
+                <a:latin typeface="NimbusRomNo9L"/>
+                <a:hlinkClick r:id="rId3"/>
+              </a:rPr>
+              <a:t>Maaten</a:t>
+            </a:r>
+            <a:r>
+              <a:rPr lang="en-US" sz="2400" dirty="0">
+                <a:solidFill>
+                  <a:schemeClr val="tx1"/>
+                </a:solidFill>
+                <a:effectLst/>
+                <a:latin typeface="NimbusRomNo9L"/>
+                <a:hlinkClick r:id="rId3"/>
+              </a:rPr>
+              <a:t> &amp; Hinton (2008)</a:t>
+            </a:r>
+            <a:r>
+              <a:rPr lang="en-AU" sz="2400" dirty="0">
+                <a:solidFill>
+                  <a:schemeClr val="tx1"/>
+                </a:solidFill>
+                <a:latin typeface="+mn-lt"/>
+              </a:rPr>
+              <a:t>. </a:t>
+            </a:r>
+          </a:p>
+          <a:p>
+            <a:pPr>
+              <a:lnSpc>
+                <a:spcPct val="150000"/>
+              </a:lnSpc>
+            </a:pPr>
+            <a:r>
+              <a:rPr lang="en-AU" sz="2400" dirty="0">
+                <a:solidFill>
+                  <a:schemeClr val="tx1"/>
+                </a:solidFill>
+                <a:latin typeface="+mn-lt"/>
+              </a:rPr>
+              <a:t>Names of this methods</a:t>
+            </a:r>
+            <a:r>
+              <a:rPr lang="en-US" sz="2400" i="0" u="none" strike="noStrike" cap="none" dirty="0">
+                <a:solidFill>
+                  <a:schemeClr val="tx1"/>
+                </a:solidFill>
+                <a:latin typeface="+mn-lt"/>
+                <a:ea typeface="Arial"/>
+                <a:cs typeface="Arial"/>
+                <a:sym typeface="Arial"/>
+              </a:rPr>
+              <a:t>:</a:t>
+            </a:r>
+          </a:p>
+          <a:p>
+            <a:pPr marL="342900" indent="-342900">
+              <a:lnSpc>
+                <a:spcPct val="150000"/>
+              </a:lnSpc>
+              <a:buFont typeface="Arial" panose="020B0604020202020204" pitchFamily="34" charset="0"/>
+              <a:buChar char="•"/>
+            </a:pPr>
+            <a:r>
+              <a:rPr lang="en-US" sz="2400" dirty="0">
+                <a:solidFill>
+                  <a:schemeClr val="tx1"/>
+                </a:solidFill>
+                <a:latin typeface="+mn-lt"/>
+                <a:hlinkClick r:id="rId4"/>
+              </a:rPr>
+              <a:t>JEDI and CONFETTI</a:t>
+            </a:r>
+            <a:endParaRPr lang="en-US" sz="2400" dirty="0">
+              <a:solidFill>
+                <a:schemeClr val="tx1"/>
+              </a:solidFill>
+              <a:latin typeface="+mn-lt"/>
+            </a:endParaRPr>
+          </a:p>
+          <a:p>
+            <a:pPr marL="342900" indent="-342900">
+              <a:lnSpc>
+                <a:spcPct val="150000"/>
+              </a:lnSpc>
+              <a:buFont typeface="Arial" panose="020B0604020202020204" pitchFamily="34" charset="0"/>
+              <a:buChar char="•"/>
+            </a:pPr>
+            <a:r>
+              <a:rPr lang="en-US" sz="2400" dirty="0">
+                <a:solidFill>
+                  <a:schemeClr val="tx1"/>
+                </a:solidFill>
+                <a:latin typeface="+mn-lt"/>
+                <a:hlinkClick r:id="rId5"/>
+              </a:rPr>
+              <a:t>dt</a:t>
+            </a:r>
+            <a:r>
+              <a:rPr lang="en-US" sz="2400" i="0" u="none" strike="noStrike" cap="none" dirty="0">
+                <a:solidFill>
+                  <a:schemeClr val="tx1"/>
+                </a:solidFill>
+                <a:latin typeface="+mn-lt"/>
+                <a:ea typeface="Arial"/>
+                <a:cs typeface="Arial"/>
+                <a:sym typeface="Arial"/>
+                <a:hlinkClick r:id="rId5"/>
+              </a:rPr>
+              <a:t>SNE</a:t>
+            </a:r>
+            <a:endParaRPr lang="en-US" sz="2400" i="0" u="none" strike="noStrike" cap="none" dirty="0">
+              <a:solidFill>
+                <a:schemeClr val="tx1"/>
+              </a:solidFill>
+              <a:latin typeface="+mn-lt"/>
+              <a:ea typeface="Arial"/>
+              <a:cs typeface="Arial"/>
+              <a:sym typeface="Arial"/>
+            </a:endParaRPr>
+          </a:p>
+          <a:p>
+            <a:pPr marL="342900" indent="-342900">
+              <a:lnSpc>
+                <a:spcPct val="150000"/>
+              </a:lnSpc>
+              <a:buFont typeface="Arial" panose="020B0604020202020204" pitchFamily="34" charset="0"/>
+              <a:buChar char="•"/>
+            </a:pPr>
+            <a:r>
+              <a:rPr lang="en-US" sz="2400" dirty="0" err="1">
+                <a:solidFill>
+                  <a:schemeClr val="tx1"/>
+                </a:solidFill>
+                <a:latin typeface="+mn-lt"/>
+                <a:hlinkClick r:id="rId6"/>
+              </a:rPr>
+              <a:t>ctSNE</a:t>
+            </a:r>
+            <a:endParaRPr lang="en-US" sz="2400" i="0" u="none" strike="noStrike" cap="none" dirty="0">
+              <a:solidFill>
+                <a:schemeClr val="tx1"/>
+              </a:solidFill>
+              <a:latin typeface="+mn-lt"/>
+              <a:ea typeface="Arial"/>
+              <a:cs typeface="Arial"/>
+              <a:sym typeface="Arial"/>
+            </a:endParaRPr>
+          </a:p>
+        </p:txBody>
+      </p:sp>
+    </p:spTree>
+    <p:extLst>
+      <p:ext uri="{BB962C8B-B14F-4D97-AF65-F5344CB8AC3E}">
+        <p14:creationId xmlns:p14="http://schemas.microsoft.com/office/powerpoint/2010/main" val="3024924988"/>
+      </p:ext>
+    </p:extLst>
+  </p:cSld>
+  <p:clrMapOvr>
+    <a:masterClrMapping/>
+  </p:clrMapOvr>
+</p:sld>
+</file>
+
+<file path=ppt/slides/slide4.xml><?xml version="1.0" encoding="utf-8"?>
+<p:sld xmlns:a="http://schemas.openxmlformats.org/drawingml/2006/main" xmlns:r="http://schemas.openxmlformats.org/officeDocument/2006/relationships" xmlns:p="http://schemas.openxmlformats.org/presentationml/2006/main">
+  <p:cSld>
+    <p:spTree>
+      <p:nvGrpSpPr>
+        <p:cNvPr id="1" name="Shape 147"/>
+        <p:cNvGrpSpPr/>
+        <p:nvPr/>
+      </p:nvGrpSpPr>
+      <p:grpSpPr>
+        <a:xfrm>
+          <a:off x="0" y="0"/>
+          <a:ext cx="0" cy="0"/>
+          <a:chOff x="0" y="0"/>
+          <a:chExt cx="0" cy="0"/>
+        </a:xfrm>
+      </p:grpSpPr>
+      <p:sp>
+        <p:nvSpPr>
+          <p:cNvPr id="148" name="Google Shape;148;p7"/>
+          <p:cNvSpPr txBox="1">
+            <a:spLocks noGrp="1"/>
+          </p:cNvSpPr>
+          <p:nvPr>
+            <p:ph type="title"/>
+          </p:nvPr>
+        </p:nvSpPr>
+        <p:spPr>
+          <a:xfrm>
+            <a:off x="613785" y="135713"/>
+            <a:ext cx="7027488" cy="959179"/>
+          </a:xfrm>
+          <a:prstGeom prst="rect">
+            <a:avLst/>
+          </a:prstGeom>
+          <a:noFill/>
+          <a:ln>
+            <a:noFill/>
+          </a:ln>
+        </p:spPr>
+        <p:txBody>
+          <a:bodyPr spcFirstLastPara="1" wrap="square" lIns="91425" tIns="45700" rIns="91425" bIns="45700" anchor="t" anchorCtr="0">
+            <a:noAutofit/>
+          </a:bodyPr>
+          <a:lstStyle/>
+          <a:p>
+            <a:pPr marL="0" marR="0" lvl="0" indent="0" algn="l" rtl="0">
+              <a:lnSpc>
+                <a:spcPct val="90000"/>
+              </a:lnSpc>
+              <a:spcBef>
+                <a:spcPts val="0"/>
+              </a:spcBef>
+              <a:spcAft>
+                <a:spcPts val="0"/>
+              </a:spcAft>
+              <a:buClr>
+                <a:schemeClr val="dk1"/>
+              </a:buClr>
+              <a:buSzPts val="7200"/>
+              <a:buFont typeface="Arial"/>
+              <a:buNone/>
+            </a:pPr>
+            <a:r>
+              <a:rPr lang="en-US" sz="3600" dirty="0"/>
+              <a:t>Problem #</a:t>
+            </a:r>
+            <a:r>
+              <a:rPr lang="ru-RU" sz="3600" dirty="0"/>
+              <a:t>1</a:t>
+            </a:r>
+            <a:endParaRPr sz="3600" dirty="0"/>
+          </a:p>
+        </p:txBody>
+      </p:sp>
+      <p:sp>
+        <p:nvSpPr>
+          <p:cNvPr id="11" name="Google Shape;194;p8"/>
+          <p:cNvSpPr txBox="1"/>
+          <p:nvPr/>
+        </p:nvSpPr>
+        <p:spPr>
+          <a:xfrm>
+            <a:off x="613785" y="956995"/>
+            <a:ext cx="10867865" cy="830956"/>
+          </a:xfrm>
+          <a:prstGeom prst="rect">
+            <a:avLst/>
+          </a:prstGeom>
+          <a:noFill/>
+          <a:ln>
+            <a:noFill/>
+          </a:ln>
+        </p:spPr>
+        <p:txBody>
+          <a:bodyPr spcFirstLastPara="1" wrap="square" lIns="91425" tIns="45700" rIns="91425" bIns="45700" anchor="t" anchorCtr="0">
+            <a:spAutoFit/>
+          </a:bodyPr>
+          <a:lstStyle/>
+          <a:p>
+            <a:pPr lvl="8"/>
+            <a:r>
+              <a:rPr lang="en-US" sz="2400" dirty="0"/>
+              <a:t>If we have prior knowledge, we can exhibit meaningful low-lever structure. </a:t>
+            </a:r>
+          </a:p>
+          <a:p>
+            <a:pPr lvl="8"/>
+            <a:r>
+              <a:rPr lang="en-US" sz="2400" b="1" dirty="0"/>
+              <a:t>This is implemented by JEDI</a:t>
+            </a:r>
+            <a:endParaRPr lang="en-US" sz="2400" b="1" i="0" u="none" strike="noStrike" cap="none" dirty="0">
+              <a:solidFill>
+                <a:schemeClr val="tx1"/>
+              </a:solidFill>
+              <a:latin typeface="Arial"/>
+              <a:ea typeface="Arial"/>
+              <a:cs typeface="Arial"/>
+              <a:sym typeface="Arial"/>
+            </a:endParaRPr>
+          </a:p>
+        </p:txBody>
+      </p:sp>
+      <p:sp>
+        <p:nvSpPr>
+          <p:cNvPr id="6" name="TextBox 5">
+            <a:extLst>
+              <a:ext uri="{FF2B5EF4-FFF2-40B4-BE49-F238E27FC236}">
+                <a16:creationId xmlns:a16="http://schemas.microsoft.com/office/drawing/2014/main" id="{D8FA69FE-8EDE-40E2-B02A-2D7CEB0A173B}"/>
+              </a:ext>
+            </a:extLst>
+          </p:cNvPr>
+          <p:cNvSpPr txBox="1"/>
+          <p:nvPr/>
+        </p:nvSpPr>
+        <p:spPr>
+          <a:xfrm>
+            <a:off x="613785" y="5485506"/>
+            <a:ext cx="8761863" cy="830997"/>
+          </a:xfrm>
+          <a:prstGeom prst="rect">
+            <a:avLst/>
+          </a:prstGeom>
+          <a:noFill/>
+        </p:spPr>
+        <p:txBody>
+          <a:bodyPr wrap="square">
+            <a:spAutoFit/>
+          </a:bodyPr>
+          <a:lstStyle/>
+          <a:p>
+            <a:r>
+              <a:rPr lang="en-US" sz="2400" b="1" dirty="0">
+                <a:solidFill>
+                  <a:srgbClr val="AAC50B"/>
+                </a:solidFill>
+              </a:rPr>
+              <a:t>JEDI </a:t>
+            </a:r>
+            <a:r>
+              <a:rPr lang="en-US" sz="2400" b="1" dirty="0">
+                <a:solidFill>
+                  <a:schemeClr val="tx1"/>
+                </a:solidFill>
+              </a:rPr>
+              <a:t>is useful both for unstructured and structured data analysis, provided we have prior knowledge</a:t>
+            </a:r>
+            <a:endParaRPr lang="en-US" sz="2400" b="0" i="0" u="none" strike="noStrike" cap="none" dirty="0">
+              <a:solidFill>
+                <a:schemeClr val="tx1"/>
+              </a:solidFill>
+              <a:latin typeface="Arial"/>
+              <a:ea typeface="Arial"/>
+              <a:cs typeface="Arial"/>
+              <a:sym typeface="Arial"/>
+            </a:endParaRPr>
+          </a:p>
+        </p:txBody>
+      </p:sp>
+      <p:pic>
+        <p:nvPicPr>
+          <p:cNvPr id="1026" name="Picture 2" descr="Фигурки людей ПНГ на Прозрачном Фоне • Скачать PNG Фигурки людей">
+            <a:extLst>
+              <a:ext uri="{FF2B5EF4-FFF2-40B4-BE49-F238E27FC236}">
+                <a16:creationId xmlns:a16="http://schemas.microsoft.com/office/drawing/2014/main" id="{D6A6AEE9-A857-0AA6-9BAC-7DA96129C8E7}"/>
+              </a:ext>
+            </a:extLst>
+          </p:cNvPr>
+          <p:cNvPicPr>
+            <a:picLocks noChangeAspect="1" noChangeArrowheads="1"/>
+          </p:cNvPicPr>
+          <p:nvPr/>
+        </p:nvPicPr>
+        <p:blipFill rotWithShape="1">
+          <a:blip r:embed="rId3">
+            <a:extLst>
+              <a:ext uri="{28A0092B-C50C-407E-A947-70E740481C1C}">
+                <a14:useLocalDpi xmlns:a14="http://schemas.microsoft.com/office/drawing/2010/main" val="0"/>
+              </a:ext>
+            </a:extLst>
+          </a:blip>
+          <a:srcRect r="78800"/>
+          <a:stretch/>
+        </p:blipFill>
+        <p:spPr bwMode="auto">
+          <a:xfrm>
+            <a:off x="3937000" y="3429000"/>
+            <a:ext cx="457708" cy="1079500"/>
+          </a:xfrm>
+          <a:prstGeom prst="rect">
+            <a:avLst/>
+          </a:prstGeom>
+          <a:noFill/>
+          <a:extLst>
+            <a:ext uri="{909E8E84-426E-40DD-AFC4-6F175D3DCCD1}">
+              <a14:hiddenFill xmlns:a14="http://schemas.microsoft.com/office/drawing/2010/main">
+                <a:solidFill>
+                  <a:srgbClr val="FFFFFF"/>
+                </a:solidFill>
+              </a14:hiddenFill>
+            </a:ext>
+          </a:extLst>
+        </p:spPr>
+      </p:pic>
+      <p:pic>
+        <p:nvPicPr>
+          <p:cNvPr id="2" name="Picture 2" descr="Фигурки людей ПНГ на Прозрачном Фоне • Скачать PNG Фигурки людей">
+            <a:extLst>
+              <a:ext uri="{FF2B5EF4-FFF2-40B4-BE49-F238E27FC236}">
+                <a16:creationId xmlns:a16="http://schemas.microsoft.com/office/drawing/2014/main" id="{F0FCECCD-4609-906F-51D6-1171BB40538D}"/>
+              </a:ext>
+            </a:extLst>
+          </p:cNvPr>
+          <p:cNvPicPr>
+            <a:picLocks noChangeAspect="1" noChangeArrowheads="1"/>
+          </p:cNvPicPr>
+          <p:nvPr/>
+        </p:nvPicPr>
+        <p:blipFill rotWithShape="1">
+          <a:blip r:embed="rId3">
+            <a:extLst>
+              <a:ext uri="{28A0092B-C50C-407E-A947-70E740481C1C}">
+                <a14:useLocalDpi xmlns:a14="http://schemas.microsoft.com/office/drawing/2010/main" val="0"/>
+              </a:ext>
+            </a:extLst>
+          </a:blip>
+          <a:srcRect r="78800"/>
+          <a:stretch/>
+        </p:blipFill>
+        <p:spPr bwMode="auto">
+          <a:xfrm>
+            <a:off x="4538218" y="2716735"/>
+            <a:ext cx="457708" cy="1079500"/>
+          </a:xfrm>
+          <a:prstGeom prst="rect">
+            <a:avLst/>
+          </a:prstGeom>
+          <a:noFill/>
+          <a:extLst>
+            <a:ext uri="{909E8E84-426E-40DD-AFC4-6F175D3DCCD1}">
+              <a14:hiddenFill xmlns:a14="http://schemas.microsoft.com/office/drawing/2010/main">
+                <a:solidFill>
+                  <a:srgbClr val="FFFFFF"/>
+                </a:solidFill>
+              </a14:hiddenFill>
+            </a:ext>
+          </a:extLst>
+        </p:spPr>
+      </p:pic>
+      <p:pic>
+        <p:nvPicPr>
+          <p:cNvPr id="1028" name="Picture 4" descr="Фигурки людей ПНГ на Прозрачном Фоне • Скачать PNG Фигурки людей">
+            <a:extLst>
+              <a:ext uri="{FF2B5EF4-FFF2-40B4-BE49-F238E27FC236}">
+                <a16:creationId xmlns:a16="http://schemas.microsoft.com/office/drawing/2014/main" id="{BEE7071C-6667-FE5B-82FE-DC9F811CDDB7}"/>
+              </a:ext>
+            </a:extLst>
+          </p:cNvPr>
+          <p:cNvPicPr>
+            <a:picLocks noChangeAspect="1" noChangeArrowheads="1"/>
+          </p:cNvPicPr>
+          <p:nvPr/>
+        </p:nvPicPr>
+        <p:blipFill rotWithShape="1">
+          <a:blip r:embed="rId3">
+            <a:extLst>
+              <a:ext uri="{28A0092B-C50C-407E-A947-70E740481C1C}">
+                <a14:useLocalDpi xmlns:a14="http://schemas.microsoft.com/office/drawing/2010/main" val="0"/>
+              </a:ext>
+            </a:extLst>
+          </a:blip>
+          <a:srcRect l="26072" r="46387"/>
+          <a:stretch/>
+        </p:blipFill>
+        <p:spPr bwMode="auto">
+          <a:xfrm>
+            <a:off x="4489406" y="3949057"/>
+            <a:ext cx="594616" cy="1079501"/>
+          </a:xfrm>
+          <a:prstGeom prst="rect">
+            <a:avLst/>
+          </a:prstGeom>
+          <a:noFill/>
+          <a:extLst>
+            <a:ext uri="{909E8E84-426E-40DD-AFC4-6F175D3DCCD1}">
+              <a14:hiddenFill xmlns:a14="http://schemas.microsoft.com/office/drawing/2010/main">
+                <a:solidFill>
+                  <a:srgbClr val="FFFFFF"/>
+                </a:solidFill>
+              </a14:hiddenFill>
+            </a:ext>
+          </a:extLst>
+        </p:spPr>
+      </p:pic>
+      <p:pic>
+        <p:nvPicPr>
+          <p:cNvPr id="3" name="Picture 2" descr="Фигурки людей ПНГ на Прозрачном Фоне • Скачать PNG Фигурки людей">
+            <a:extLst>
+              <a:ext uri="{FF2B5EF4-FFF2-40B4-BE49-F238E27FC236}">
+                <a16:creationId xmlns:a16="http://schemas.microsoft.com/office/drawing/2014/main" id="{4BEF342A-D801-27D7-1538-940FACD8D856}"/>
+              </a:ext>
+            </a:extLst>
+          </p:cNvPr>
+          <p:cNvPicPr>
+            <a:picLocks noChangeAspect="1" noChangeArrowheads="1"/>
+          </p:cNvPicPr>
+          <p:nvPr/>
+        </p:nvPicPr>
+        <p:blipFill rotWithShape="1">
+          <a:blip r:embed="rId3">
+            <a:extLst>
+              <a:ext uri="{28A0092B-C50C-407E-A947-70E740481C1C}">
+                <a14:useLocalDpi xmlns:a14="http://schemas.microsoft.com/office/drawing/2010/main" val="0"/>
+              </a:ext>
+            </a:extLst>
+          </a:blip>
+          <a:srcRect r="78800"/>
+          <a:stretch/>
+        </p:blipFill>
+        <p:spPr bwMode="auto">
+          <a:xfrm>
+            <a:off x="7211824" y="2466100"/>
+            <a:ext cx="457708" cy="1079500"/>
+          </a:xfrm>
+          <a:prstGeom prst="rect">
+            <a:avLst/>
+          </a:prstGeom>
+          <a:noFill/>
+          <a:extLst>
+            <a:ext uri="{909E8E84-426E-40DD-AFC4-6F175D3DCCD1}">
+              <a14:hiddenFill xmlns:a14="http://schemas.microsoft.com/office/drawing/2010/main">
+                <a:solidFill>
+                  <a:srgbClr val="FFFFFF"/>
+                </a:solidFill>
+              </a14:hiddenFill>
+            </a:ext>
+          </a:extLst>
+        </p:spPr>
+      </p:pic>
+      <p:pic>
+        <p:nvPicPr>
+          <p:cNvPr id="4" name="Picture 2" descr="Фигурки людей ПНГ на Прозрачном Фоне • Скачать PNG Фигурки людей">
+            <a:extLst>
+              <a:ext uri="{FF2B5EF4-FFF2-40B4-BE49-F238E27FC236}">
+                <a16:creationId xmlns:a16="http://schemas.microsoft.com/office/drawing/2014/main" id="{4D21356D-69C7-C772-14D3-1EFA047B887F}"/>
+              </a:ext>
+            </a:extLst>
+          </p:cNvPr>
+          <p:cNvPicPr>
+            <a:picLocks noChangeAspect="1" noChangeArrowheads="1"/>
+          </p:cNvPicPr>
+          <p:nvPr/>
+        </p:nvPicPr>
+        <p:blipFill rotWithShape="1">
+          <a:blip r:embed="rId3">
+            <a:extLst>
+              <a:ext uri="{28A0092B-C50C-407E-A947-70E740481C1C}">
+                <a14:useLocalDpi xmlns:a14="http://schemas.microsoft.com/office/drawing/2010/main" val="0"/>
+              </a:ext>
+            </a:extLst>
+          </a:blip>
+          <a:srcRect r="78800"/>
+          <a:stretch/>
+        </p:blipFill>
+        <p:spPr bwMode="auto">
+          <a:xfrm>
+            <a:off x="9872218" y="3788187"/>
+            <a:ext cx="457708" cy="1079500"/>
+          </a:xfrm>
+          <a:prstGeom prst="rect">
+            <a:avLst/>
+          </a:prstGeom>
+          <a:noFill/>
+          <a:extLst>
+            <a:ext uri="{909E8E84-426E-40DD-AFC4-6F175D3DCCD1}">
+              <a14:hiddenFill xmlns:a14="http://schemas.microsoft.com/office/drawing/2010/main">
+                <a:solidFill>
+                  <a:srgbClr val="FFFFFF"/>
+                </a:solidFill>
+              </a14:hiddenFill>
+            </a:ext>
+          </a:extLst>
+        </p:spPr>
+      </p:pic>
+      <p:pic>
+        <p:nvPicPr>
+          <p:cNvPr id="7" name="Picture 2" descr="Фигурки людей ПНГ на Прозрачном Фоне • Скачать PNG Фигурки людей">
+            <a:extLst>
+              <a:ext uri="{FF2B5EF4-FFF2-40B4-BE49-F238E27FC236}">
+                <a16:creationId xmlns:a16="http://schemas.microsoft.com/office/drawing/2014/main" id="{565AE4D9-304D-0096-6C9C-19F50BEAAF96}"/>
+              </a:ext>
+            </a:extLst>
+          </p:cNvPr>
+          <p:cNvPicPr>
+            <a:picLocks noChangeAspect="1" noChangeArrowheads="1"/>
+          </p:cNvPicPr>
+          <p:nvPr/>
+        </p:nvPicPr>
+        <p:blipFill rotWithShape="1">
+          <a:blip r:embed="rId3">
+            <a:extLst>
+              <a:ext uri="{28A0092B-C50C-407E-A947-70E740481C1C}">
+                <a14:useLocalDpi xmlns:a14="http://schemas.microsoft.com/office/drawing/2010/main" val="0"/>
+              </a:ext>
+            </a:extLst>
+          </a:blip>
+          <a:srcRect r="78800"/>
+          <a:stretch/>
+        </p:blipFill>
+        <p:spPr bwMode="auto">
+          <a:xfrm>
+            <a:off x="1118362" y="2609233"/>
+            <a:ext cx="457708" cy="1079500"/>
+          </a:xfrm>
+          <a:prstGeom prst="rect">
+            <a:avLst/>
+          </a:prstGeom>
+          <a:noFill/>
+          <a:extLst>
+            <a:ext uri="{909E8E84-426E-40DD-AFC4-6F175D3DCCD1}">
+              <a14:hiddenFill xmlns:a14="http://schemas.microsoft.com/office/drawing/2010/main">
+                <a:solidFill>
+                  <a:srgbClr val="FFFFFF"/>
+                </a:solidFill>
+              </a14:hiddenFill>
+            </a:ext>
+          </a:extLst>
+        </p:spPr>
+      </p:pic>
+      <p:pic>
+        <p:nvPicPr>
+          <p:cNvPr id="9" name="Picture 4" descr="Фигурки людей ПНГ на Прозрачном Фоне • Скачать PNG Фигурки людей">
+            <a:extLst>
+              <a:ext uri="{FF2B5EF4-FFF2-40B4-BE49-F238E27FC236}">
+                <a16:creationId xmlns:a16="http://schemas.microsoft.com/office/drawing/2014/main" id="{36817839-705E-CFFE-DF16-FF5B8B915F5D}"/>
+              </a:ext>
+            </a:extLst>
+          </p:cNvPr>
+          <p:cNvPicPr>
+            <a:picLocks noChangeAspect="1" noChangeArrowheads="1"/>
+          </p:cNvPicPr>
+          <p:nvPr/>
+        </p:nvPicPr>
+        <p:blipFill rotWithShape="1">
+          <a:blip r:embed="rId3">
+            <a:extLst>
+              <a:ext uri="{28A0092B-C50C-407E-A947-70E740481C1C}">
+                <a14:useLocalDpi xmlns:a14="http://schemas.microsoft.com/office/drawing/2010/main" val="0"/>
+              </a:ext>
+            </a:extLst>
+          </a:blip>
+          <a:srcRect l="26072" r="46387"/>
+          <a:stretch/>
+        </p:blipFill>
+        <p:spPr bwMode="auto">
+          <a:xfrm>
+            <a:off x="6545679" y="3384744"/>
+            <a:ext cx="594616" cy="1079501"/>
+          </a:xfrm>
+          <a:prstGeom prst="rect">
+            <a:avLst/>
+          </a:prstGeom>
+          <a:noFill/>
+          <a:extLst>
+            <a:ext uri="{909E8E84-426E-40DD-AFC4-6F175D3DCCD1}">
+              <a14:hiddenFill xmlns:a14="http://schemas.microsoft.com/office/drawing/2010/main">
+                <a:solidFill>
+                  <a:srgbClr val="FFFFFF"/>
+                </a:solidFill>
+              </a14:hiddenFill>
+            </a:ext>
+          </a:extLst>
+        </p:spPr>
+      </p:pic>
+      <p:pic>
+        <p:nvPicPr>
+          <p:cNvPr id="10" name="Picture 4" descr="Фигурки людей ПНГ на Прозрачном Фоне • Скачать PNG Фигурки людей">
+            <a:extLst>
+              <a:ext uri="{FF2B5EF4-FFF2-40B4-BE49-F238E27FC236}">
+                <a16:creationId xmlns:a16="http://schemas.microsoft.com/office/drawing/2014/main" id="{63803F2E-A022-013C-5BB3-B93160E398AA}"/>
+              </a:ext>
+            </a:extLst>
+          </p:cNvPr>
+          <p:cNvPicPr>
+            <a:picLocks noChangeAspect="1" noChangeArrowheads="1"/>
+          </p:cNvPicPr>
+          <p:nvPr/>
+        </p:nvPicPr>
+        <p:blipFill rotWithShape="1">
+          <a:blip r:embed="rId3">
+            <a:extLst>
+              <a:ext uri="{28A0092B-C50C-407E-A947-70E740481C1C}">
+                <a14:useLocalDpi xmlns:a14="http://schemas.microsoft.com/office/drawing/2010/main" val="0"/>
+              </a:ext>
+            </a:extLst>
+          </a:blip>
+          <a:srcRect l="26072" r="46387"/>
+          <a:stretch/>
+        </p:blipFill>
+        <p:spPr bwMode="auto">
+          <a:xfrm>
+            <a:off x="1049908" y="3796235"/>
+            <a:ext cx="594616" cy="1079501"/>
+          </a:xfrm>
+          <a:prstGeom prst="rect">
+            <a:avLst/>
+          </a:prstGeom>
+          <a:noFill/>
+          <a:extLst>
+            <a:ext uri="{909E8E84-426E-40DD-AFC4-6F175D3DCCD1}">
+              <a14:hiddenFill xmlns:a14="http://schemas.microsoft.com/office/drawing/2010/main">
+                <a:solidFill>
+                  <a:srgbClr val="FFFFFF"/>
+                </a:solidFill>
+              </a14:hiddenFill>
+            </a:ext>
+          </a:extLst>
+        </p:spPr>
+      </p:pic>
+      <p:pic>
+        <p:nvPicPr>
+          <p:cNvPr id="12" name="Picture 4" descr="Фигурки людей ПНГ на Прозрачном Фоне • Скачать PNG Фигурки людей">
+            <a:extLst>
+              <a:ext uri="{FF2B5EF4-FFF2-40B4-BE49-F238E27FC236}">
+                <a16:creationId xmlns:a16="http://schemas.microsoft.com/office/drawing/2014/main" id="{ED2BF6FE-B7A7-B7B7-65BD-EA3FB28E180B}"/>
+              </a:ext>
+            </a:extLst>
+          </p:cNvPr>
+          <p:cNvPicPr>
+            <a:picLocks noChangeAspect="1" noChangeArrowheads="1"/>
+          </p:cNvPicPr>
+          <p:nvPr/>
+        </p:nvPicPr>
+        <p:blipFill rotWithShape="1">
+          <a:blip r:embed="rId3">
+            <a:extLst>
+              <a:ext uri="{28A0092B-C50C-407E-A947-70E740481C1C}">
+                <a14:useLocalDpi xmlns:a14="http://schemas.microsoft.com/office/drawing/2010/main" val="0"/>
+              </a:ext>
+            </a:extLst>
+          </a:blip>
+          <a:srcRect l="26072" r="46387"/>
+          <a:stretch/>
+        </p:blipFill>
+        <p:spPr bwMode="auto">
+          <a:xfrm>
+            <a:off x="1739323" y="2938195"/>
+            <a:ext cx="594616" cy="1079501"/>
+          </a:xfrm>
+          <a:prstGeom prst="rect">
+            <a:avLst/>
+          </a:prstGeom>
+          <a:noFill/>
+          <a:extLst>
+            <a:ext uri="{909E8E84-426E-40DD-AFC4-6F175D3DCCD1}">
+              <a14:hiddenFill xmlns:a14="http://schemas.microsoft.com/office/drawing/2010/main">
+                <a:solidFill>
+                  <a:srgbClr val="FFFFFF"/>
+                </a:solidFill>
+              </a14:hiddenFill>
+            </a:ext>
+          </a:extLst>
+        </p:spPr>
+      </p:pic>
+      <p:pic>
+        <p:nvPicPr>
+          <p:cNvPr id="15" name="Picture 4" descr="Фигурки людей ПНГ на Прозрачном Фоне • Скачать PNG Фигурки людей">
+            <a:extLst>
+              <a:ext uri="{FF2B5EF4-FFF2-40B4-BE49-F238E27FC236}">
+                <a16:creationId xmlns:a16="http://schemas.microsoft.com/office/drawing/2014/main" id="{08BEF2B4-6899-A080-BB1A-5A0245876683}"/>
+              </a:ext>
+            </a:extLst>
+          </p:cNvPr>
+          <p:cNvPicPr>
+            <a:picLocks noChangeAspect="1" noChangeArrowheads="1"/>
+          </p:cNvPicPr>
+          <p:nvPr/>
+        </p:nvPicPr>
+        <p:blipFill rotWithShape="1">
+          <a:blip r:embed="rId3">
+            <a:extLst>
+              <a:ext uri="{28A0092B-C50C-407E-A947-70E740481C1C}">
+                <a14:useLocalDpi xmlns:a14="http://schemas.microsoft.com/office/drawing/2010/main" val="0"/>
+              </a:ext>
+            </a:extLst>
+          </a:blip>
+          <a:srcRect l="26072" r="46387"/>
+          <a:stretch/>
+        </p:blipFill>
+        <p:spPr bwMode="auto">
+          <a:xfrm>
+            <a:off x="8995088" y="3384744"/>
+            <a:ext cx="594616" cy="1079501"/>
+          </a:xfrm>
+          <a:prstGeom prst="rect">
+            <a:avLst/>
+          </a:prstGeom>
+          <a:noFill/>
+          <a:extLst>
+            <a:ext uri="{909E8E84-426E-40DD-AFC4-6F175D3DCCD1}">
+              <a14:hiddenFill xmlns:a14="http://schemas.microsoft.com/office/drawing/2010/main">
+                <a:solidFill>
+                  <a:srgbClr val="FFFFFF"/>
+                </a:solidFill>
+              </a14:hiddenFill>
+            </a:ext>
+          </a:extLst>
+        </p:spPr>
+      </p:pic>
+      <p:pic>
+        <p:nvPicPr>
+          <p:cNvPr id="16" name="Picture 2" descr="Фигурки людей ПНГ на Прозрачном Фоне • Скачать PNG Фигурки людей">
+            <a:extLst>
+              <a:ext uri="{FF2B5EF4-FFF2-40B4-BE49-F238E27FC236}">
+                <a16:creationId xmlns:a16="http://schemas.microsoft.com/office/drawing/2014/main" id="{FD2B89A7-F4A2-3678-7CB8-0CB24A668686}"/>
+              </a:ext>
+            </a:extLst>
+          </p:cNvPr>
+          <p:cNvPicPr>
+            <a:picLocks noChangeAspect="1" noChangeArrowheads="1"/>
+          </p:cNvPicPr>
+          <p:nvPr/>
+        </p:nvPicPr>
+        <p:blipFill rotWithShape="1">
+          <a:blip r:embed="rId3">
+            <a:extLst>
+              <a:ext uri="{28A0092B-C50C-407E-A947-70E740481C1C}">
+                <a14:useLocalDpi xmlns:a14="http://schemas.microsoft.com/office/drawing/2010/main" val="0"/>
+              </a:ext>
+            </a:extLst>
+          </a:blip>
+          <a:srcRect r="78800"/>
+          <a:stretch/>
+        </p:blipFill>
+        <p:spPr bwMode="auto">
+          <a:xfrm>
+            <a:off x="9885430" y="2466100"/>
+            <a:ext cx="457708" cy="1079500"/>
+          </a:xfrm>
+          <a:prstGeom prst="rect">
+            <a:avLst/>
+          </a:prstGeom>
+          <a:noFill/>
+          <a:extLst>
+            <a:ext uri="{909E8E84-426E-40DD-AFC4-6F175D3DCCD1}">
+              <a14:hiddenFill xmlns:a14="http://schemas.microsoft.com/office/drawing/2010/main">
+                <a:solidFill>
+                  <a:srgbClr val="FFFFFF"/>
+                </a:solidFill>
+              </a14:hiddenFill>
+            </a:ext>
+          </a:extLst>
+        </p:spPr>
+      </p:pic>
+    </p:spTree>
+    <p:extLst>
+      <p:ext uri="{BB962C8B-B14F-4D97-AF65-F5344CB8AC3E}">
+        <p14:creationId xmlns:p14="http://schemas.microsoft.com/office/powerpoint/2010/main" val="284411784"/>
+      </p:ext>
+    </p:extLst>
+  </p:cSld>
+  <p:clrMapOvr>
+    <a:masterClrMapping/>
+  </p:clrMapOvr>
+</p:sld>
+</file>
+
+<file path=ppt/slides/slide5.xml><?xml version="1.0" encoding="utf-8"?>
+<p:sld xmlns:a="http://schemas.openxmlformats.org/drawingml/2006/main" xmlns:r="http://schemas.openxmlformats.org/officeDocument/2006/relationships" xmlns:p="http://schemas.openxmlformats.org/presentationml/2006/main">
+  <p:cSld>
+    <p:spTree>
+      <p:nvGrpSpPr>
+        <p:cNvPr id="1" name="Shape 147"/>
+        <p:cNvGrpSpPr/>
+        <p:nvPr/>
+      </p:nvGrpSpPr>
+      <p:grpSpPr>
+        <a:xfrm>
+          <a:off x="0" y="0"/>
+          <a:ext cx="0" cy="0"/>
+          <a:chOff x="0" y="0"/>
+          <a:chExt cx="0" cy="0"/>
+        </a:xfrm>
+      </p:grpSpPr>
+      <p:sp>
+        <p:nvSpPr>
+          <p:cNvPr id="148" name="Google Shape;148;p7"/>
+          <p:cNvSpPr txBox="1">
+            <a:spLocks noGrp="1"/>
+          </p:cNvSpPr>
+          <p:nvPr>
+            <p:ph type="title"/>
+          </p:nvPr>
+        </p:nvSpPr>
+        <p:spPr>
+          <a:xfrm>
+            <a:off x="613785" y="135713"/>
+            <a:ext cx="7027488" cy="959179"/>
+          </a:xfrm>
+          <a:prstGeom prst="rect">
+            <a:avLst/>
+          </a:prstGeom>
+          <a:noFill/>
+          <a:ln>
+            <a:noFill/>
+          </a:ln>
+        </p:spPr>
+        <p:txBody>
+          <a:bodyPr spcFirstLastPara="1" wrap="square" lIns="91425" tIns="45700" rIns="91425" bIns="45700" anchor="t" anchorCtr="0">
+            <a:noAutofit/>
+          </a:bodyPr>
+          <a:lstStyle/>
+          <a:p>
+            <a:pPr marL="0" marR="0" lvl="0" indent="0" algn="l" rtl="0">
+              <a:lnSpc>
+                <a:spcPct val="90000"/>
+              </a:lnSpc>
+              <a:spcBef>
+                <a:spcPts val="0"/>
+              </a:spcBef>
+              <a:spcAft>
+                <a:spcPts val="0"/>
+              </a:spcAft>
+              <a:buClr>
+                <a:schemeClr val="dk1"/>
+              </a:buClr>
+              <a:buSzPts val="7200"/>
+              <a:buFont typeface="Arial"/>
+              <a:buNone/>
+            </a:pPr>
+            <a:r>
+              <a:rPr lang="en-US" sz="3600" dirty="0"/>
+              <a:t>Problem #</a:t>
+            </a:r>
+            <a:r>
+              <a:rPr lang="ru-RU" sz="3600" dirty="0"/>
+              <a:t>1</a:t>
+            </a:r>
+            <a:endParaRPr sz="3600" dirty="0"/>
+          </a:p>
+        </p:txBody>
+      </p:sp>
+      <p:sp>
+        <p:nvSpPr>
+          <p:cNvPr id="11" name="Google Shape;194;p8"/>
+          <p:cNvSpPr txBox="1"/>
+          <p:nvPr/>
+        </p:nvSpPr>
+        <p:spPr>
+          <a:xfrm>
+            <a:off x="613785" y="956995"/>
+            <a:ext cx="10867865" cy="830956"/>
+          </a:xfrm>
+          <a:prstGeom prst="rect">
+            <a:avLst/>
+          </a:prstGeom>
+          <a:noFill/>
+          <a:ln>
+            <a:noFill/>
+          </a:ln>
+        </p:spPr>
+        <p:txBody>
+          <a:bodyPr spcFirstLastPara="1" wrap="square" lIns="91425" tIns="45700" rIns="91425" bIns="45700" anchor="t" anchorCtr="0">
+            <a:spAutoFit/>
+          </a:bodyPr>
+          <a:lstStyle/>
+          <a:p>
+            <a:pPr lvl="8"/>
+            <a:r>
+              <a:rPr lang="en-US" sz="2400" dirty="0"/>
+              <a:t>If we have prior knowledge, we can exhibit meaningful low-lever structure. </a:t>
+            </a:r>
+          </a:p>
+          <a:p>
+            <a:pPr lvl="8"/>
+            <a:r>
+              <a:rPr lang="en-US" sz="2400" b="1" dirty="0"/>
+              <a:t>This is implemented by JEDI</a:t>
+            </a:r>
+            <a:endParaRPr lang="en-US" sz="2400" b="1" i="0" u="none" strike="noStrike" cap="none" dirty="0">
+              <a:solidFill>
+                <a:schemeClr val="tx1"/>
+              </a:solidFill>
+              <a:latin typeface="Arial"/>
+              <a:ea typeface="Arial"/>
+              <a:cs typeface="Arial"/>
+              <a:sym typeface="Arial"/>
+            </a:endParaRPr>
+          </a:p>
+        </p:txBody>
+      </p:sp>
+      <p:sp>
+        <p:nvSpPr>
+          <p:cNvPr id="6" name="TextBox 5">
+            <a:extLst>
+              <a:ext uri="{FF2B5EF4-FFF2-40B4-BE49-F238E27FC236}">
+                <a16:creationId xmlns:a16="http://schemas.microsoft.com/office/drawing/2014/main" id="{D8FA69FE-8EDE-40E2-B02A-2D7CEB0A173B}"/>
+              </a:ext>
+            </a:extLst>
+          </p:cNvPr>
+          <p:cNvSpPr txBox="1"/>
+          <p:nvPr/>
+        </p:nvSpPr>
+        <p:spPr>
+          <a:xfrm>
+            <a:off x="613785" y="5485506"/>
+            <a:ext cx="8761863" cy="830997"/>
+          </a:xfrm>
+          <a:prstGeom prst="rect">
+            <a:avLst/>
+          </a:prstGeom>
+          <a:noFill/>
+        </p:spPr>
+        <p:txBody>
+          <a:bodyPr wrap="square">
+            <a:spAutoFit/>
+          </a:bodyPr>
+          <a:lstStyle/>
+          <a:p>
+            <a:r>
+              <a:rPr lang="en-US" sz="2400" b="1" dirty="0">
+                <a:solidFill>
+                  <a:srgbClr val="AAC50B"/>
+                </a:solidFill>
+              </a:rPr>
+              <a:t>JEDI </a:t>
+            </a:r>
+            <a:r>
+              <a:rPr lang="en-US" sz="2400" b="1" dirty="0">
+                <a:solidFill>
+                  <a:schemeClr val="tx1"/>
+                </a:solidFill>
+              </a:rPr>
+              <a:t>is useful both for unstructured and structured data analysis, provided we have prior knowledge</a:t>
+            </a:r>
+            <a:endParaRPr lang="en-US" sz="2400" b="0" i="0" u="none" strike="noStrike" cap="none" dirty="0">
+              <a:solidFill>
+                <a:schemeClr val="tx1"/>
+              </a:solidFill>
+              <a:latin typeface="Arial"/>
+              <a:ea typeface="Arial"/>
+              <a:cs typeface="Arial"/>
+              <a:sym typeface="Arial"/>
+            </a:endParaRPr>
+          </a:p>
+        </p:txBody>
+      </p:sp>
+      <p:pic>
+        <p:nvPicPr>
+          <p:cNvPr id="1026" name="Picture 2" descr="Фигурки людей ПНГ на Прозрачном Фоне • Скачать PNG Фигурки людей">
+            <a:extLst>
+              <a:ext uri="{FF2B5EF4-FFF2-40B4-BE49-F238E27FC236}">
+                <a16:creationId xmlns:a16="http://schemas.microsoft.com/office/drawing/2014/main" id="{D6A6AEE9-A857-0AA6-9BAC-7DA96129C8E7}"/>
+              </a:ext>
+            </a:extLst>
+          </p:cNvPr>
+          <p:cNvPicPr>
+            <a:picLocks noChangeAspect="1" noChangeArrowheads="1"/>
+          </p:cNvPicPr>
+          <p:nvPr/>
+        </p:nvPicPr>
+        <p:blipFill rotWithShape="1">
+          <a:blip r:embed="rId3">
+            <a:extLst>
+              <a:ext uri="{28A0092B-C50C-407E-A947-70E740481C1C}">
+                <a14:useLocalDpi xmlns:a14="http://schemas.microsoft.com/office/drawing/2010/main" val="0"/>
+              </a:ext>
+            </a:extLst>
+          </a:blip>
+          <a:srcRect r="78800"/>
+          <a:stretch/>
+        </p:blipFill>
+        <p:spPr bwMode="auto">
+          <a:xfrm>
+            <a:off x="3937000" y="3429000"/>
+            <a:ext cx="457708" cy="1079500"/>
+          </a:xfrm>
+          <a:prstGeom prst="rect">
+            <a:avLst/>
+          </a:prstGeom>
+          <a:noFill/>
+          <a:extLst>
+            <a:ext uri="{909E8E84-426E-40DD-AFC4-6F175D3DCCD1}">
+              <a14:hiddenFill xmlns:a14="http://schemas.microsoft.com/office/drawing/2010/main">
+                <a:solidFill>
+                  <a:srgbClr val="FFFFFF"/>
+                </a:solidFill>
+              </a14:hiddenFill>
+            </a:ext>
+          </a:extLst>
+        </p:spPr>
+      </p:pic>
+      <p:pic>
+        <p:nvPicPr>
+          <p:cNvPr id="2" name="Picture 2" descr="Фигурки людей ПНГ на Прозрачном Фоне • Скачать PNG Фигурки людей">
+            <a:extLst>
+              <a:ext uri="{FF2B5EF4-FFF2-40B4-BE49-F238E27FC236}">
+                <a16:creationId xmlns:a16="http://schemas.microsoft.com/office/drawing/2014/main" id="{F0FCECCD-4609-906F-51D6-1171BB40538D}"/>
+              </a:ext>
+            </a:extLst>
+          </p:cNvPr>
+          <p:cNvPicPr>
+            <a:picLocks noChangeAspect="1" noChangeArrowheads="1"/>
+          </p:cNvPicPr>
+          <p:nvPr/>
+        </p:nvPicPr>
+        <p:blipFill rotWithShape="1">
+          <a:blip r:embed="rId3">
+            <a:extLst>
+              <a:ext uri="{28A0092B-C50C-407E-A947-70E740481C1C}">
+                <a14:useLocalDpi xmlns:a14="http://schemas.microsoft.com/office/drawing/2010/main" val="0"/>
+              </a:ext>
+            </a:extLst>
+          </a:blip>
+          <a:srcRect r="78800"/>
+          <a:stretch/>
+        </p:blipFill>
+        <p:spPr bwMode="auto">
+          <a:xfrm>
+            <a:off x="4538218" y="2716735"/>
+            <a:ext cx="457708" cy="1079500"/>
+          </a:xfrm>
+          <a:prstGeom prst="rect">
+            <a:avLst/>
+          </a:prstGeom>
+          <a:noFill/>
+          <a:extLst>
+            <a:ext uri="{909E8E84-426E-40DD-AFC4-6F175D3DCCD1}">
+              <a14:hiddenFill xmlns:a14="http://schemas.microsoft.com/office/drawing/2010/main">
+                <a:solidFill>
+                  <a:srgbClr val="FFFFFF"/>
+                </a:solidFill>
+              </a14:hiddenFill>
+            </a:ext>
+          </a:extLst>
+        </p:spPr>
+      </p:pic>
+      <p:pic>
+        <p:nvPicPr>
+          <p:cNvPr id="1028" name="Picture 4" descr="Фигурки людей ПНГ на Прозрачном Фоне • Скачать PNG Фигурки людей">
+            <a:extLst>
+              <a:ext uri="{FF2B5EF4-FFF2-40B4-BE49-F238E27FC236}">
+                <a16:creationId xmlns:a16="http://schemas.microsoft.com/office/drawing/2014/main" id="{BEE7071C-6667-FE5B-82FE-DC9F811CDDB7}"/>
+              </a:ext>
+            </a:extLst>
+          </p:cNvPr>
+          <p:cNvPicPr>
+            <a:picLocks noChangeAspect="1" noChangeArrowheads="1"/>
+          </p:cNvPicPr>
+          <p:nvPr/>
+        </p:nvPicPr>
+        <p:blipFill rotWithShape="1">
+          <a:blip r:embed="rId3">
+            <a:extLst>
+              <a:ext uri="{28A0092B-C50C-407E-A947-70E740481C1C}">
+                <a14:useLocalDpi xmlns:a14="http://schemas.microsoft.com/office/drawing/2010/main" val="0"/>
+              </a:ext>
+            </a:extLst>
+          </a:blip>
+          <a:srcRect l="26072" r="46387"/>
+          <a:stretch/>
+        </p:blipFill>
+        <p:spPr bwMode="auto">
+          <a:xfrm>
+            <a:off x="7192774" y="2428119"/>
+            <a:ext cx="594616" cy="1079501"/>
+          </a:xfrm>
+          <a:prstGeom prst="rect">
+            <a:avLst/>
+          </a:prstGeom>
+          <a:noFill/>
+          <a:extLst>
+            <a:ext uri="{909E8E84-426E-40DD-AFC4-6F175D3DCCD1}">
+              <a14:hiddenFill xmlns:a14="http://schemas.microsoft.com/office/drawing/2010/main">
+                <a:solidFill>
+                  <a:srgbClr val="FFFFFF"/>
+                </a:solidFill>
+              </a14:hiddenFill>
+            </a:ext>
+          </a:extLst>
+        </p:spPr>
+      </p:pic>
+      <p:pic>
+        <p:nvPicPr>
+          <p:cNvPr id="3" name="Picture 2" descr="Фигурки людей ПНГ на Прозрачном Фоне • Скачать PNG Фигурки людей">
+            <a:extLst>
+              <a:ext uri="{FF2B5EF4-FFF2-40B4-BE49-F238E27FC236}">
+                <a16:creationId xmlns:a16="http://schemas.microsoft.com/office/drawing/2014/main" id="{4BEF342A-D801-27D7-1538-940FACD8D856}"/>
+              </a:ext>
+            </a:extLst>
+          </p:cNvPr>
+          <p:cNvPicPr>
+            <a:picLocks noChangeAspect="1" noChangeArrowheads="1"/>
+          </p:cNvPicPr>
+          <p:nvPr/>
+        </p:nvPicPr>
+        <p:blipFill rotWithShape="1">
+          <a:blip r:embed="rId3">
+            <a:extLst>
+              <a:ext uri="{28A0092B-C50C-407E-A947-70E740481C1C}">
+                <a14:useLocalDpi xmlns:a14="http://schemas.microsoft.com/office/drawing/2010/main" val="0"/>
+              </a:ext>
+            </a:extLst>
+          </a:blip>
+          <a:srcRect r="78800"/>
+          <a:stretch/>
+        </p:blipFill>
+        <p:spPr bwMode="auto">
+          <a:xfrm>
+            <a:off x="4609470" y="3895376"/>
+            <a:ext cx="457708" cy="1079500"/>
+          </a:xfrm>
+          <a:prstGeom prst="rect">
+            <a:avLst/>
+          </a:prstGeom>
+          <a:noFill/>
+          <a:extLst>
+            <a:ext uri="{909E8E84-426E-40DD-AFC4-6F175D3DCCD1}">
+              <a14:hiddenFill xmlns:a14="http://schemas.microsoft.com/office/drawing/2010/main">
+                <a:solidFill>
+                  <a:srgbClr val="FFFFFF"/>
+                </a:solidFill>
+              </a14:hiddenFill>
+            </a:ext>
+          </a:extLst>
+        </p:spPr>
+      </p:pic>
+      <p:pic>
+        <p:nvPicPr>
+          <p:cNvPr id="4" name="Picture 2" descr="Фигурки людей ПНГ на Прозрачном Фоне • Скачать PNG Фигурки людей">
+            <a:extLst>
+              <a:ext uri="{FF2B5EF4-FFF2-40B4-BE49-F238E27FC236}">
+                <a16:creationId xmlns:a16="http://schemas.microsoft.com/office/drawing/2014/main" id="{4D21356D-69C7-C772-14D3-1EFA047B887F}"/>
+              </a:ext>
+            </a:extLst>
+          </p:cNvPr>
+          <p:cNvPicPr>
+            <a:picLocks noChangeAspect="1" noChangeArrowheads="1"/>
+          </p:cNvPicPr>
+          <p:nvPr/>
+        </p:nvPicPr>
+        <p:blipFill rotWithShape="1">
+          <a:blip r:embed="rId3">
+            <a:extLst>
+              <a:ext uri="{28A0092B-C50C-407E-A947-70E740481C1C}">
+                <a14:useLocalDpi xmlns:a14="http://schemas.microsoft.com/office/drawing/2010/main" val="0"/>
+              </a:ext>
+            </a:extLst>
+          </a:blip>
+          <a:srcRect r="78800"/>
+          <a:stretch/>
+        </p:blipFill>
+        <p:spPr bwMode="auto">
+          <a:xfrm>
+            <a:off x="1848803" y="3148983"/>
+            <a:ext cx="457708" cy="1079500"/>
+          </a:xfrm>
+          <a:prstGeom prst="rect">
+            <a:avLst/>
+          </a:prstGeom>
+          <a:noFill/>
+          <a:extLst>
+            <a:ext uri="{909E8E84-426E-40DD-AFC4-6F175D3DCCD1}">
+              <a14:hiddenFill xmlns:a14="http://schemas.microsoft.com/office/drawing/2010/main">
+                <a:solidFill>
+                  <a:srgbClr val="FFFFFF"/>
+                </a:solidFill>
+              </a14:hiddenFill>
+            </a:ext>
+          </a:extLst>
+        </p:spPr>
+      </p:pic>
+      <p:pic>
+        <p:nvPicPr>
+          <p:cNvPr id="7" name="Picture 2" descr="Фигурки людей ПНГ на Прозрачном Фоне • Скачать PNG Фигурки людей">
+            <a:extLst>
+              <a:ext uri="{FF2B5EF4-FFF2-40B4-BE49-F238E27FC236}">
+                <a16:creationId xmlns:a16="http://schemas.microsoft.com/office/drawing/2014/main" id="{565AE4D9-304D-0096-6C9C-19F50BEAAF96}"/>
+              </a:ext>
+            </a:extLst>
+          </p:cNvPr>
+          <p:cNvPicPr>
+            <a:picLocks noChangeAspect="1" noChangeArrowheads="1"/>
+          </p:cNvPicPr>
+          <p:nvPr/>
+        </p:nvPicPr>
+        <p:blipFill rotWithShape="1">
+          <a:blip r:embed="rId3">
+            <a:extLst>
+              <a:ext uri="{28A0092B-C50C-407E-A947-70E740481C1C}">
+                <a14:useLocalDpi xmlns:a14="http://schemas.microsoft.com/office/drawing/2010/main" val="0"/>
+              </a:ext>
+            </a:extLst>
+          </a:blip>
+          <a:srcRect r="78800"/>
+          <a:stretch/>
+        </p:blipFill>
+        <p:spPr bwMode="auto">
+          <a:xfrm>
+            <a:off x="1118362" y="2609233"/>
+            <a:ext cx="457708" cy="1079500"/>
+          </a:xfrm>
+          <a:prstGeom prst="rect">
+            <a:avLst/>
+          </a:prstGeom>
+          <a:noFill/>
+          <a:extLst>
+            <a:ext uri="{909E8E84-426E-40DD-AFC4-6F175D3DCCD1}">
+              <a14:hiddenFill xmlns:a14="http://schemas.microsoft.com/office/drawing/2010/main">
+                <a:solidFill>
+                  <a:srgbClr val="FFFFFF"/>
+                </a:solidFill>
+              </a14:hiddenFill>
+            </a:ext>
+          </a:extLst>
+        </p:spPr>
+      </p:pic>
+      <p:pic>
+        <p:nvPicPr>
+          <p:cNvPr id="9" name="Picture 4" descr="Фигурки людей ПНГ на Прозрачном Фоне • Скачать PNG Фигурки людей">
+            <a:extLst>
+              <a:ext uri="{FF2B5EF4-FFF2-40B4-BE49-F238E27FC236}">
+                <a16:creationId xmlns:a16="http://schemas.microsoft.com/office/drawing/2014/main" id="{36817839-705E-CFFE-DF16-FF5B8B915F5D}"/>
+              </a:ext>
+            </a:extLst>
+          </p:cNvPr>
+          <p:cNvPicPr>
+            <a:picLocks noChangeAspect="1" noChangeArrowheads="1"/>
+          </p:cNvPicPr>
+          <p:nvPr/>
+        </p:nvPicPr>
+        <p:blipFill rotWithShape="1">
+          <a:blip r:embed="rId3">
+            <a:extLst>
+              <a:ext uri="{28A0092B-C50C-407E-A947-70E740481C1C}">
+                <a14:useLocalDpi xmlns:a14="http://schemas.microsoft.com/office/drawing/2010/main" val="0"/>
+              </a:ext>
+            </a:extLst>
+          </a:blip>
+          <a:srcRect l="26072" r="46387"/>
+          <a:stretch/>
+        </p:blipFill>
+        <p:spPr bwMode="auto">
+          <a:xfrm>
+            <a:off x="6695397" y="3237743"/>
+            <a:ext cx="594616" cy="1079501"/>
+          </a:xfrm>
+          <a:prstGeom prst="rect">
+            <a:avLst/>
+          </a:prstGeom>
+          <a:noFill/>
+          <a:extLst>
+            <a:ext uri="{909E8E84-426E-40DD-AFC4-6F175D3DCCD1}">
+              <a14:hiddenFill xmlns:a14="http://schemas.microsoft.com/office/drawing/2010/main">
+                <a:solidFill>
+                  <a:srgbClr val="FFFFFF"/>
+                </a:solidFill>
+              </a14:hiddenFill>
+            </a:ext>
+          </a:extLst>
+        </p:spPr>
+      </p:pic>
+      <p:pic>
+        <p:nvPicPr>
+          <p:cNvPr id="10" name="Picture 4" descr="Фигурки людей ПНГ на Прозрачном Фоне • Скачать PNG Фигурки людей">
+            <a:extLst>
+              <a:ext uri="{FF2B5EF4-FFF2-40B4-BE49-F238E27FC236}">
+                <a16:creationId xmlns:a16="http://schemas.microsoft.com/office/drawing/2014/main" id="{63803F2E-A022-013C-5BB3-B93160E398AA}"/>
+              </a:ext>
+            </a:extLst>
+          </p:cNvPr>
+          <p:cNvPicPr>
+            <a:picLocks noChangeAspect="1" noChangeArrowheads="1"/>
+          </p:cNvPicPr>
+          <p:nvPr/>
+        </p:nvPicPr>
+        <p:blipFill rotWithShape="1">
+          <a:blip r:embed="rId3">
+            <a:extLst>
+              <a:ext uri="{28A0092B-C50C-407E-A947-70E740481C1C}">
+                <a14:useLocalDpi xmlns:a14="http://schemas.microsoft.com/office/drawing/2010/main" val="0"/>
+              </a:ext>
+            </a:extLst>
+          </a:blip>
+          <a:srcRect l="26072" r="46387"/>
+          <a:stretch/>
+        </p:blipFill>
+        <p:spPr bwMode="auto">
+          <a:xfrm>
+            <a:off x="9588122" y="2557227"/>
+            <a:ext cx="594616" cy="1079501"/>
+          </a:xfrm>
+          <a:prstGeom prst="rect">
+            <a:avLst/>
+          </a:prstGeom>
+          <a:noFill/>
+          <a:extLst>
+            <a:ext uri="{909E8E84-426E-40DD-AFC4-6F175D3DCCD1}">
+              <a14:hiddenFill xmlns:a14="http://schemas.microsoft.com/office/drawing/2010/main">
+                <a:solidFill>
+                  <a:srgbClr val="FFFFFF"/>
+                </a:solidFill>
+              </a14:hiddenFill>
+            </a:ext>
+          </a:extLst>
+        </p:spPr>
+      </p:pic>
+      <p:pic>
+        <p:nvPicPr>
+          <p:cNvPr id="12" name="Picture 4" descr="Фигурки людей ПНГ на Прозрачном Фоне • Скачать PNG Фигурки людей">
+            <a:extLst>
+              <a:ext uri="{FF2B5EF4-FFF2-40B4-BE49-F238E27FC236}">
+                <a16:creationId xmlns:a16="http://schemas.microsoft.com/office/drawing/2014/main" id="{ED2BF6FE-B7A7-B7B7-65BD-EA3FB28E180B}"/>
+              </a:ext>
+            </a:extLst>
+          </p:cNvPr>
+          <p:cNvPicPr>
+            <a:picLocks noChangeAspect="1" noChangeArrowheads="1"/>
+          </p:cNvPicPr>
+          <p:nvPr/>
+        </p:nvPicPr>
+        <p:blipFill rotWithShape="1">
+          <a:blip r:embed="rId3">
+            <a:extLst>
+              <a:ext uri="{28A0092B-C50C-407E-A947-70E740481C1C}">
+                <a14:useLocalDpi xmlns:a14="http://schemas.microsoft.com/office/drawing/2010/main" val="0"/>
+              </a:ext>
+            </a:extLst>
+          </a:blip>
+          <a:srcRect l="26072" r="46387"/>
+          <a:stretch/>
+        </p:blipFill>
+        <p:spPr bwMode="auto">
+          <a:xfrm>
+            <a:off x="9748522" y="3964118"/>
+            <a:ext cx="594616" cy="1079501"/>
+          </a:xfrm>
+          <a:prstGeom prst="rect">
+            <a:avLst/>
+          </a:prstGeom>
+          <a:noFill/>
+          <a:extLst>
+            <a:ext uri="{909E8E84-426E-40DD-AFC4-6F175D3DCCD1}">
+              <a14:hiddenFill xmlns:a14="http://schemas.microsoft.com/office/drawing/2010/main">
+                <a:solidFill>
+                  <a:srgbClr val="FFFFFF"/>
+                </a:solidFill>
+              </a14:hiddenFill>
+            </a:ext>
+          </a:extLst>
+        </p:spPr>
+      </p:pic>
+      <p:pic>
+        <p:nvPicPr>
+          <p:cNvPr id="15" name="Picture 4" descr="Фигурки людей ПНГ на Прозрачном Фоне • Скачать PNG Фигурки людей">
+            <a:extLst>
+              <a:ext uri="{FF2B5EF4-FFF2-40B4-BE49-F238E27FC236}">
+                <a16:creationId xmlns:a16="http://schemas.microsoft.com/office/drawing/2014/main" id="{08BEF2B4-6899-A080-BB1A-5A0245876683}"/>
+              </a:ext>
+            </a:extLst>
+          </p:cNvPr>
+          <p:cNvPicPr>
+            <a:picLocks noChangeAspect="1" noChangeArrowheads="1"/>
+          </p:cNvPicPr>
+          <p:nvPr/>
+        </p:nvPicPr>
+        <p:blipFill rotWithShape="1">
+          <a:blip r:embed="rId3">
+            <a:extLst>
+              <a:ext uri="{28A0092B-C50C-407E-A947-70E740481C1C}">
+                <a14:useLocalDpi xmlns:a14="http://schemas.microsoft.com/office/drawing/2010/main" val="0"/>
+              </a:ext>
+            </a:extLst>
+          </a:blip>
+          <a:srcRect l="26072" r="46387"/>
+          <a:stretch/>
+        </p:blipFill>
+        <p:spPr bwMode="auto">
+          <a:xfrm>
+            <a:off x="8995088" y="3384744"/>
+            <a:ext cx="594616" cy="1079501"/>
+          </a:xfrm>
+          <a:prstGeom prst="rect">
+            <a:avLst/>
+          </a:prstGeom>
+          <a:noFill/>
+          <a:extLst>
+            <a:ext uri="{909E8E84-426E-40DD-AFC4-6F175D3DCCD1}">
+              <a14:hiddenFill xmlns:a14="http://schemas.microsoft.com/office/drawing/2010/main">
+                <a:solidFill>
+                  <a:srgbClr val="FFFFFF"/>
+                </a:solidFill>
+              </a14:hiddenFill>
+            </a:ext>
+          </a:extLst>
+        </p:spPr>
+      </p:pic>
+      <p:pic>
+        <p:nvPicPr>
+          <p:cNvPr id="16" name="Picture 2" descr="Фигурки людей ПНГ на Прозрачном Фоне • Скачать PNG Фигурки людей">
+            <a:extLst>
+              <a:ext uri="{FF2B5EF4-FFF2-40B4-BE49-F238E27FC236}">
+                <a16:creationId xmlns:a16="http://schemas.microsoft.com/office/drawing/2014/main" id="{FD2B89A7-F4A2-3678-7CB8-0CB24A668686}"/>
+              </a:ext>
+            </a:extLst>
+          </p:cNvPr>
+          <p:cNvPicPr>
+            <a:picLocks noChangeAspect="1" noChangeArrowheads="1"/>
+          </p:cNvPicPr>
+          <p:nvPr/>
+        </p:nvPicPr>
+        <p:blipFill rotWithShape="1">
+          <a:blip r:embed="rId3">
+            <a:extLst>
+              <a:ext uri="{28A0092B-C50C-407E-A947-70E740481C1C}">
+                <a14:useLocalDpi xmlns:a14="http://schemas.microsoft.com/office/drawing/2010/main" val="0"/>
+              </a:ext>
+            </a:extLst>
+          </a:blip>
+          <a:srcRect r="78800"/>
+          <a:stretch/>
+        </p:blipFill>
+        <p:spPr bwMode="auto">
+          <a:xfrm>
+            <a:off x="1025875" y="3846250"/>
+            <a:ext cx="457708" cy="1079500"/>
+          </a:xfrm>
+          <a:prstGeom prst="rect">
+            <a:avLst/>
+          </a:prstGeom>
+          <a:noFill/>
+          <a:extLst>
+            <a:ext uri="{909E8E84-426E-40DD-AFC4-6F175D3DCCD1}">
+              <a14:hiddenFill xmlns:a14="http://schemas.microsoft.com/office/drawing/2010/main">
+                <a:solidFill>
+                  <a:srgbClr val="FFFFFF"/>
+                </a:solidFill>
+              </a14:hiddenFill>
+            </a:ext>
+          </a:extLst>
+        </p:spPr>
+      </p:pic>
+    </p:spTree>
+    <p:extLst>
+      <p:ext uri="{BB962C8B-B14F-4D97-AF65-F5344CB8AC3E}">
+        <p14:creationId xmlns:p14="http://schemas.microsoft.com/office/powerpoint/2010/main" val="4082502249"/>
+      </p:ext>
+    </p:extLst>
+  </p:cSld>
+  <p:clrMapOvr>
+    <a:masterClrMapping/>
+  </p:clrMapOvr>
+</p:sld>
+</file>
+
+<file path=ppt/slides/slide6.xml><?xml version="1.0" encoding="utf-8"?>
+<p:sld xmlns:a="http://schemas.openxmlformats.org/drawingml/2006/main" xmlns:r="http://schemas.openxmlformats.org/officeDocument/2006/relationships" xmlns:p="http://schemas.openxmlformats.org/presentationml/2006/main">
+  <p:cSld>
+    <p:spTree>
+      <p:nvGrpSpPr>
+        <p:cNvPr id="1" name="Shape 147"/>
+        <p:cNvGrpSpPr/>
+        <p:nvPr/>
+      </p:nvGrpSpPr>
+      <p:grpSpPr>
+        <a:xfrm>
+          <a:off x="0" y="0"/>
+          <a:ext cx="0" cy="0"/>
+          <a:chOff x="0" y="0"/>
+          <a:chExt cx="0" cy="0"/>
+        </a:xfrm>
+      </p:grpSpPr>
+      <p:sp>
+        <p:nvSpPr>
+          <p:cNvPr id="148" name="Google Shape;148;p7"/>
+          <p:cNvSpPr txBox="1">
+            <a:spLocks noGrp="1"/>
+          </p:cNvSpPr>
+          <p:nvPr>
+            <p:ph type="title"/>
+          </p:nvPr>
+        </p:nvSpPr>
+        <p:spPr>
+          <a:xfrm>
+            <a:off x="613784" y="135713"/>
+            <a:ext cx="11578215" cy="959179"/>
+          </a:xfrm>
+          <a:prstGeom prst="rect">
+            <a:avLst/>
+          </a:prstGeom>
+          <a:noFill/>
+          <a:ln>
+            <a:noFill/>
+          </a:ln>
+        </p:spPr>
+        <p:txBody>
+          <a:bodyPr spcFirstLastPara="1" wrap="square" lIns="91425" tIns="45700" rIns="91425" bIns="45700" anchor="t" anchorCtr="0">
+            <a:noAutofit/>
+          </a:bodyPr>
+          <a:lstStyle/>
+          <a:p>
+            <a:pPr marL="0" marR="0" lvl="0" indent="0" algn="l" rtl="0">
+              <a:lnSpc>
+                <a:spcPct val="90000"/>
+              </a:lnSpc>
+              <a:spcBef>
+                <a:spcPts val="0"/>
+              </a:spcBef>
+              <a:spcAft>
+                <a:spcPts val="0"/>
+              </a:spcAft>
+              <a:buClr>
+                <a:schemeClr val="dk1"/>
+              </a:buClr>
+              <a:buSzPts val="7200"/>
+              <a:buFont typeface="Arial"/>
+              <a:buNone/>
+            </a:pPr>
+            <a:r>
+              <a:rPr lang="en-US" sz="3600" dirty="0"/>
+              <a:t>JEDI</a:t>
+            </a:r>
+            <a:endParaRPr sz="3600" dirty="0"/>
+          </a:p>
+        </p:txBody>
+      </p:sp>
+      <p:sp>
+        <p:nvSpPr>
+          <p:cNvPr id="10" name="TextBox 9">
+            <a:extLst>
+              <a:ext uri="{FF2B5EF4-FFF2-40B4-BE49-F238E27FC236}">
+                <a16:creationId xmlns:a16="http://schemas.microsoft.com/office/drawing/2014/main" id="{DD3A7F6F-0CB4-48AA-AE46-AB3736FC7371}"/>
+              </a:ext>
+            </a:extLst>
+          </p:cNvPr>
+          <p:cNvSpPr txBox="1"/>
+          <p:nvPr/>
+        </p:nvSpPr>
+        <p:spPr>
+          <a:xfrm>
+            <a:off x="613782" y="6132611"/>
+            <a:ext cx="6683999" cy="461665"/>
+          </a:xfrm>
+          <a:prstGeom prst="rect">
+            <a:avLst/>
+          </a:prstGeom>
+          <a:noFill/>
+        </p:spPr>
+        <p:txBody>
+          <a:bodyPr wrap="square">
+            <a:spAutoFit/>
+          </a:bodyPr>
+          <a:lstStyle/>
+          <a:p>
+            <a:r>
+              <a:rPr lang="en-US" sz="2400" b="1" dirty="0">
+                <a:solidFill>
+                  <a:schemeClr val="tx1"/>
+                </a:solidFill>
+              </a:rPr>
+              <a:t>Implementation by </a:t>
+            </a:r>
+            <a:r>
+              <a:rPr lang="en-US" sz="2400" b="1" dirty="0">
+                <a:solidFill>
+                  <a:srgbClr val="AAC50B"/>
+                </a:solidFill>
+              </a:rPr>
+              <a:t>Makhin Artem</a:t>
+            </a:r>
+            <a:endParaRPr lang="en-US" sz="1400" b="1" dirty="0">
+              <a:solidFill>
+                <a:srgbClr val="AAC50B"/>
+              </a:solidFill>
+            </a:endParaRPr>
+          </a:p>
+        </p:txBody>
+      </p:sp>
+      <p:sp>
+        <p:nvSpPr>
+          <p:cNvPr id="22" name="TextBox 21">
+            <a:extLst>
+              <a:ext uri="{FF2B5EF4-FFF2-40B4-BE49-F238E27FC236}">
+                <a16:creationId xmlns:a16="http://schemas.microsoft.com/office/drawing/2014/main" id="{0D29E0BA-DB44-4B4F-A4E5-643849D8AE6E}"/>
+              </a:ext>
+            </a:extLst>
+          </p:cNvPr>
+          <p:cNvSpPr txBox="1"/>
+          <p:nvPr/>
+        </p:nvSpPr>
+        <p:spPr>
+          <a:xfrm>
+            <a:off x="613783" y="1007151"/>
+            <a:ext cx="5177417" cy="461665"/>
+          </a:xfrm>
+          <a:prstGeom prst="rect">
+            <a:avLst/>
+          </a:prstGeom>
+          <a:noFill/>
+        </p:spPr>
+        <p:txBody>
+          <a:bodyPr wrap="square">
+            <a:spAutoFit/>
+          </a:bodyPr>
+          <a:lstStyle/>
+          <a:p>
+            <a:r>
+              <a:rPr lang="en-AU" sz="2400" dirty="0"/>
+              <a:t>Vanilla t-SNE:</a:t>
+            </a:r>
+            <a:endParaRPr lang="en-US" sz="2400" dirty="0"/>
+          </a:p>
+        </p:txBody>
+      </p:sp>
+      <p:sp>
+        <p:nvSpPr>
+          <p:cNvPr id="25" name="TextBox 24">
+            <a:extLst>
+              <a:ext uri="{FF2B5EF4-FFF2-40B4-BE49-F238E27FC236}">
+                <a16:creationId xmlns:a16="http://schemas.microsoft.com/office/drawing/2014/main" id="{4754CEAA-37F9-4990-B726-09643AA10C75}"/>
+              </a:ext>
+            </a:extLst>
+          </p:cNvPr>
+          <p:cNvSpPr txBox="1"/>
+          <p:nvPr/>
+        </p:nvSpPr>
+        <p:spPr>
+          <a:xfrm>
+            <a:off x="613782" y="2333636"/>
+            <a:ext cx="5177417" cy="461665"/>
+          </a:xfrm>
+          <a:prstGeom prst="rect">
+            <a:avLst/>
+          </a:prstGeom>
+          <a:noFill/>
+        </p:spPr>
+        <p:txBody>
+          <a:bodyPr wrap="square">
+            <a:spAutoFit/>
+          </a:bodyPr>
+          <a:lstStyle/>
+          <a:p>
+            <a:r>
+              <a:rPr lang="en-AU" sz="2400" dirty="0"/>
+              <a:t>JEDI:</a:t>
+            </a:r>
+            <a:endParaRPr lang="en-US" sz="2400" dirty="0"/>
+          </a:p>
+        </p:txBody>
+      </p:sp>
+      <p:pic>
+        <p:nvPicPr>
+          <p:cNvPr id="2" name="Рисунок 1">
+            <a:extLst>
+              <a:ext uri="{FF2B5EF4-FFF2-40B4-BE49-F238E27FC236}">
+                <a16:creationId xmlns:a16="http://schemas.microsoft.com/office/drawing/2014/main" id="{8A3E70D1-24FA-02B7-5F4C-361DCBFEF40C}"/>
+              </a:ext>
+            </a:extLst>
+          </p:cNvPr>
+          <p:cNvPicPr>
+            <a:picLocks noChangeAspect="1"/>
+          </p:cNvPicPr>
+          <p:nvPr/>
+        </p:nvPicPr>
+        <p:blipFill>
+          <a:blip r:embed="rId3"/>
+          <a:stretch>
+            <a:fillRect/>
+          </a:stretch>
+        </p:blipFill>
+        <p:spPr>
+          <a:xfrm>
+            <a:off x="3648354" y="1311864"/>
+            <a:ext cx="4285693" cy="959179"/>
+          </a:xfrm>
+          <a:prstGeom prst="rect">
+            <a:avLst/>
+          </a:prstGeom>
+        </p:spPr>
+      </p:pic>
+      <p:pic>
+        <p:nvPicPr>
+          <p:cNvPr id="3" name="Рисунок 2">
+            <a:extLst>
+              <a:ext uri="{FF2B5EF4-FFF2-40B4-BE49-F238E27FC236}">
+                <a16:creationId xmlns:a16="http://schemas.microsoft.com/office/drawing/2014/main" id="{F88D012A-2FC2-12FB-5FC4-0FE0F0E53FF3}"/>
+              </a:ext>
+            </a:extLst>
+          </p:cNvPr>
+          <p:cNvPicPr>
+            <a:picLocks noChangeAspect="1"/>
+          </p:cNvPicPr>
+          <p:nvPr/>
+        </p:nvPicPr>
+        <p:blipFill>
+          <a:blip r:embed="rId4"/>
+          <a:stretch>
+            <a:fillRect/>
+          </a:stretch>
+        </p:blipFill>
+        <p:spPr>
+          <a:xfrm>
+            <a:off x="2899418" y="2779656"/>
+            <a:ext cx="6393164" cy="839326"/>
+          </a:xfrm>
+          <a:prstGeom prst="rect">
+            <a:avLst/>
+          </a:prstGeom>
+        </p:spPr>
+      </p:pic>
+      <p:pic>
+        <p:nvPicPr>
+          <p:cNvPr id="5" name="Рисунок 4">
+            <a:extLst>
+              <a:ext uri="{FF2B5EF4-FFF2-40B4-BE49-F238E27FC236}">
+                <a16:creationId xmlns:a16="http://schemas.microsoft.com/office/drawing/2014/main" id="{BCDD7B3A-6A5D-FCFB-DE4F-9E00FF438315}"/>
+              </a:ext>
+            </a:extLst>
+          </p:cNvPr>
+          <p:cNvPicPr>
+            <a:picLocks noChangeAspect="1"/>
+          </p:cNvPicPr>
+          <p:nvPr/>
+        </p:nvPicPr>
+        <p:blipFill>
+          <a:blip r:embed="rId5"/>
+          <a:stretch>
+            <a:fillRect/>
+          </a:stretch>
+        </p:blipFill>
+        <p:spPr>
+          <a:xfrm>
+            <a:off x="1198999" y="5090698"/>
+            <a:ext cx="10419978" cy="426095"/>
+          </a:xfrm>
+          <a:prstGeom prst="rect">
+            <a:avLst/>
+          </a:prstGeom>
+        </p:spPr>
+      </p:pic>
+      <p:sp>
+        <p:nvSpPr>
+          <p:cNvPr id="6" name="TextBox 5">
+            <a:extLst>
+              <a:ext uri="{FF2B5EF4-FFF2-40B4-BE49-F238E27FC236}">
+                <a16:creationId xmlns:a16="http://schemas.microsoft.com/office/drawing/2014/main" id="{C84CE2DB-ED07-DE27-CE02-4AC02AF05D9B}"/>
+              </a:ext>
+            </a:extLst>
+          </p:cNvPr>
+          <p:cNvSpPr txBox="1"/>
+          <p:nvPr/>
+        </p:nvSpPr>
+        <p:spPr>
+          <a:xfrm>
+            <a:off x="613782" y="4276205"/>
+            <a:ext cx="7320265" cy="461665"/>
+          </a:xfrm>
+          <a:prstGeom prst="rect">
+            <a:avLst/>
+          </a:prstGeom>
+          <a:noFill/>
+        </p:spPr>
+        <p:txBody>
+          <a:bodyPr wrap="square">
+            <a:spAutoFit/>
+          </a:bodyPr>
+          <a:lstStyle/>
+          <a:p>
+            <a:r>
+              <a:rPr lang="en-AU" sz="2400" dirty="0"/>
+              <a:t>Parameterized Jensen Shannon Divergence:</a:t>
+            </a:r>
+            <a:endParaRPr lang="en-US" sz="2400" dirty="0"/>
+          </a:p>
+        </p:txBody>
+      </p:sp>
+    </p:spTree>
+    <p:extLst>
+      <p:ext uri="{BB962C8B-B14F-4D97-AF65-F5344CB8AC3E}">
+        <p14:creationId xmlns:p14="http://schemas.microsoft.com/office/powerpoint/2010/main" val="1765530266"/>
+      </p:ext>
+    </p:extLst>
+  </p:cSld>
+  <p:clrMapOvr>
+    <a:masterClrMapping/>
+  </p:clrMapOvr>
+</p:sld>
+</file>
+
+<file path=ppt/slides/slide7.xml><?xml version="1.0" encoding="utf-8"?>
 <p:sld xmlns:a="http://schemas.openxmlformats.org/drawingml/2006/main" xmlns:r="http://schemas.openxmlformats.org/officeDocument/2006/relationships" xmlns:p="http://schemas.openxmlformats.org/presentationml/2006/main">
   <p:cSld>
     <p:bg>
@@ -21353,7 +26468,11 @@
             </a:pPr>
             <a:r>
               <a:rPr lang="en-US" sz="3600" dirty="0"/>
-              <a:t>Problem</a:t>
+              <a:t>Problem #</a:t>
+            </a:r>
+            <a:r>
+              <a:rPr lang="ru-RU" sz="3600" dirty="0"/>
+              <a:t>2</a:t>
             </a:r>
             <a:endParaRPr sz="3600" dirty="0"/>
           </a:p>
@@ -21368,7 +26487,7 @@
         <p:spPr>
           <a:xfrm>
             <a:off x="613785" y="956995"/>
-            <a:ext cx="10867865" cy="1938952"/>
+            <a:ext cx="10867865" cy="830956"/>
           </a:xfrm>
           <a:prstGeom prst="rect">
             <a:avLst/>
@@ -21384,29 +26503,7 @@
           </a:bodyPr>
           <a:lstStyle/>
           <a:p>
-            <a:pPr marL="342900" marR="0" lvl="0" indent="-342900" algn="l" rtl="0">
-              <a:lnSpc>
-                <a:spcPct val="100000"/>
-              </a:lnSpc>
-              <a:spcBef>
-                <a:spcPts val="0"/>
-              </a:spcBef>
-              <a:spcAft>
-                <a:spcPts val="0"/>
-              </a:spcAft>
-              <a:buFont typeface="Arial" panose="020B0604020202020204" pitchFamily="34" charset="0"/>
-              <a:buChar char="•"/>
-            </a:pPr>
-            <a:r>
-              <a:rPr lang="en-US" sz="2400" dirty="0"/>
-              <a:t>Traditional low-dimensional embedding techniques do not work well</a:t>
-            </a:r>
-          </a:p>
-          <a:p>
-            <a:pPr marL="342900" lvl="8" indent="-342900">
-              <a:buFont typeface="Arial" panose="020B0604020202020204" pitchFamily="34" charset="0"/>
-              <a:buChar char="•"/>
-            </a:pPr>
+            <a:pPr lvl="8"/>
             <a:r>
               <a:rPr lang="en-US" sz="2400" b="0" i="0" u="none" strike="noStrike" cap="none" dirty="0">
                 <a:solidFill>
@@ -21417,7 +26514,23 @@
                 <a:cs typeface="Arial"/>
                 <a:sym typeface="Arial"/>
               </a:rPr>
-              <a:t>Cluster sizes and densities in the embedding do not model those of high-dimensional data</a:t>
+              <a:t>Cluster sizes and densities in the embedding do not model those of</a:t>
+            </a:r>
+            <a:r>
+              <a:rPr lang="ru-RU" sz="2400" dirty="0"/>
+              <a:t> </a:t>
+            </a:r>
+            <a:r>
+              <a:rPr lang="en-US" sz="2400" b="0" i="0" u="none" strike="noStrike" cap="none" dirty="0">
+                <a:solidFill>
+                  <a:srgbClr val="000000"/>
+                </a:solidFill>
+                <a:latin typeface="Arial"/>
+                <a:ea typeface="Arial"/>
+                <a:cs typeface="Arial"/>
+                <a:sym typeface="Arial"/>
+              </a:rPr>
+              <a:t>high-dimensional data</a:t>
             </a:r>
             <a:r>
               <a:rPr lang="en-US" sz="2400" dirty="0"/>
@@ -21425,38 +26538,11 @@
             </a:r>
             <a:r>
               <a:rPr lang="en-US" sz="2400" b="1" dirty="0"/>
-              <a:t>This can be solved by </a:t>
-            </a:r>
-            <a:r>
-              <a:rPr lang="en-US" sz="2400" b="1" dirty="0" err="1"/>
-              <a:t>dtSNE</a:t>
+              <a:t>This can be solved by dtSNE</a:t>
             </a:r>
             <a:endParaRPr lang="en-US" sz="2400" b="1" i="0" u="none" strike="noStrike" cap="none" dirty="0">
               <a:solidFill>
                 <a:srgbClr val="000000"/>
-              </a:solidFill>
-              <a:latin typeface="Arial"/>
-              <a:ea typeface="Arial"/>
-              <a:cs typeface="Arial"/>
-              <a:sym typeface="Arial"/>
-            </a:endParaRPr>
-          </a:p>
-          <a:p>
-            <a:pPr marL="342900" lvl="8" indent="-342900">
-              <a:buFont typeface="Arial" panose="020B0604020202020204" pitchFamily="34" charset="0"/>
-              <a:buChar char="•"/>
-            </a:pPr>
-            <a:r>
-              <a:rPr lang="en-US" sz="2400" dirty="0"/>
-              <a:t>If we have prior knowledge, we can exhibit meaningful low-lever structure. </a:t>
-            </a:r>
-            <a:r>
-              <a:rPr lang="en-US" sz="2400" b="1" dirty="0"/>
-              <a:t>This is implemented by JEDI</a:t>
-            </a:r>
-            <a:endParaRPr lang="en-US" sz="2400" b="1" i="0" u="none" strike="noStrike" cap="none" dirty="0">
-              <a:solidFill>
-                <a:schemeClr val="tx1"/>
               </a:solidFill>
               <a:latin typeface="Arial"/>
               <a:ea typeface="Arial"/>
@@ -21480,72 +26566,8 @@
         </p:nvSpPr>
         <p:spPr>
           <a:xfrm>
-            <a:off x="613785" y="3179354"/>
-            <a:ext cx="6300821" cy="1200329"/>
-          </a:xfrm>
-          <a:prstGeom prst="rect">
-            <a:avLst/>
-          </a:prstGeom>
-          <a:noFill/>
-        </p:spPr>
-        <p:txBody>
-          <a:bodyPr wrap="square">
-            <a:spAutoFit/>
-          </a:bodyPr>
-          <a:lstStyle/>
-          <a:p>
-            <a:r>
-              <a:rPr lang="en-US" sz="2400" b="1" dirty="0" err="1">
-                <a:solidFill>
-                  <a:srgbClr val="AAC50B"/>
-                </a:solidFill>
-              </a:rPr>
-              <a:t>dtSNE</a:t>
-            </a:r>
-            <a:r>
-              <a:rPr lang="en-US" sz="2400" b="1" dirty="0">
-                <a:solidFill>
-                  <a:srgbClr val="AAC50B"/>
-                </a:solidFill>
-              </a:rPr>
-              <a:t> </a:t>
-            </a:r>
-            <a:r>
-              <a:rPr lang="en-US" sz="2400" b="1" dirty="0">
-                <a:solidFill>
-                  <a:schemeClr val="tx1"/>
-                </a:solidFill>
-              </a:rPr>
-              <a:t>can help distinguish cell types while looking at relative differences in local densities in biological datasets</a:t>
-            </a:r>
-            <a:endParaRPr lang="en-US" sz="2400" b="0" i="0" u="none" strike="noStrike" cap="none" dirty="0">
-              <a:solidFill>
-                <a:schemeClr val="tx1"/>
-              </a:solidFill>
-              <a:latin typeface="Arial"/>
-              <a:ea typeface="Arial"/>
-              <a:cs typeface="Arial"/>
-              <a:sym typeface="Arial"/>
-            </a:endParaRPr>
-          </a:p>
-        </p:txBody>
-      </p:sp>
-      <p:sp>
-        <p:nvSpPr>
-          <p:cNvPr id="6" name="TextBox 5">
-            <a:extLst>
-              <a:ext uri="{FF2B5EF4-FFF2-40B4-BE49-F238E27FC236}">
-                <a16:creationId xmlns:a16="http://schemas.microsoft.com/office/drawing/2014/main" id="{D8FA69FE-8EDE-40E2-B02A-2D7CEB0A173B}"/>
-              </a:ext>
-            </a:extLst>
-          </p:cNvPr>
-          <p:cNvSpPr txBox="1"/>
-          <p:nvPr/>
-        </p:nvSpPr>
-        <p:spPr>
-          <a:xfrm>
-            <a:off x="613785" y="4617338"/>
-            <a:ext cx="6300821" cy="1200329"/>
+            <a:off x="6496736" y="3115654"/>
+            <a:ext cx="5294812" cy="1569660"/>
           </a:xfrm>
           <a:prstGeom prst="rect">
             <a:avLst/>
@@ -21564,7 +26586,7 @@
                   <a:srgbClr val="AAC50B"/>
                 </a:solidFill>
               </a:rPr>
-              <a:t>JEDI </a:t>
+              <a:t>dtSNE </a:t>
             </a:r>
             <a:r>
               <a:rPr lang="en-US" sz="2400" b="1" dirty="0">
@@ -21572,7 +26594,7 @@
                   <a:schemeClr val="tx1"/>
                 </a:solidFill>
               </a:rPr>
-              <a:t>is useful both for unstructured and structured data analysis, provided we have prior knowledge</a:t>
+              <a:t>can help distinguish cell types while looking at relative differences in local densities in biological datasets</a:t>
             </a:r>
             <a:endParaRPr lang="en-US" sz="2400" b="0" i="0" u="none" strike="noStrike" cap="none" dirty="0">
               <a:solidFill>
@@ -21608,8 +26630,8 @@
         </p:blipFill>
         <p:spPr>
           <a:xfrm>
-            <a:off x="7007464" y="3674231"/>
-            <a:ext cx="1924319" cy="1886213"/>
+            <a:off x="613785" y="2180751"/>
+            <a:ext cx="2728214" cy="2674189"/>
           </a:xfrm>
           <a:prstGeom prst="rect">
             <a:avLst/>
@@ -21638,8 +26660,8 @@
         </p:blipFill>
         <p:spPr>
           <a:xfrm>
-            <a:off x="9144142" y="3775937"/>
-            <a:ext cx="1971950" cy="1876687"/>
+            <a:off x="3341999" y="2329561"/>
+            <a:ext cx="2754859" cy="2621774"/>
           </a:xfrm>
           <a:prstGeom prst="rect">
             <a:avLst/>
@@ -21660,7 +26682,7 @@
         </p:nvSpPr>
         <p:spPr>
           <a:xfrm>
-            <a:off x="6496736" y="5644210"/>
+            <a:off x="801189" y="4939963"/>
             <a:ext cx="5294811" cy="307777"/>
           </a:xfrm>
           <a:prstGeom prst="rect">
@@ -21675,12 +26697,8 @@
           <a:lstStyle/>
           <a:p>
             <a:r>
-              <a:rPr lang="en-US" dirty="0" err="1"/>
-              <a:t>dtSNE</a:t>
-            </a:r>
-            <a:r>
               <a:rPr lang="en-US" dirty="0"/>
-              <a:t> Preserving local densities in low-dimensional embeddings</a:t>
+              <a:t>dtSNE Preserving local densities in low-dimensional embeddings</a:t>
             </a:r>
           </a:p>
         </p:txBody>
@@ -21698,333 +26716,7 @@
 </p:sld>
 </file>
 
-<file path=ppt/slides/slide3.xml><?xml version="1.0" encoding="utf-8"?>
-<p:sld xmlns:a="http://schemas.openxmlformats.org/drawingml/2006/main" xmlns:r="http://schemas.openxmlformats.org/officeDocument/2006/relationships" xmlns:p="http://schemas.openxmlformats.org/presentationml/2006/main">
-  <p:cSld>
-    <p:spTree>
-      <p:nvGrpSpPr>
-        <p:cNvPr id="1" name="Shape 147"/>
-        <p:cNvGrpSpPr/>
-        <p:nvPr/>
-      </p:nvGrpSpPr>
-      <p:grpSpPr>
-        <a:xfrm>
-          <a:off x="0" y="0"/>
-          <a:ext cx="0" cy="0"/>
-          <a:chOff x="0" y="0"/>
-          <a:chExt cx="0" cy="0"/>
-        </a:xfrm>
-      </p:grpSpPr>
-      <p:sp>
-        <p:nvSpPr>
-          <p:cNvPr id="148" name="Google Shape;148;p7"/>
-          <p:cNvSpPr txBox="1">
-            <a:spLocks noGrp="1"/>
-          </p:cNvSpPr>
-          <p:nvPr>
-            <p:ph type="title"/>
-          </p:nvPr>
-        </p:nvSpPr>
-        <p:spPr>
-          <a:xfrm>
-            <a:off x="613784" y="135713"/>
-            <a:ext cx="11578215" cy="959179"/>
-          </a:xfrm>
-          <a:prstGeom prst="rect">
-            <a:avLst/>
-          </a:prstGeom>
-          <a:noFill/>
-          <a:ln>
-            <a:noFill/>
-          </a:ln>
-        </p:spPr>
-        <p:txBody>
-          <a:bodyPr spcFirstLastPara="1" wrap="square" lIns="91425" tIns="45700" rIns="91425" bIns="45700" anchor="t" anchorCtr="0">
-            <a:noAutofit/>
-          </a:bodyPr>
-          <a:lstStyle/>
-          <a:p>
-            <a:pPr marL="0" marR="0" lvl="0" indent="0" algn="l" rtl="0">
-              <a:lnSpc>
-                <a:spcPct val="90000"/>
-              </a:lnSpc>
-              <a:spcBef>
-                <a:spcPts val="0"/>
-              </a:spcBef>
-              <a:spcAft>
-                <a:spcPts val="0"/>
-              </a:spcAft>
-              <a:buClr>
-                <a:schemeClr val="dk1"/>
-              </a:buClr>
-              <a:buSzPts val="7200"/>
-              <a:buFont typeface="Arial"/>
-              <a:buNone/>
-            </a:pPr>
-            <a:r>
-              <a:rPr lang="en-US" sz="3600" dirty="0"/>
-              <a:t>JEDI</a:t>
-            </a:r>
-            <a:endParaRPr sz="3600" dirty="0"/>
-          </a:p>
-        </p:txBody>
-      </p:sp>
-      <p:sp>
-        <p:nvSpPr>
-          <p:cNvPr id="10" name="TextBox 9">
-            <a:extLst>
-              <a:ext uri="{FF2B5EF4-FFF2-40B4-BE49-F238E27FC236}">
-                <a16:creationId xmlns:a16="http://schemas.microsoft.com/office/drawing/2014/main" id="{DD3A7F6F-0CB4-48AA-AE46-AB3736FC7371}"/>
-              </a:ext>
-            </a:extLst>
-          </p:cNvPr>
-          <p:cNvSpPr txBox="1"/>
-          <p:nvPr/>
-        </p:nvSpPr>
-        <p:spPr>
-          <a:xfrm>
-            <a:off x="613783" y="6132611"/>
-            <a:ext cx="6683999" cy="461665"/>
-          </a:xfrm>
-          <a:prstGeom prst="rect">
-            <a:avLst/>
-          </a:prstGeom>
-          <a:noFill/>
-        </p:spPr>
-        <p:txBody>
-          <a:bodyPr wrap="square">
-            <a:spAutoFit/>
-          </a:bodyPr>
-          <a:lstStyle/>
-          <a:p>
-            <a:r>
-              <a:rPr lang="en-US" sz="2400" b="1" dirty="0">
-                <a:solidFill>
-                  <a:schemeClr val="tx1"/>
-                </a:solidFill>
-              </a:rPr>
-              <a:t>Implementation by </a:t>
-            </a:r>
-            <a:r>
-              <a:rPr lang="en-US" sz="2400" b="1" dirty="0">
-                <a:solidFill>
-                  <a:srgbClr val="AAC50B"/>
-                </a:solidFill>
-              </a:rPr>
-              <a:t>Makhin Artem</a:t>
-            </a:r>
-            <a:endParaRPr lang="en-US" sz="1400" b="1" dirty="0">
-              <a:solidFill>
-                <a:srgbClr val="AAC50B"/>
-              </a:solidFill>
-            </a:endParaRPr>
-          </a:p>
-        </p:txBody>
-      </p:sp>
-      <p:pic>
-        <p:nvPicPr>
-          <p:cNvPr id="4" name="Рисунок 3">
-            <a:extLst>
-              <a:ext uri="{FF2B5EF4-FFF2-40B4-BE49-F238E27FC236}">
-                <a16:creationId xmlns:a16="http://schemas.microsoft.com/office/drawing/2014/main" id="{D9B5C75D-167B-4794-91E4-7EADD3E41668}"/>
-              </a:ext>
-            </a:extLst>
-          </p:cNvPr>
-          <p:cNvPicPr>
-            <a:picLocks noChangeAspect="1"/>
-          </p:cNvPicPr>
-          <p:nvPr/>
-        </p:nvPicPr>
-        <p:blipFill>
-          <a:blip r:embed="rId3"/>
-          <a:stretch>
-            <a:fillRect/>
-          </a:stretch>
-        </p:blipFill>
-        <p:spPr>
-          <a:xfrm>
-            <a:off x="6504555" y="3308346"/>
-            <a:ext cx="5260725" cy="3285930"/>
-          </a:xfrm>
-          <a:prstGeom prst="rect">
-            <a:avLst/>
-          </a:prstGeom>
-        </p:spPr>
-      </p:pic>
-      <p:pic>
-        <p:nvPicPr>
-          <p:cNvPr id="17" name="Рисунок 16">
-            <a:extLst>
-              <a:ext uri="{FF2B5EF4-FFF2-40B4-BE49-F238E27FC236}">
-                <a16:creationId xmlns:a16="http://schemas.microsoft.com/office/drawing/2014/main" id="{7F74B374-FA36-4BB1-B91F-A36D0469D9A1}"/>
-              </a:ext>
-            </a:extLst>
-          </p:cNvPr>
-          <p:cNvPicPr>
-            <a:picLocks noChangeAspect="1"/>
-          </p:cNvPicPr>
-          <p:nvPr/>
-        </p:nvPicPr>
-        <p:blipFill>
-          <a:blip r:embed="rId4"/>
-          <a:stretch>
-            <a:fillRect/>
-          </a:stretch>
-        </p:blipFill>
-        <p:spPr>
-          <a:xfrm>
-            <a:off x="1178816" y="1842742"/>
-            <a:ext cx="3477110" cy="809738"/>
-          </a:xfrm>
-          <a:prstGeom prst="rect">
-            <a:avLst/>
-          </a:prstGeom>
-        </p:spPr>
-      </p:pic>
-      <p:sp>
-        <p:nvSpPr>
-          <p:cNvPr id="22" name="TextBox 21">
-            <a:extLst>
-              <a:ext uri="{FF2B5EF4-FFF2-40B4-BE49-F238E27FC236}">
-                <a16:creationId xmlns:a16="http://schemas.microsoft.com/office/drawing/2014/main" id="{0D29E0BA-DB44-4B4F-A4E5-643849D8AE6E}"/>
-              </a:ext>
-            </a:extLst>
-          </p:cNvPr>
-          <p:cNvSpPr txBox="1"/>
-          <p:nvPr/>
-        </p:nvSpPr>
-        <p:spPr>
-          <a:xfrm>
-            <a:off x="613783" y="1007151"/>
-            <a:ext cx="5177417" cy="461665"/>
-          </a:xfrm>
-          <a:prstGeom prst="rect">
-            <a:avLst/>
-          </a:prstGeom>
-          <a:noFill/>
-        </p:spPr>
-        <p:txBody>
-          <a:bodyPr wrap="square">
-            <a:spAutoFit/>
-          </a:bodyPr>
-          <a:lstStyle/>
-          <a:p>
-            <a:r>
-              <a:rPr lang="en-US" sz="2400" dirty="0"/>
-              <a:t>To use prior </a:t>
-            </a:r>
-          </a:p>
-        </p:txBody>
-      </p:sp>
-      <p:pic>
-        <p:nvPicPr>
-          <p:cNvPr id="21" name="Рисунок 20">
-            <a:extLst>
-              <a:ext uri="{FF2B5EF4-FFF2-40B4-BE49-F238E27FC236}">
-                <a16:creationId xmlns:a16="http://schemas.microsoft.com/office/drawing/2014/main" id="{A44F6706-3978-4EFB-B6E3-C02F7986E28D}"/>
-              </a:ext>
-            </a:extLst>
-          </p:cNvPr>
-          <p:cNvPicPr>
-            <a:picLocks noChangeAspect="1"/>
-          </p:cNvPicPr>
-          <p:nvPr/>
-        </p:nvPicPr>
-        <p:blipFill>
-          <a:blip r:embed="rId5"/>
-          <a:stretch>
-            <a:fillRect/>
-          </a:stretch>
-        </p:blipFill>
-        <p:spPr>
-          <a:xfrm>
-            <a:off x="753651" y="3907095"/>
-            <a:ext cx="5220429" cy="781159"/>
-          </a:xfrm>
-          <a:prstGeom prst="rect">
-            <a:avLst/>
-          </a:prstGeom>
-        </p:spPr>
-      </p:pic>
-      <p:sp>
-        <p:nvSpPr>
-          <p:cNvPr id="25" name="TextBox 24">
-            <a:extLst>
-              <a:ext uri="{FF2B5EF4-FFF2-40B4-BE49-F238E27FC236}">
-                <a16:creationId xmlns:a16="http://schemas.microsoft.com/office/drawing/2014/main" id="{4754CEAA-37F9-4990-B726-09643AA10C75}"/>
-              </a:ext>
-            </a:extLst>
-          </p:cNvPr>
-          <p:cNvSpPr txBox="1"/>
-          <p:nvPr/>
-        </p:nvSpPr>
-        <p:spPr>
-          <a:xfrm>
-            <a:off x="613783" y="3382919"/>
-            <a:ext cx="5177417" cy="461665"/>
-          </a:xfrm>
-          <a:prstGeom prst="rect">
-            <a:avLst/>
-          </a:prstGeom>
-          <a:noFill/>
-        </p:spPr>
-        <p:txBody>
-          <a:bodyPr wrap="square">
-            <a:spAutoFit/>
-          </a:bodyPr>
-          <a:lstStyle/>
-          <a:p>
-            <a:r>
-              <a:rPr lang="en-US" sz="2400" dirty="0"/>
-              <a:t>Define the new operator    :</a:t>
-            </a:r>
-          </a:p>
-        </p:txBody>
-      </p:sp>
-      <p:pic>
-        <p:nvPicPr>
-          <p:cNvPr id="26" name="Рисунок 25">
-            <a:extLst>
-              <a:ext uri="{FF2B5EF4-FFF2-40B4-BE49-F238E27FC236}">
-                <a16:creationId xmlns:a16="http://schemas.microsoft.com/office/drawing/2014/main" id="{A7E99ABC-079E-435B-B53E-7461BBC01036}"/>
-              </a:ext>
-            </a:extLst>
-          </p:cNvPr>
-          <p:cNvPicPr>
-            <a:picLocks noChangeAspect="1"/>
-          </p:cNvPicPr>
-          <p:nvPr/>
-        </p:nvPicPr>
-        <p:blipFill>
-          <a:blip r:embed="rId6"/>
-          <a:stretch>
-            <a:fillRect/>
-          </a:stretch>
-        </p:blipFill>
-        <p:spPr>
-          <a:xfrm>
-            <a:off x="4019126" y="3533171"/>
-            <a:ext cx="200053" cy="200053"/>
-          </a:xfrm>
-          <a:prstGeom prst="rect">
-            <a:avLst/>
-          </a:prstGeom>
-        </p:spPr>
-      </p:pic>
-    </p:spTree>
-    <p:extLst>
-      <p:ext uri="{BB962C8B-B14F-4D97-AF65-F5344CB8AC3E}">
-        <p14:creationId xmlns:p14="http://schemas.microsoft.com/office/powerpoint/2010/main" val="1765530266"/>
-      </p:ext>
-    </p:extLst>
-  </p:cSld>
-  <p:clrMapOvr>
-    <a:masterClrMapping/>
-  </p:clrMapOvr>
-</p:sld>
-</file>
-
-<file path=ppt/slides/slide4.xml><?xml version="1.0" encoding="utf-8"?>
+<file path=ppt/slides/slide8.xml><?xml version="1.0" encoding="utf-8"?>
 <p:sld xmlns:a="http://schemas.openxmlformats.org/drawingml/2006/main" xmlns:r="http://schemas.openxmlformats.org/officeDocument/2006/relationships" xmlns:p="http://schemas.openxmlformats.org/presentationml/2006/main">
   <p:cSld>
     <p:bg>
@@ -22096,7 +26788,7 @@
               <a:buNone/>
             </a:pPr>
             <a:r>
-              <a:rPr lang="en-US" sz="3600" dirty="0" err="1"/>
+              <a:rPr lang="en-US" sz="3600" dirty="0"/>
               <a:t>dtSNE</a:t>
             </a:r>
             <a:endParaRPr dirty="0"/>
@@ -22146,7 +26838,7 @@
             </a:pPr>
             <a:fld id="{00000000-1234-1234-1234-123412341234}" type="slidenum">
               <a:rPr lang="en-US"/>
-              <a:t>4</a:t>
+              <a:t>8</a:t>
             </a:fld>
             <a:endParaRPr dirty="0"/>
           </a:p>
@@ -22219,7 +26911,7 @@
         <p:spPr>
           <a:xfrm>
             <a:off x="613783" y="1033462"/>
-            <a:ext cx="5586720" cy="1938992"/>
+            <a:ext cx="10928184" cy="1200329"/>
           </a:xfrm>
           <a:prstGeom prst="rect">
             <a:avLst/>
@@ -22250,7 +26942,19 @@
             </a:r>
             <a:r>
               <a:rPr lang="en-US" sz="2400" dirty="0"/>
-              <a:t> that show a similar relative difference in scale.</a:t>
+              <a:t> that show a </a:t>
+            </a:r>
+            <a:r>
+              <a:rPr lang="en-US" sz="2400" dirty="0">
+                <a:solidFill>
+                  <a:srgbClr val="AAC50B"/>
+                </a:solidFill>
+              </a:rPr>
+              <a:t>similar relative difference in scale</a:t>
+            </a:r>
+            <a:r>
+              <a:rPr lang="en-US" sz="2400" dirty="0"/>
+              <a:t>.</a:t>
             </a:r>
           </a:p>
           <a:p>
@@ -22283,14 +26987,324 @@
         </p:blipFill>
         <p:spPr>
           <a:xfrm>
-            <a:off x="1361308" y="2972454"/>
-            <a:ext cx="3181794" cy="885949"/>
+            <a:off x="5015757" y="1907517"/>
+            <a:ext cx="3287518" cy="915387"/>
           </a:xfrm>
           <a:prstGeom prst="rect">
             <a:avLst/>
           </a:prstGeom>
         </p:spPr>
       </p:pic>
+      <p:pic>
+        <p:nvPicPr>
+          <p:cNvPr id="3" name="Рисунок 2">
+            <a:extLst>
+              <a:ext uri="{FF2B5EF4-FFF2-40B4-BE49-F238E27FC236}">
+                <a16:creationId xmlns:a16="http://schemas.microsoft.com/office/drawing/2014/main" id="{ECC72E45-18E1-4595-1FC6-70A21423CD3A}"/>
+              </a:ext>
+            </a:extLst>
+          </p:cNvPr>
+          <p:cNvPicPr>
+            <a:picLocks noChangeAspect="1"/>
+          </p:cNvPicPr>
+          <p:nvPr/>
+        </p:nvPicPr>
+        <p:blipFill>
+          <a:blip r:embed="rId4"/>
+          <a:stretch>
+            <a:fillRect/>
+          </a:stretch>
+        </p:blipFill>
+        <p:spPr>
+          <a:xfrm>
+            <a:off x="969325" y="3614134"/>
+            <a:ext cx="4837003" cy="1093108"/>
+          </a:xfrm>
+          <a:prstGeom prst="rect">
+            <a:avLst/>
+          </a:prstGeom>
+        </p:spPr>
+      </p:pic>
+      <p:pic>
+        <p:nvPicPr>
+          <p:cNvPr id="6" name="Рисунок 5">
+            <a:extLst>
+              <a:ext uri="{FF2B5EF4-FFF2-40B4-BE49-F238E27FC236}">
+                <a16:creationId xmlns:a16="http://schemas.microsoft.com/office/drawing/2014/main" id="{5C7C1EBB-9396-CC40-A7BC-850F817F2AF2}"/>
+              </a:ext>
+            </a:extLst>
+          </p:cNvPr>
+          <p:cNvPicPr>
+            <a:picLocks noChangeAspect="1"/>
+          </p:cNvPicPr>
+          <p:nvPr/>
+        </p:nvPicPr>
+        <p:blipFill>
+          <a:blip r:embed="rId5"/>
+          <a:stretch>
+            <a:fillRect/>
+          </a:stretch>
+        </p:blipFill>
+        <p:spPr>
+          <a:xfrm>
+            <a:off x="1364332" y="4778385"/>
+            <a:ext cx="4185235" cy="1105256"/>
+          </a:xfrm>
+          <a:prstGeom prst="rect">
+            <a:avLst/>
+          </a:prstGeom>
+        </p:spPr>
+      </p:pic>
+      <p:pic>
+        <p:nvPicPr>
+          <p:cNvPr id="9" name="Рисунок 8">
+            <a:extLst>
+              <a:ext uri="{FF2B5EF4-FFF2-40B4-BE49-F238E27FC236}">
+                <a16:creationId xmlns:a16="http://schemas.microsoft.com/office/drawing/2014/main" id="{7C6481E4-620F-903E-BCB3-9EEA32D7BD37}"/>
+              </a:ext>
+            </a:extLst>
+          </p:cNvPr>
+          <p:cNvPicPr>
+            <a:picLocks noChangeAspect="1"/>
+          </p:cNvPicPr>
+          <p:nvPr/>
+        </p:nvPicPr>
+        <p:blipFill>
+          <a:blip r:embed="rId6"/>
+          <a:stretch>
+            <a:fillRect/>
+          </a:stretch>
+        </p:blipFill>
+        <p:spPr>
+          <a:xfrm>
+            <a:off x="7119837" y="4755997"/>
+            <a:ext cx="4473448" cy="1172651"/>
+          </a:xfrm>
+          <a:prstGeom prst="rect">
+            <a:avLst/>
+          </a:prstGeom>
+        </p:spPr>
+      </p:pic>
+      <p:pic>
+        <p:nvPicPr>
+          <p:cNvPr id="11" name="Рисунок 10">
+            <a:extLst>
+              <a:ext uri="{FF2B5EF4-FFF2-40B4-BE49-F238E27FC236}">
+                <a16:creationId xmlns:a16="http://schemas.microsoft.com/office/drawing/2014/main" id="{CEEBF89E-22F8-6DDC-FD6E-7F5BCE1A7619}"/>
+              </a:ext>
+            </a:extLst>
+          </p:cNvPr>
+          <p:cNvPicPr>
+            <a:picLocks noChangeAspect="1"/>
+          </p:cNvPicPr>
+          <p:nvPr/>
+        </p:nvPicPr>
+        <p:blipFill>
+          <a:blip r:embed="rId7"/>
+          <a:stretch>
+            <a:fillRect/>
+          </a:stretch>
+        </p:blipFill>
+        <p:spPr>
+          <a:xfrm>
+            <a:off x="6762645" y="3635123"/>
+            <a:ext cx="5085195" cy="1051129"/>
+          </a:xfrm>
+          <a:prstGeom prst="rect">
+            <a:avLst/>
+          </a:prstGeom>
+        </p:spPr>
+      </p:pic>
+      <p:pic>
+        <p:nvPicPr>
+          <p:cNvPr id="16" name="Рисунок 15">
+            <a:extLst>
+              <a:ext uri="{FF2B5EF4-FFF2-40B4-BE49-F238E27FC236}">
+                <a16:creationId xmlns:a16="http://schemas.microsoft.com/office/drawing/2014/main" id="{8647A9E9-274B-8CFF-3B03-B279D2FF155C}"/>
+              </a:ext>
+            </a:extLst>
+          </p:cNvPr>
+          <p:cNvPicPr>
+            <a:picLocks noChangeAspect="1"/>
+          </p:cNvPicPr>
+          <p:nvPr/>
+        </p:nvPicPr>
+        <p:blipFill rotWithShape="1">
+          <a:blip r:embed="rId8"/>
+          <a:srcRect t="5622"/>
+          <a:stretch/>
+        </p:blipFill>
+        <p:spPr>
+          <a:xfrm>
+            <a:off x="8574368" y="2169318"/>
+            <a:ext cx="2552233" cy="378433"/>
+          </a:xfrm>
+          <a:prstGeom prst="rect">
+            <a:avLst/>
+          </a:prstGeom>
+        </p:spPr>
+      </p:pic>
+      <p:sp>
+        <p:nvSpPr>
+          <p:cNvPr id="17" name="TextBox 16">
+            <a:extLst>
+              <a:ext uri="{FF2B5EF4-FFF2-40B4-BE49-F238E27FC236}">
+                <a16:creationId xmlns:a16="http://schemas.microsoft.com/office/drawing/2014/main" id="{C70B38B7-09AA-2F99-E9AB-99F3158EFFD6}"/>
+              </a:ext>
+            </a:extLst>
+          </p:cNvPr>
+          <p:cNvSpPr txBox="1"/>
+          <p:nvPr/>
+        </p:nvSpPr>
+        <p:spPr>
+          <a:xfrm>
+            <a:off x="2813180" y="2936377"/>
+            <a:ext cx="1670179" cy="461665"/>
+          </a:xfrm>
+          <a:prstGeom prst="rect">
+            <a:avLst/>
+          </a:prstGeom>
+          <a:noFill/>
+        </p:spPr>
+        <p:txBody>
+          <a:bodyPr wrap="square" rtlCol="0">
+            <a:spAutoFit/>
+          </a:bodyPr>
+          <a:lstStyle/>
+          <a:p>
+            <a:r>
+              <a:rPr lang="en-US" sz="2400" b="1" dirty="0"/>
+              <a:t>t-SNE</a:t>
+            </a:r>
+            <a:endParaRPr lang="ru-RU" sz="2000" b="1" dirty="0"/>
+          </a:p>
+        </p:txBody>
+      </p:sp>
+      <p:sp>
+        <p:nvSpPr>
+          <p:cNvPr id="19" name="TextBox 18">
+            <a:extLst>
+              <a:ext uri="{FF2B5EF4-FFF2-40B4-BE49-F238E27FC236}">
+                <a16:creationId xmlns:a16="http://schemas.microsoft.com/office/drawing/2014/main" id="{D1F62D81-5C07-AB94-0029-75891099E541}"/>
+              </a:ext>
+            </a:extLst>
+          </p:cNvPr>
+          <p:cNvSpPr txBox="1"/>
+          <p:nvPr/>
+        </p:nvSpPr>
+        <p:spPr>
+          <a:xfrm>
+            <a:off x="8136295" y="2936377"/>
+            <a:ext cx="1670179" cy="461665"/>
+          </a:xfrm>
+          <a:prstGeom prst="rect">
+            <a:avLst/>
+          </a:prstGeom>
+          <a:noFill/>
+        </p:spPr>
+        <p:txBody>
+          <a:bodyPr wrap="square" rtlCol="0">
+            <a:spAutoFit/>
+          </a:bodyPr>
+          <a:lstStyle/>
+          <a:p>
+            <a:r>
+              <a:rPr lang="en-US" sz="2400" b="1" dirty="0">
+                <a:solidFill>
+                  <a:srgbClr val="AAC50B"/>
+                </a:solidFill>
+              </a:rPr>
+              <a:t>d</a:t>
+            </a:r>
+            <a:r>
+              <a:rPr lang="en-US" sz="2400" b="1" dirty="0"/>
+              <a:t>t-SNE</a:t>
+            </a:r>
+            <a:endParaRPr lang="ru-RU" sz="2000" b="1" dirty="0"/>
+          </a:p>
+        </p:txBody>
+      </p:sp>
+      <p:cxnSp>
+        <p:nvCxnSpPr>
+          <p:cNvPr id="23" name="Прямая со стрелкой 22">
+            <a:extLst>
+              <a:ext uri="{FF2B5EF4-FFF2-40B4-BE49-F238E27FC236}">
+                <a16:creationId xmlns:a16="http://schemas.microsoft.com/office/drawing/2014/main" id="{DBD98C3E-0F83-C12C-6047-13EDF9AD7E9E}"/>
+              </a:ext>
+            </a:extLst>
+          </p:cNvPr>
+          <p:cNvCxnSpPr>
+            <a:stCxn id="3" idx="3"/>
+            <a:endCxn id="11" idx="1"/>
+          </p:cNvCxnSpPr>
+          <p:nvPr/>
+        </p:nvCxnSpPr>
+        <p:spPr>
+          <a:xfrm>
+            <a:off x="5806328" y="4160688"/>
+            <a:ext cx="956317" cy="0"/>
+          </a:xfrm>
+          <a:prstGeom prst="straightConnector1">
+            <a:avLst/>
+          </a:prstGeom>
+          <a:ln>
+            <a:tailEnd type="triangle"/>
+          </a:ln>
+        </p:spPr>
+        <p:style>
+          <a:lnRef idx="3">
+            <a:schemeClr val="accent6"/>
+          </a:lnRef>
+          <a:fillRef idx="0">
+            <a:schemeClr val="accent6"/>
+          </a:fillRef>
+          <a:effectRef idx="2">
+            <a:schemeClr val="accent6"/>
+          </a:effectRef>
+          <a:fontRef idx="minor">
+            <a:schemeClr val="tx1"/>
+          </a:fontRef>
+        </p:style>
+      </p:cxnSp>
+      <p:cxnSp>
+        <p:nvCxnSpPr>
+          <p:cNvPr id="24" name="Прямая со стрелкой 23">
+            <a:extLst>
+              <a:ext uri="{FF2B5EF4-FFF2-40B4-BE49-F238E27FC236}">
+                <a16:creationId xmlns:a16="http://schemas.microsoft.com/office/drawing/2014/main" id="{2764FA35-377D-B804-25D6-898EF3D56ADD}"/>
+              </a:ext>
+            </a:extLst>
+          </p:cNvPr>
+          <p:cNvCxnSpPr/>
+          <p:nvPr/>
+        </p:nvCxnSpPr>
+        <p:spPr>
+          <a:xfrm>
+            <a:off x="5806327" y="5331013"/>
+            <a:ext cx="956317" cy="0"/>
+          </a:xfrm>
+          <a:prstGeom prst="straightConnector1">
+            <a:avLst/>
+          </a:prstGeom>
+          <a:ln>
+            <a:tailEnd type="triangle"/>
+          </a:ln>
+        </p:spPr>
+        <p:style>
+          <a:lnRef idx="3">
+            <a:schemeClr val="accent6"/>
+          </a:lnRef>
+          <a:fillRef idx="0">
+            <a:schemeClr val="accent6"/>
+          </a:fillRef>
+          <a:effectRef idx="2">
+            <a:schemeClr val="accent6"/>
+          </a:effectRef>
+          <a:fontRef idx="minor">
+            <a:schemeClr val="tx1"/>
+          </a:fontRef>
+        </p:style>
+      </p:cxnSp>
     </p:spTree>
     <p:extLst>
       <p:ext uri="{BB962C8B-B14F-4D97-AF65-F5344CB8AC3E}">
@@ -22304,7 +27318,7 @@
 </p:sld>
 </file>
 
-<file path=ppt/slides/slide5.xml><?xml version="1.0" encoding="utf-8"?>
+<file path=ppt/slides/slide9.xml><?xml version="1.0" encoding="utf-8"?>
 <p:sld xmlns:a="http://schemas.openxmlformats.org/drawingml/2006/main" xmlns:r="http://schemas.openxmlformats.org/officeDocument/2006/relationships" xmlns:p="http://schemas.openxmlformats.org/presentationml/2006/main">
   <p:cSld>
     <p:spTree>
@@ -22418,7 +27432,7 @@
             </a:pPr>
             <a:fld id="{00000000-1234-1234-1234-123412341234}" type="slidenum">
               <a:rPr lang="en-US"/>
-              <a:t>5</a:t>
+              <a:t>9</a:t>
             </a:fld>
             <a:endParaRPr/>
           </a:p>
@@ -22478,10 +27492,10 @@
       </p:sp>
       <p:pic>
         <p:nvPicPr>
-          <p:cNvPr id="7" name="Рисунок 6">
+          <p:cNvPr id="2" name="Рисунок 1">
             <a:extLst>
               <a:ext uri="{FF2B5EF4-FFF2-40B4-BE49-F238E27FC236}">
-                <a16:creationId xmlns:a16="http://schemas.microsoft.com/office/drawing/2014/main" id="{78DE5037-3B58-401F-8AE9-0190033ED0D3}"/>
+                <a16:creationId xmlns:a16="http://schemas.microsoft.com/office/drawing/2014/main" id="{06502C8D-3A39-F0B7-F8C5-CC67139922E5}"/>
               </a:ext>
             </a:extLst>
           </p:cNvPr>
@@ -22498,8 +27512,8 @@
         </p:blipFill>
         <p:spPr>
           <a:xfrm>
-            <a:off x="708450" y="1367245"/>
-            <a:ext cx="6209118" cy="3616780"/>
+            <a:off x="613783" y="1817263"/>
+            <a:ext cx="6328576" cy="3758596"/>
           </a:xfrm>
           <a:prstGeom prst="rect">
             <a:avLst/>
@@ -22508,10 +27522,10 @@
       </p:pic>
       <p:pic>
         <p:nvPicPr>
-          <p:cNvPr id="9" name="Рисунок 8">
+          <p:cNvPr id="3" name="Рисунок 2">
             <a:extLst>
               <a:ext uri="{FF2B5EF4-FFF2-40B4-BE49-F238E27FC236}">
-                <a16:creationId xmlns:a16="http://schemas.microsoft.com/office/drawing/2014/main" id="{2FA0E80A-9466-4C1B-9A73-590F3FCC944F}"/>
+                <a16:creationId xmlns:a16="http://schemas.microsoft.com/office/drawing/2014/main" id="{EC35DB2F-CC5C-28A9-84A3-19FBE439D09E}"/>
               </a:ext>
             </a:extLst>
           </p:cNvPr>
@@ -22528,157 +27542,20 @@
         </p:blipFill>
         <p:spPr>
           <a:xfrm>
-            <a:off x="7297782" y="1436039"/>
-            <a:ext cx="4471103" cy="3547986"/>
+            <a:off x="6942359" y="1928317"/>
+            <a:ext cx="4871689" cy="3790939"/>
           </a:xfrm>
           <a:prstGeom prst="rect">
             <a:avLst/>
           </a:prstGeom>
         </p:spPr>
       </p:pic>
-    </p:spTree>
-    <p:extLst>
-      <p:ext uri="{BB962C8B-B14F-4D97-AF65-F5344CB8AC3E}">
-        <p14:creationId xmlns:p14="http://schemas.microsoft.com/office/powerpoint/2010/main" val="519510491"/>
-      </p:ext>
-    </p:extLst>
-  </p:cSld>
-  <p:clrMapOvr>
-    <a:masterClrMapping/>
-  </p:clrMapOvr>
-</p:sld>
-</file>
-
-<file path=ppt/slides/slide6.xml><?xml version="1.0" encoding="utf-8"?>
-<p:sld xmlns:a="http://schemas.openxmlformats.org/drawingml/2006/main" xmlns:r="http://schemas.openxmlformats.org/officeDocument/2006/relationships" xmlns:p="http://schemas.openxmlformats.org/presentationml/2006/main">
-  <p:cSld>
-    <p:spTree>
-      <p:nvGrpSpPr>
-        <p:cNvPr id="1" name="Shape 160"/>
-        <p:cNvGrpSpPr/>
-        <p:nvPr/>
-      </p:nvGrpSpPr>
-      <p:grpSpPr>
-        <a:xfrm>
-          <a:off x="0" y="0"/>
-          <a:ext cx="0" cy="0"/>
-          <a:chOff x="0" y="0"/>
-          <a:chExt cx="0" cy="0"/>
-        </a:xfrm>
-      </p:grpSpPr>
       <p:sp>
         <p:nvSpPr>
-          <p:cNvPr id="161" name="Google Shape;161;p9"/>
-          <p:cNvSpPr txBox="1">
-            <a:spLocks noGrp="1"/>
-          </p:cNvSpPr>
-          <p:nvPr>
-            <p:ph type="title"/>
-          </p:nvPr>
-        </p:nvSpPr>
-        <p:spPr>
-          <a:xfrm>
-            <a:off x="708450" y="288451"/>
-            <a:ext cx="7027500" cy="683100"/>
-          </a:xfrm>
-          <a:prstGeom prst="rect">
-            <a:avLst/>
-          </a:prstGeom>
-          <a:noFill/>
-          <a:ln>
-            <a:noFill/>
-          </a:ln>
-        </p:spPr>
-        <p:txBody>
-          <a:bodyPr spcFirstLastPara="1" wrap="square" lIns="91425" tIns="45700" rIns="91425" bIns="45700" anchor="t" anchorCtr="0">
-            <a:noAutofit/>
-          </a:bodyPr>
-          <a:lstStyle/>
-          <a:p>
-            <a:pPr marL="0" marR="0" lvl="0" indent="0" algn="l" rtl="0">
-              <a:lnSpc>
-                <a:spcPct val="90000"/>
-              </a:lnSpc>
-              <a:spcBef>
-                <a:spcPts val="0"/>
-              </a:spcBef>
-              <a:spcAft>
-                <a:spcPts val="0"/>
-              </a:spcAft>
-              <a:buClr>
-                <a:schemeClr val="dk1"/>
-              </a:buClr>
-              <a:buSzPts val="7200"/>
-              <a:buFont typeface="Arial"/>
-              <a:buNone/>
-            </a:pPr>
-            <a:r>
-              <a:rPr lang="en-US" sz="3600" dirty="0"/>
-              <a:t>Experiments, </a:t>
-            </a:r>
-            <a:r>
-              <a:rPr lang="en-US" sz="3600" dirty="0" err="1"/>
-              <a:t>dtSNE</a:t>
-            </a:r>
-            <a:endParaRPr dirty="0"/>
-          </a:p>
-        </p:txBody>
-      </p:sp>
-      <p:sp>
-        <p:nvSpPr>
-          <p:cNvPr id="162" name="Google Shape;162;p9"/>
-          <p:cNvSpPr>
-            <a:spLocks noGrp="1"/>
-          </p:cNvSpPr>
-          <p:nvPr>
-            <p:ph type="sldNum" idx="12"/>
-          </p:nvPr>
-        </p:nvSpPr>
-        <p:spPr>
-          <a:xfrm>
-            <a:off x="11119976" y="365123"/>
-            <a:ext cx="579331" cy="500361"/>
-          </a:xfrm>
-          <a:prstGeom prst="ellipse">
-            <a:avLst/>
-          </a:prstGeom>
-          <a:noFill/>
-          <a:ln>
-            <a:noFill/>
-          </a:ln>
-        </p:spPr>
-        <p:txBody>
-          <a:bodyPr spcFirstLastPara="1" wrap="square" lIns="91425" tIns="45700" rIns="91425" bIns="45700" anchor="t" anchorCtr="0">
-            <a:noAutofit/>
-          </a:bodyPr>
-          <a:lstStyle/>
-          <a:p>
-            <a:pPr marL="0" lvl="0" indent="0" algn="l" rtl="0">
-              <a:lnSpc>
-                <a:spcPct val="100000"/>
-              </a:lnSpc>
-              <a:spcBef>
-                <a:spcPts val="0"/>
-              </a:spcBef>
-              <a:spcAft>
-                <a:spcPts val="0"/>
-              </a:spcAft>
-              <a:buNone/>
-            </a:pPr>
-            <a:fld id="{00000000-1234-1234-1234-123412341234}" type="slidenum">
-              <a:rPr lang="en-US"/>
-              <a:t>6</a:t>
-            </a:fld>
-            <a:endParaRPr/>
-          </a:p>
-        </p:txBody>
-      </p:sp>
-      <p:sp>
-        <p:nvSpPr>
-          <p:cNvPr id="4" name="TextBox 3">
+          <p:cNvPr id="5" name="TextBox 4">
             <a:extLst>
               <a:ext uri="{FF2B5EF4-FFF2-40B4-BE49-F238E27FC236}">
-                <a16:creationId xmlns:a16="http://schemas.microsoft.com/office/drawing/2014/main" id="{13053645-B16C-444C-BCA1-F93FC105986F}"/>
+                <a16:creationId xmlns:a16="http://schemas.microsoft.com/office/drawing/2014/main" id="{6619FD23-A25E-F58C-B8AC-E10421771428}"/>
               </a:ext>
             </a:extLst>
           </p:cNvPr>
@@ -22687,8 +27564,8 @@
         </p:nvSpPr>
         <p:spPr>
           <a:xfrm>
-            <a:off x="613783" y="6132611"/>
-            <a:ext cx="6683999" cy="461665"/>
+            <a:off x="613783" y="1086629"/>
+            <a:ext cx="8315097" cy="646331"/>
           </a:xfrm>
           <a:prstGeom prst="rect">
             <a:avLst/>
@@ -22696,202 +27573,29 @@
           <a:noFill/>
         </p:spPr>
         <p:txBody>
-          <a:bodyPr wrap="square">
+          <a:bodyPr wrap="none" rtlCol="0">
             <a:spAutoFit/>
           </a:bodyPr>
           <a:lstStyle/>
           <a:p>
             <a:r>
-              <a:rPr lang="en-US" sz="2400" b="1" dirty="0">
-                <a:solidFill>
-                  <a:schemeClr val="tx1"/>
-                </a:solidFill>
-              </a:rPr>
-              <a:t>Done by </a:t>
+              <a:rPr lang="en-AU" sz="1800" dirty="0"/>
+              <a:t>Dataset with 4 clusters in first four dimensions and 2 clusters in 5-6 dimensions.</a:t>
             </a:r>
+          </a:p>
+          <a:p>
             <a:r>
-              <a:rPr lang="en-US" sz="2400" b="1" dirty="0">
-                <a:solidFill>
-                  <a:srgbClr val="AAC50B"/>
-                </a:solidFill>
-              </a:rPr>
-              <a:t>Mumladze Maximelian</a:t>
+              <a:rPr lang="en-AU" sz="1800" dirty="0"/>
+              <a:t>Information from first dimensions is prior knowledge </a:t>
             </a:r>
-            <a:endParaRPr lang="en-US" sz="1400" b="1" dirty="0">
-              <a:solidFill>
-                <a:srgbClr val="AAC50B"/>
-              </a:solidFill>
-            </a:endParaRPr>
-          </a:p>
-        </p:txBody>
-      </p:sp>
-      <p:pic>
-        <p:nvPicPr>
-          <p:cNvPr id="3" name="Рисунок 2">
-            <a:extLst>
-              <a:ext uri="{FF2B5EF4-FFF2-40B4-BE49-F238E27FC236}">
-                <a16:creationId xmlns:a16="http://schemas.microsoft.com/office/drawing/2014/main" id="{4A984814-8183-42A3-AA27-017FA18DA13E}"/>
-              </a:ext>
-            </a:extLst>
-          </p:cNvPr>
-          <p:cNvPicPr>
-            <a:picLocks noChangeAspect="1"/>
-          </p:cNvPicPr>
-          <p:nvPr/>
-        </p:nvPicPr>
-        <p:blipFill>
-          <a:blip r:embed="rId3"/>
-          <a:stretch>
-            <a:fillRect/>
-          </a:stretch>
-        </p:blipFill>
-        <p:spPr>
-          <a:xfrm>
-            <a:off x="1988016" y="995581"/>
-            <a:ext cx="8215967" cy="4866837"/>
-          </a:xfrm>
-          <a:prstGeom prst="rect">
-            <a:avLst/>
-          </a:prstGeom>
-        </p:spPr>
-      </p:pic>
-    </p:spTree>
-    <p:extLst>
-      <p:ext uri="{BB962C8B-B14F-4D97-AF65-F5344CB8AC3E}">
-        <p14:creationId xmlns:p14="http://schemas.microsoft.com/office/powerpoint/2010/main" val="93482945"/>
-      </p:ext>
-    </p:extLst>
-  </p:cSld>
-  <p:clrMapOvr>
-    <a:masterClrMapping/>
-  </p:clrMapOvr>
-</p:sld>
-</file>
-
-<file path=ppt/slides/slide7.xml><?xml version="1.0" encoding="utf-8"?>
-<p:sld xmlns:a="http://schemas.openxmlformats.org/drawingml/2006/main" xmlns:r="http://schemas.openxmlformats.org/officeDocument/2006/relationships" xmlns:p="http://schemas.openxmlformats.org/presentationml/2006/main">
-  <p:cSld>
-    <p:spTree>
-      <p:nvGrpSpPr>
-        <p:cNvPr id="1" name="Shape 160"/>
-        <p:cNvGrpSpPr/>
-        <p:nvPr/>
-      </p:nvGrpSpPr>
-      <p:grpSpPr>
-        <a:xfrm>
-          <a:off x="0" y="0"/>
-          <a:ext cx="0" cy="0"/>
-          <a:chOff x="0" y="0"/>
-          <a:chExt cx="0" cy="0"/>
-        </a:xfrm>
-      </p:grpSpPr>
-      <p:sp>
-        <p:nvSpPr>
-          <p:cNvPr id="161" name="Google Shape;161;p9"/>
-          <p:cNvSpPr txBox="1">
-            <a:spLocks noGrp="1"/>
-          </p:cNvSpPr>
-          <p:nvPr>
-            <p:ph type="title"/>
-          </p:nvPr>
-        </p:nvSpPr>
-        <p:spPr>
-          <a:xfrm>
-            <a:off x="708450" y="288451"/>
-            <a:ext cx="7027500" cy="683100"/>
-          </a:xfrm>
-          <a:prstGeom prst="rect">
-            <a:avLst/>
-          </a:prstGeom>
-          <a:noFill/>
-          <a:ln>
-            <a:noFill/>
-          </a:ln>
-        </p:spPr>
-        <p:txBody>
-          <a:bodyPr spcFirstLastPara="1" wrap="square" lIns="91425" tIns="45700" rIns="91425" bIns="45700" anchor="t" anchorCtr="0">
-            <a:noAutofit/>
-          </a:bodyPr>
-          <a:lstStyle/>
-          <a:p>
-            <a:pPr marL="0" marR="0" lvl="0" indent="0" algn="l" rtl="0">
-              <a:lnSpc>
-                <a:spcPct val="90000"/>
-              </a:lnSpc>
-              <a:spcBef>
-                <a:spcPts val="0"/>
-              </a:spcBef>
-              <a:spcAft>
-                <a:spcPts val="0"/>
-              </a:spcAft>
-              <a:buClr>
-                <a:schemeClr val="dk1"/>
-              </a:buClr>
-              <a:buSzPts val="7200"/>
-              <a:buFont typeface="Arial"/>
-              <a:buNone/>
-            </a:pPr>
-            <a:r>
-              <a:rPr lang="en-US" sz="3600" dirty="0"/>
-              <a:t>Conclusion</a:t>
-            </a:r>
-            <a:endParaRPr dirty="0"/>
-          </a:p>
-        </p:txBody>
-      </p:sp>
-      <p:sp>
-        <p:nvSpPr>
-          <p:cNvPr id="162" name="Google Shape;162;p9"/>
-          <p:cNvSpPr>
-            <a:spLocks noGrp="1"/>
-          </p:cNvSpPr>
-          <p:nvPr>
-            <p:ph type="sldNum" idx="12"/>
-          </p:nvPr>
-        </p:nvSpPr>
-        <p:spPr>
-          <a:xfrm>
-            <a:off x="11119976" y="365123"/>
-            <a:ext cx="579331" cy="500361"/>
-          </a:xfrm>
-          <a:prstGeom prst="ellipse">
-            <a:avLst/>
-          </a:prstGeom>
-          <a:noFill/>
-          <a:ln>
-            <a:noFill/>
-          </a:ln>
-        </p:spPr>
-        <p:txBody>
-          <a:bodyPr spcFirstLastPara="1" wrap="square" lIns="91425" tIns="45700" rIns="91425" bIns="45700" anchor="t" anchorCtr="0">
-            <a:noAutofit/>
-          </a:bodyPr>
-          <a:lstStyle/>
-          <a:p>
-            <a:pPr marL="0" lvl="0" indent="0" algn="l" rtl="0">
-              <a:lnSpc>
-                <a:spcPct val="100000"/>
-              </a:lnSpc>
-              <a:spcBef>
-                <a:spcPts val="0"/>
-              </a:spcBef>
-              <a:spcAft>
-                <a:spcPts val="0"/>
-              </a:spcAft>
-              <a:buNone/>
-            </a:pPr>
-            <a:fld id="{00000000-1234-1234-1234-123412341234}" type="slidenum">
-              <a:rPr lang="en-US"/>
-              <a:t>7</a:t>
-            </a:fld>
-            <a:endParaRPr/>
+            <a:endParaRPr lang="ru-RU" sz="1800" dirty="0"/>
           </a:p>
         </p:txBody>
       </p:sp>
     </p:spTree>
     <p:extLst>
       <p:ext uri="{BB962C8B-B14F-4D97-AF65-F5344CB8AC3E}">
-        <p14:creationId xmlns:p14="http://schemas.microsoft.com/office/powerpoint/2010/main" val="2781815917"/>
+        <p14:creationId xmlns:p14="http://schemas.microsoft.com/office/powerpoint/2010/main" val="519510491"/>
       </p:ext>
     </p:extLst>
   </p:cSld>
